--- a/Courses/Applied-Programmer/Programming-Fundamentals/03-Масиви-и-списъци/11.Работа-с-масиви-методи.pptx
+++ b/Courses/Applied-Programmer/Programming-Fundamentals/03-Масиви-и-списъци/11.Работа-с-масиви-методи.pptx
@@ -335,7 +335,7 @@
             <a:fld id="{FE5B4EDC-59C0-49C7-8ADA-5A781B329E02}" type="datetimeFigureOut">
               <a:rPr lang="en-US"/>
               <a:pPr/>
-              <a:t>16-Dec-19</a:t>
+              <a:t>10-Nov-20</a:t>
             </a:fld>
             <a:endParaRPr dirty="0"/>
           </a:p>
@@ -633,7 +633,7 @@
             <a:fld id="{F2D8D46A-B586-417D-BFBD-8C8FE0AAF762}" type="datetimeFigureOut">
               <a:rPr lang="en-US" smtClean="0"/>
               <a:pPr/>
-              <a:t>16-Dec-19</a:t>
+              <a:t>10-Nov-20</a:t>
             </a:fld>
             <a:endParaRPr lang="en-US" dirty="0"/>
           </a:p>

--- a/Courses/Applied-Programmer/Programming-Fundamentals/03-Масиви-и-списъци/11.Работа-с-масиви-методи.pptx
+++ b/Courses/Applied-Programmer/Programming-Fundamentals/03-Масиви-и-списъци/11.Работа-с-масиви-методи.pptx
@@ -7680,10 +7680,25 @@
               <a:t>Методът </a:t>
             </a:r>
             <a:r>
-              <a:rPr lang="en-US" dirty="0"/>
+              <a:rPr lang="en-US" b="1" dirty="0">
+                <a:solidFill>
+                  <a:schemeClr val="tx2">
+                    <a:lumMod val="75000"/>
+                  </a:schemeClr>
+                </a:solidFill>
+              </a:rPr>
               <a:t>Reverse</a:t>
             </a:r>
-            <a:endParaRPr lang="bg-BG" dirty="0"/>
+            <a:r>
+              <a:rPr lang="bg-BG" b="1" dirty="0">
+                <a:solidFill>
+                  <a:schemeClr val="tx2">
+                    <a:lumMod val="75000"/>
+                  </a:schemeClr>
+                </a:solidFill>
+              </a:rPr>
+              <a:t>()</a:t>
+            </a:r>
           </a:p>
           <a:p>
             <a:pPr marL="514350" indent="-514350">
@@ -7698,10 +7713,25 @@
               <a:t>Методът </a:t>
             </a:r>
             <a:r>
-              <a:rPr lang="en-US" dirty="0"/>
+              <a:rPr lang="en-US" b="1" dirty="0">
+                <a:solidFill>
+                  <a:schemeClr val="tx2">
+                    <a:lumMod val="75000"/>
+                  </a:schemeClr>
+                </a:solidFill>
+              </a:rPr>
               <a:t>Sort</a:t>
             </a:r>
-            <a:endParaRPr lang="bg-BG" dirty="0"/>
+            <a:r>
+              <a:rPr lang="bg-BG" b="1" dirty="0">
+                <a:solidFill>
+                  <a:schemeClr val="tx2">
+                    <a:lumMod val="75000"/>
+                  </a:schemeClr>
+                </a:solidFill>
+              </a:rPr>
+              <a:t>()</a:t>
+            </a:r>
           </a:p>
           <a:p>
             <a:pPr marL="514350" indent="-514350">
@@ -7716,10 +7746,25 @@
               <a:t>Методът </a:t>
             </a:r>
             <a:r>
-              <a:rPr lang="en-US" dirty="0"/>
+              <a:rPr lang="en-US" b="1" dirty="0">
+                <a:solidFill>
+                  <a:schemeClr val="tx2">
+                    <a:lumMod val="75000"/>
+                  </a:schemeClr>
+                </a:solidFill>
+              </a:rPr>
               <a:t>Clear</a:t>
             </a:r>
-            <a:endParaRPr lang="bg-BG" dirty="0"/>
+            <a:r>
+              <a:rPr lang="bg-BG" b="1" dirty="0">
+                <a:solidFill>
+                  <a:schemeClr val="tx2">
+                    <a:lumMod val="75000"/>
+                  </a:schemeClr>
+                </a:solidFill>
+              </a:rPr>
+              <a:t>()</a:t>
+            </a:r>
           </a:p>
           <a:p>
             <a:pPr marL="514350" indent="-514350">
@@ -7734,9 +7779,52 @@
               <a:t>Методът </a:t>
             </a:r>
             <a:r>
-              <a:rPr lang="en-US" dirty="0"/>
-              <a:t>Copyto</a:t>
-            </a:r>
+              <a:rPr lang="en-US" b="1" dirty="0">
+                <a:solidFill>
+                  <a:schemeClr val="tx2">
+                    <a:lumMod val="75000"/>
+                  </a:schemeClr>
+                </a:solidFill>
+              </a:rPr>
+              <a:t>Copy</a:t>
+            </a:r>
+            <a:r>
+              <a:rPr lang="bg-BG" b="1" dirty="0">
+                <a:solidFill>
+                  <a:schemeClr val="tx2">
+                    <a:lumMod val="75000"/>
+                  </a:schemeClr>
+                </a:solidFill>
+              </a:rPr>
+              <a:t>Т</a:t>
+            </a:r>
+            <a:r>
+              <a:rPr lang="en-US" b="1" dirty="0">
+                <a:solidFill>
+                  <a:schemeClr val="tx2">
+                    <a:lumMod val="75000"/>
+                  </a:schemeClr>
+                </a:solidFill>
+              </a:rPr>
+              <a:t>o</a:t>
+            </a:r>
+            <a:r>
+              <a:rPr lang="bg-BG" b="1" dirty="0">
+                <a:solidFill>
+                  <a:schemeClr val="tx2">
+                    <a:lumMod val="75000"/>
+                  </a:schemeClr>
+                </a:solidFill>
+              </a:rPr>
+              <a:t>()</a:t>
+            </a:r>
+            <a:endParaRPr lang="en-US" b="1" dirty="0">
+              <a:solidFill>
+                <a:schemeClr val="tx2">
+                  <a:lumMod val="75000"/>
+                </a:schemeClr>
+              </a:solidFill>
+            </a:endParaRPr>
           </a:p>
           <a:p>
             <a:pPr marL="514350" indent="-514350">
@@ -7751,29 +7839,25 @@
               <a:t>Методът </a:t>
             </a:r>
             <a:r>
-              <a:rPr lang="en-US" dirty="0"/>
+              <a:rPr lang="en-US" b="1" dirty="0">
+                <a:solidFill>
+                  <a:schemeClr val="tx2">
+                    <a:lumMod val="75000"/>
+                  </a:schemeClr>
+                </a:solidFill>
+              </a:rPr>
               <a:t>Copy</a:t>
             </a:r>
-          </a:p>
-          <a:p>
-            <a:pPr marL="514350" indent="-514350">
-              <a:lnSpc>
-                <a:spcPct val="150000"/>
-              </a:lnSpc>
-              <a:buFont typeface="+mj-lt"/>
-              <a:buAutoNum type="arabicPeriod"/>
-            </a:pPr>
-            <a:endParaRPr lang="bg-BG" dirty="0"/>
-          </a:p>
-          <a:p>
-            <a:pPr marL="514350" indent="-514350">
-              <a:lnSpc>
-                <a:spcPct val="150000"/>
-              </a:lnSpc>
-              <a:buFont typeface="+mj-lt"/>
-              <a:buAutoNum type="arabicPeriod"/>
-            </a:pPr>
-            <a:endParaRPr lang="bg-BG" dirty="0"/>
+            <a:r>
+              <a:rPr lang="bg-BG" b="1" dirty="0">
+                <a:solidFill>
+                  <a:schemeClr val="tx2">
+                    <a:lumMod val="75000"/>
+                  </a:schemeClr>
+                </a:solidFill>
+              </a:rPr>
+              <a:t>()</a:t>
+            </a:r>
           </a:p>
           <a:p>
             <a:pPr marL="514350" indent="-514350">
@@ -7930,7 +8014,7 @@
         <p:spPr/>
         <p:txBody>
           <a:bodyPr>
-            <a:normAutofit fontScale="85000" lnSpcReduction="20000"/>
+            <a:noAutofit/>
           </a:bodyPr>
           <a:lstStyle/>
           <a:p>
@@ -7941,7 +8025,7 @@
               <a:buNone/>
             </a:pPr>
             <a:r>
-              <a:rPr lang="en-US" b="1" dirty="0">
+              <a:rPr lang="en-US" sz="2400" b="1" dirty="0">
                 <a:latin typeface="Consolas" panose="020B0609020204030204" pitchFamily="49" charset="0"/>
               </a:rPr>
               <a:t>using System;				</a:t>
@@ -7955,7 +8039,7 @@
               <a:buNone/>
             </a:pPr>
             <a:r>
-              <a:rPr lang="en-US" b="1" dirty="0">
+              <a:rPr lang="en-US" sz="2400" b="1" dirty="0">
                 <a:latin typeface="Consolas" panose="020B0609020204030204" pitchFamily="49" charset="0"/>
               </a:rPr>
               <a:t>public class Program</a:t>
@@ -7969,7 +8053,7 @@
               <a:buNone/>
             </a:pPr>
             <a:r>
-              <a:rPr lang="en-US" b="1" dirty="0">
+              <a:rPr lang="en-US" sz="2400" b="1" dirty="0">
                 <a:latin typeface="Consolas" panose="020B0609020204030204" pitchFamily="49" charset="0"/>
               </a:rPr>
               <a:t>{</a:t>
@@ -7983,7 +8067,7 @@
               <a:buNone/>
             </a:pPr>
             <a:r>
-              <a:rPr lang="en-US" b="1" dirty="0">
+              <a:rPr lang="en-US" sz="2400" b="1" dirty="0">
                 <a:latin typeface="Consolas" panose="020B0609020204030204" pitchFamily="49" charset="0"/>
               </a:rPr>
               <a:t> public static void Main()</a:t>
@@ -7997,7 +8081,7 @@
               <a:buNone/>
             </a:pPr>
             <a:r>
-              <a:rPr lang="en-US" b="1" dirty="0">
+              <a:rPr lang="en-US" sz="2400" b="1" dirty="0">
                 <a:latin typeface="Consolas" panose="020B0609020204030204" pitchFamily="49" charset="0"/>
               </a:rPr>
               <a:t> {</a:t>
@@ -8011,7 +8095,7 @@
               <a:buNone/>
             </a:pPr>
             <a:r>
-              <a:rPr lang="en-US" b="1" dirty="0">
+              <a:rPr lang="en-US" sz="2400" b="1" dirty="0">
                 <a:latin typeface="Consolas" panose="020B0609020204030204" pitchFamily="49" charset="0"/>
               </a:rPr>
               <a:t>    int[] arr = new int[] {  2, 4, -5, 1, 10  };</a:t>
@@ -8025,19 +8109,24 @@
               <a:buNone/>
             </a:pPr>
             <a:r>
-              <a:rPr lang="en-US" b="1" dirty="0">
+              <a:rPr lang="en-US" sz="2400" b="1" dirty="0">
                 <a:latin typeface="Consolas" panose="020B0609020204030204" pitchFamily="49" charset="0"/>
               </a:rPr>
               <a:t>    </a:t>
             </a:r>
             <a:r>
-              <a:rPr lang="en-US" b="1" dirty="0" err="1">
+              <a:rPr lang="en-US" sz="2400" b="1" dirty="0" err="1">
+                <a:solidFill>
+                  <a:schemeClr val="tx2">
+                    <a:lumMod val="75000"/>
+                  </a:schemeClr>
+                </a:solidFill>
                 <a:latin typeface="Consolas" panose="020B0609020204030204" pitchFamily="49" charset="0"/>
               </a:rPr>
               <a:t>Array.Reverse</a:t>
             </a:r>
             <a:r>
-              <a:rPr lang="en-US" b="1" dirty="0">
+              <a:rPr lang="en-US" sz="2400" b="1" dirty="0">
                 <a:latin typeface="Consolas" panose="020B0609020204030204" pitchFamily="49" charset="0"/>
               </a:rPr>
               <a:t>(arr);</a:t>
@@ -8051,7 +8140,7 @@
               <a:buNone/>
             </a:pPr>
             <a:r>
-              <a:rPr lang="en-US" b="1" dirty="0">
+              <a:rPr lang="en-US" sz="2400" b="1" dirty="0">
                 <a:latin typeface="Consolas" panose="020B0609020204030204" pitchFamily="49" charset="0"/>
               </a:rPr>
               <a:t>    Console.WriteLine(string.Join(" ", arr));</a:t>
@@ -8065,7 +8154,7 @@
               <a:buNone/>
             </a:pPr>
             <a:r>
-              <a:rPr lang="en-US" b="1" dirty="0">
+              <a:rPr lang="en-US" sz="2400" b="1" dirty="0">
                 <a:latin typeface="Consolas" panose="020B0609020204030204" pitchFamily="49" charset="0"/>
               </a:rPr>
               <a:t>  }</a:t>
@@ -8079,7 +8168,7 @@
               <a:buNone/>
             </a:pPr>
             <a:r>
-              <a:rPr lang="en-US" b="1" dirty="0">
+              <a:rPr lang="en-US" sz="2400" b="1" dirty="0">
                 <a:latin typeface="Consolas" panose="020B0609020204030204" pitchFamily="49" charset="0"/>
               </a:rPr>
               <a:t>}	</a:t>
@@ -8093,12 +8182,12 @@
               <a:buNone/>
             </a:pPr>
             <a:r>
-              <a:rPr lang="en-US" b="1" dirty="0">
+              <a:rPr lang="en-US" sz="2400" b="1" dirty="0">
                 <a:latin typeface="Consolas" panose="020B0609020204030204" pitchFamily="49" charset="0"/>
               </a:rPr>
               <a:t>	</a:t>
             </a:r>
-            <a:endParaRPr lang="bg-BG" b="1" dirty="0">
+            <a:endParaRPr lang="bg-BG" sz="2400" b="1" dirty="0">
               <a:latin typeface="Consolas" panose="020B0609020204030204" pitchFamily="49" charset="0"/>
             </a:endParaRPr>
           </a:p>
@@ -9137,794 +9226,815 @@
           </a:p>
         </p:txBody>
       </p:sp>
-      <p:sp>
-        <p:nvSpPr>
-          <p:cNvPr id="11" name="Rounded Rectangle 10"/>
-          <p:cNvSpPr/>
+      <p:grpSp>
+        <p:nvGrpSpPr>
+          <p:cNvPr id="2" name="Group 1">
+            <a:extLst>
+              <a:ext uri="{FF2B5EF4-FFF2-40B4-BE49-F238E27FC236}">
+                <a16:creationId xmlns:a16="http://schemas.microsoft.com/office/drawing/2014/main" id="{9F24C9A0-49C2-4BAC-9648-E63417A49003}"/>
+              </a:ext>
+            </a:extLst>
+          </p:cNvPr>
+          <p:cNvGrpSpPr/>
           <p:nvPr/>
-        </p:nvSpPr>
-        <p:spPr>
+        </p:nvGrpSpPr>
+        <p:grpSpPr>
           <a:xfrm>
-            <a:off x="7770813" y="4955577"/>
+            <a:off x="8075612" y="4955577"/>
             <a:ext cx="3581400" cy="1667663"/>
+            <a:chOff x="7770813" y="4955577"/>
+            <a:chExt cx="3581400" cy="1667663"/>
           </a:xfrm>
-          <a:prstGeom prst="roundRect">
-            <a:avLst>
-              <a:gd name="adj" fmla="val 6659"/>
-            </a:avLst>
-          </a:prstGeom>
-          <a:solidFill>
-            <a:schemeClr val="accent5">
-              <a:lumMod val="40000"/>
-              <a:lumOff val="60000"/>
-              <a:alpha val="20000"/>
-            </a:schemeClr>
-          </a:solidFill>
-          <a:ln w="12700">
+        </p:grpSpPr>
+        <p:sp>
+          <p:nvSpPr>
+            <p:cNvPr id="11" name="Rounded Rectangle 10"/>
+            <p:cNvSpPr/>
+            <p:nvPr/>
+          </p:nvSpPr>
+          <p:spPr>
+            <a:xfrm>
+              <a:off x="7770813" y="4955577"/>
+              <a:ext cx="3581400" cy="1667663"/>
+            </a:xfrm>
+            <a:prstGeom prst="roundRect">
+              <a:avLst>
+                <a:gd name="adj" fmla="val 6659"/>
+              </a:avLst>
+            </a:prstGeom>
             <a:solidFill>
               <a:schemeClr val="accent5">
-                <a:lumMod val="60000"/>
-                <a:lumOff val="40000"/>
-                <a:alpha val="50000"/>
+                <a:lumMod val="40000"/>
+                <a:lumOff val="60000"/>
+                <a:alpha val="20000"/>
               </a:schemeClr>
             </a:solidFill>
-            <a:prstDash val="sysDash"/>
-          </a:ln>
-        </p:spPr>
-        <p:txBody>
-          <a:bodyPr vert="horz" wrap="square" lIns="144000" tIns="108000" rIns="144000" bIns="108000" rtlCol="0">
-            <a:noAutofit/>
-          </a:bodyPr>
-          <a:lstStyle/>
-          <a:p>
-            <a:pPr defTabSz="1218987">
-              <a:buClr>
-                <a:srgbClr val="F2B254"/>
-              </a:buClr>
-              <a:buSzPct val="100000"/>
-              <a:buFont typeface="Wingdings" panose="05000000000000000000" pitchFamily="2" charset="2"/>
-              <a:buNone/>
-            </a:pPr>
-            <a:endParaRPr lang="en-US" sz="2400" b="1" dirty="0">
+            <a:ln w="12700">
               <a:solidFill>
-                <a:srgbClr val="FBEEDC"/>
+                <a:schemeClr val="accent5">
+                  <a:lumMod val="60000"/>
+                  <a:lumOff val="40000"/>
+                  <a:alpha val="50000"/>
+                </a:schemeClr>
               </a:solidFill>
-              <a:effectLst>
-                <a:outerShdw blurRad="38100" dist="38100" dir="2700000" algn="tl">
-                  <a:srgbClr val="000000">
-                    <a:alpha val="43137"/>
-                  </a:srgbClr>
-                </a:outerShdw>
-              </a:effectLst>
-              <a:latin typeface="Consolas" pitchFamily="49" charset="0"/>
-              <a:cs typeface="Consolas" pitchFamily="49" charset="0"/>
-            </a:endParaRPr>
-          </a:p>
-        </p:txBody>
-      </p:sp>
-      <p:graphicFrame>
-        <p:nvGraphicFramePr>
-          <p:cNvPr id="12" name="Group 134"/>
-          <p:cNvGraphicFramePr>
-            <a:graphicFrameLocks/>
-          </p:cNvGraphicFramePr>
-          <p:nvPr>
-            <p:extLst>
-              <p:ext uri="{D42A27DB-BD31-4B8C-83A1-F6EECF244321}">
-                <p14:modId xmlns:p14="http://schemas.microsoft.com/office/powerpoint/2010/main" val="797211263"/>
-              </p:ext>
-            </p:extLst>
-          </p:nvPr>
-        </p:nvGraphicFramePr>
-        <p:xfrm>
-          <a:off x="8150491" y="5752093"/>
-          <a:ext cx="2941320" cy="512477"/>
-        </p:xfrm>
-        <a:graphic>
-          <a:graphicData uri="http://schemas.openxmlformats.org/drawingml/2006/table">
-            <a:tbl>
-              <a:tblPr/>
-              <a:tblGrid>
-                <a:gridCol w="588264">
-                  <a:extLst>
-                    <a:ext uri="{9D8B030D-6E8A-4147-A177-3AD203B41FA5}">
-                      <a16:colId xmlns:a16="http://schemas.microsoft.com/office/drawing/2014/main" val="20000"/>
-                    </a:ext>
-                  </a:extLst>
-                </a:gridCol>
-                <a:gridCol w="588264">
-                  <a:extLst>
-                    <a:ext uri="{9D8B030D-6E8A-4147-A177-3AD203B41FA5}">
-                      <a16:colId xmlns:a16="http://schemas.microsoft.com/office/drawing/2014/main" val="20001"/>
-                    </a:ext>
-                  </a:extLst>
-                </a:gridCol>
-                <a:gridCol w="588264">
-                  <a:extLst>
-                    <a:ext uri="{9D8B030D-6E8A-4147-A177-3AD203B41FA5}">
-                      <a16:colId xmlns:a16="http://schemas.microsoft.com/office/drawing/2014/main" val="20002"/>
-                    </a:ext>
-                  </a:extLst>
-                </a:gridCol>
-                <a:gridCol w="588264">
-                  <a:extLst>
-                    <a:ext uri="{9D8B030D-6E8A-4147-A177-3AD203B41FA5}">
-                      <a16:colId xmlns:a16="http://schemas.microsoft.com/office/drawing/2014/main" val="20003"/>
-                    </a:ext>
-                  </a:extLst>
-                </a:gridCol>
-                <a:gridCol w="588264">
-                  <a:extLst>
-                    <a:ext uri="{9D8B030D-6E8A-4147-A177-3AD203B41FA5}">
-                      <a16:colId xmlns:a16="http://schemas.microsoft.com/office/drawing/2014/main" val="20004"/>
-                    </a:ext>
-                  </a:extLst>
-                </a:gridCol>
-              </a:tblGrid>
-              <a:tr h="512477">
-                <a:tc>
-                  <a:txBody>
-                    <a:bodyPr/>
-                    <a:lstStyle/>
-                    <a:p>
-                      <a:pPr marL="0" marR="0" lvl="0" indent="0" algn="ctr" defTabSz="914400" rtl="0" eaLnBrk="0" fontAlgn="base" latinLnBrk="0" hangingPunct="0">
-                        <a:lnSpc>
-                          <a:spcPct val="50000"/>
-                        </a:lnSpc>
-                        <a:spcBef>
-                          <a:spcPct val="40000"/>
-                        </a:spcBef>
-                        <a:spcAft>
-                          <a:spcPct val="0"/>
-                        </a:spcAft>
-                        <a:buClr>
-                          <a:schemeClr val="tx1"/>
-                        </a:buClr>
-                        <a:buSzTx/>
-                        <a:buFontTx/>
-                        <a:buNone/>
-                        <a:tabLst/>
-                        <a:defRPr/>
-                      </a:pPr>
-                      <a:r>
-                        <a:rPr kumimoji="0" lang="en-US" sz="2800" b="1" i="0" u="none" strike="noStrike" kern="1200" cap="none" spc="0" normalizeH="0" baseline="0" noProof="0" dirty="0">
-                          <a:ln>
-                            <a:noFill/>
-                          </a:ln>
-                          <a:solidFill>
-                            <a:srgbClr val="EBFFD2"/>
-                          </a:solidFill>
-                          <a:effectLst>
-                            <a:outerShdw blurRad="38100" dist="38100" dir="2700000" algn="tl">
-                              <a:srgbClr val="000000">
-                                <a:alpha val="43137"/>
-                              </a:srgbClr>
-                            </a:outerShdw>
-                          </a:effectLst>
-                          <a:uLnTx/>
-                          <a:uFillTx/>
-                          <a:latin typeface="Consolas" pitchFamily="49" charset="0"/>
-                          <a:ea typeface="+mn-ea"/>
-                          <a:cs typeface="Consolas" pitchFamily="49" charset="0"/>
-                        </a:rPr>
-                        <a:t>…</a:t>
-                      </a:r>
-                    </a:p>
-                  </a:txBody>
-                  <a:tcPr anchor="ctr" horzOverflow="overflow">
-                    <a:lnL w="28575" cap="flat" cmpd="sng" algn="ctr">
+              <a:prstDash val="sysDash"/>
+            </a:ln>
+          </p:spPr>
+          <p:txBody>
+            <a:bodyPr vert="horz" wrap="square" lIns="144000" tIns="108000" rIns="144000" bIns="108000" rtlCol="0">
+              <a:noAutofit/>
+            </a:bodyPr>
+            <a:lstStyle/>
+            <a:p>
+              <a:pPr defTabSz="1218987">
+                <a:buClr>
+                  <a:srgbClr val="F2B254"/>
+                </a:buClr>
+                <a:buSzPct val="100000"/>
+                <a:buFont typeface="Wingdings" panose="05000000000000000000" pitchFamily="2" charset="2"/>
+                <a:buNone/>
+              </a:pPr>
+              <a:endParaRPr lang="en-US" sz="2400" b="1" dirty="0">
+                <a:solidFill>
+                  <a:srgbClr val="FBEEDC"/>
+                </a:solidFill>
+                <a:effectLst>
+                  <a:outerShdw blurRad="38100" dist="38100" dir="2700000" algn="tl">
+                    <a:srgbClr val="000000">
+                      <a:alpha val="43137"/>
+                    </a:srgbClr>
+                  </a:outerShdw>
+                </a:effectLst>
+                <a:latin typeface="Consolas" pitchFamily="49" charset="0"/>
+                <a:cs typeface="Consolas" pitchFamily="49" charset="0"/>
+              </a:endParaRPr>
+            </a:p>
+          </p:txBody>
+        </p:sp>
+        <p:graphicFrame>
+          <p:nvGraphicFramePr>
+            <p:cNvPr id="12" name="Group 134"/>
+            <p:cNvGraphicFramePr>
+              <a:graphicFrameLocks/>
+            </p:cNvGraphicFramePr>
+            <p:nvPr>
+              <p:extLst>
+                <p:ext uri="{D42A27DB-BD31-4B8C-83A1-F6EECF244321}">
+                  <p14:modId xmlns:p14="http://schemas.microsoft.com/office/powerpoint/2010/main" val="2727963293"/>
+                </p:ext>
+              </p:extLst>
+            </p:nvPr>
+          </p:nvGraphicFramePr>
+          <p:xfrm>
+            <a:off x="8150491" y="5752093"/>
+            <a:ext cx="2941320" cy="512477"/>
+          </p:xfrm>
+          <a:graphic>
+            <a:graphicData uri="http://schemas.openxmlformats.org/drawingml/2006/table">
+              <a:tbl>
+                <a:tblPr/>
+                <a:tblGrid>
+                  <a:gridCol w="588264">
+                    <a:extLst>
+                      <a:ext uri="{9D8B030D-6E8A-4147-A177-3AD203B41FA5}">
+                        <a16:colId xmlns:a16="http://schemas.microsoft.com/office/drawing/2014/main" val="20000"/>
+                      </a:ext>
+                    </a:extLst>
+                  </a:gridCol>
+                  <a:gridCol w="588264">
+                    <a:extLst>
+                      <a:ext uri="{9D8B030D-6E8A-4147-A177-3AD203B41FA5}">
+                        <a16:colId xmlns:a16="http://schemas.microsoft.com/office/drawing/2014/main" val="20001"/>
+                      </a:ext>
+                    </a:extLst>
+                  </a:gridCol>
+                  <a:gridCol w="588264">
+                    <a:extLst>
+                      <a:ext uri="{9D8B030D-6E8A-4147-A177-3AD203B41FA5}">
+                        <a16:colId xmlns:a16="http://schemas.microsoft.com/office/drawing/2014/main" val="20002"/>
+                      </a:ext>
+                    </a:extLst>
+                  </a:gridCol>
+                  <a:gridCol w="588264">
+                    <a:extLst>
+                      <a:ext uri="{9D8B030D-6E8A-4147-A177-3AD203B41FA5}">
+                        <a16:colId xmlns:a16="http://schemas.microsoft.com/office/drawing/2014/main" val="20003"/>
+                      </a:ext>
+                    </a:extLst>
+                  </a:gridCol>
+                  <a:gridCol w="588264">
+                    <a:extLst>
+                      <a:ext uri="{9D8B030D-6E8A-4147-A177-3AD203B41FA5}">
+                        <a16:colId xmlns:a16="http://schemas.microsoft.com/office/drawing/2014/main" val="20004"/>
+                      </a:ext>
+                    </a:extLst>
+                  </a:gridCol>
+                </a:tblGrid>
+                <a:tr h="512477">
+                  <a:tc>
+                    <a:txBody>
+                      <a:bodyPr/>
+                      <a:lstStyle/>
+                      <a:p>
+                        <a:pPr marL="0" marR="0" lvl="0" indent="0" algn="ctr" defTabSz="914400" rtl="0" eaLnBrk="0" fontAlgn="base" latinLnBrk="0" hangingPunct="0">
+                          <a:lnSpc>
+                            <a:spcPct val="50000"/>
+                          </a:lnSpc>
+                          <a:spcBef>
+                            <a:spcPct val="40000"/>
+                          </a:spcBef>
+                          <a:spcAft>
+                            <a:spcPct val="0"/>
+                          </a:spcAft>
+                          <a:buClr>
+                            <a:schemeClr val="tx1"/>
+                          </a:buClr>
+                          <a:buSzTx/>
+                          <a:buFontTx/>
+                          <a:buNone/>
+                          <a:tabLst/>
+                          <a:defRPr/>
+                        </a:pPr>
+                        <a:r>
+                          <a:rPr kumimoji="0" lang="en-US" sz="2800" b="1" i="0" u="none" strike="noStrike" kern="1200" cap="none" spc="0" normalizeH="0" baseline="0" noProof="0" dirty="0">
+                            <a:ln>
+                              <a:noFill/>
+                            </a:ln>
+                            <a:solidFill>
+                              <a:srgbClr val="EBFFD2"/>
+                            </a:solidFill>
+                            <a:effectLst>
+                              <a:outerShdw blurRad="38100" dist="38100" dir="2700000" algn="tl">
+                                <a:srgbClr val="000000">
+                                  <a:alpha val="43137"/>
+                                </a:srgbClr>
+                              </a:outerShdw>
+                            </a:effectLst>
+                            <a:uLnTx/>
+                            <a:uFillTx/>
+                            <a:latin typeface="Consolas" pitchFamily="49" charset="0"/>
+                            <a:ea typeface="+mn-ea"/>
+                            <a:cs typeface="Consolas" pitchFamily="49" charset="0"/>
+                          </a:rPr>
+                          <a:t>…</a:t>
+                        </a:r>
+                      </a:p>
+                    </a:txBody>
+                    <a:tcPr anchor="ctr" horzOverflow="overflow">
+                      <a:lnL w="28575" cap="flat" cmpd="sng" algn="ctr">
+                        <a:solidFill>
+                          <a:schemeClr val="accent5">
+                            <a:lumMod val="20000"/>
+                            <a:lumOff val="80000"/>
+                          </a:schemeClr>
+                        </a:solidFill>
+                        <a:prstDash val="solid"/>
+                        <a:round/>
+                        <a:headEnd type="none" w="med" len="med"/>
+                        <a:tailEnd type="none" w="med" len="med"/>
+                      </a:lnL>
+                      <a:lnR w="28575" cap="flat" cmpd="sng" algn="ctr">
+                        <a:solidFill>
+                          <a:schemeClr val="accent5">
+                            <a:lumMod val="20000"/>
+                            <a:lumOff val="80000"/>
+                          </a:schemeClr>
+                        </a:solidFill>
+                        <a:prstDash val="solid"/>
+                        <a:round/>
+                        <a:headEnd type="none" w="med" len="med"/>
+                        <a:tailEnd type="none" w="med" len="med"/>
+                      </a:lnR>
+                      <a:lnT w="28575" cap="flat" cmpd="sng" algn="ctr">
+                        <a:solidFill>
+                          <a:schemeClr val="accent5">
+                            <a:lumMod val="20000"/>
+                            <a:lumOff val="80000"/>
+                          </a:schemeClr>
+                        </a:solidFill>
+                        <a:prstDash val="solid"/>
+                        <a:round/>
+                        <a:headEnd type="none" w="med" len="med"/>
+                        <a:tailEnd type="none" w="med" len="med"/>
+                      </a:lnT>
+                      <a:lnB w="28575" cap="flat" cmpd="sng" algn="ctr">
+                        <a:solidFill>
+                          <a:schemeClr val="accent5">
+                            <a:lumMod val="20000"/>
+                            <a:lumOff val="80000"/>
+                          </a:schemeClr>
+                        </a:solidFill>
+                        <a:prstDash val="solid"/>
+                        <a:round/>
+                        <a:headEnd type="none" w="med" len="med"/>
+                        <a:tailEnd type="none" w="med" len="med"/>
+                      </a:lnB>
+                      <a:lnTlToBr>
+                        <a:noFill/>
+                      </a:lnTlToBr>
+                      <a:lnBlToTr>
+                        <a:noFill/>
+                      </a:lnBlToTr>
                       <a:solidFill>
                         <a:schemeClr val="accent5">
                           <a:lumMod val="20000"/>
                           <a:lumOff val="80000"/>
+                          <a:alpha val="30000"/>
                         </a:schemeClr>
                       </a:solidFill>
-                      <a:prstDash val="solid"/>
-                      <a:round/>
-                      <a:headEnd type="none" w="med" len="med"/>
-                      <a:tailEnd type="none" w="med" len="med"/>
-                    </a:lnL>
-                    <a:lnR w="28575" cap="flat" cmpd="sng" algn="ctr">
+                    </a:tcPr>
+                  </a:tc>
+                  <a:tc>
+                    <a:txBody>
+                      <a:bodyPr/>
+                      <a:lstStyle/>
+                      <a:p>
+                        <a:pPr marL="0" marR="0" lvl="0" indent="0" algn="ctr" defTabSz="914400" rtl="0" eaLnBrk="0" fontAlgn="base" latinLnBrk="0" hangingPunct="0">
+                          <a:lnSpc>
+                            <a:spcPct val="50000"/>
+                          </a:lnSpc>
+                          <a:spcBef>
+                            <a:spcPct val="40000"/>
+                          </a:spcBef>
+                          <a:spcAft>
+                            <a:spcPct val="0"/>
+                          </a:spcAft>
+                          <a:buClr>
+                            <a:schemeClr val="tx1"/>
+                          </a:buClr>
+                          <a:buSzTx/>
+                          <a:buFontTx/>
+                          <a:buNone/>
+                          <a:tabLst/>
+                          <a:defRPr/>
+                        </a:pPr>
+                        <a:r>
+                          <a:rPr kumimoji="0" lang="en-US" sz="2800" b="1" i="0" u="none" strike="noStrike" kern="1200" cap="none" spc="0" normalizeH="0" baseline="0" noProof="0" dirty="0">
+                            <a:ln>
+                              <a:noFill/>
+                            </a:ln>
+                            <a:solidFill>
+                              <a:srgbClr val="EBFFD2"/>
+                            </a:solidFill>
+                            <a:effectLst>
+                              <a:outerShdw blurRad="38100" dist="38100" dir="2700000" algn="tl">
+                                <a:srgbClr val="000000">
+                                  <a:alpha val="43137"/>
+                                </a:srgbClr>
+                              </a:outerShdw>
+                            </a:effectLst>
+                            <a:uLnTx/>
+                            <a:uFillTx/>
+                            <a:latin typeface="Consolas" pitchFamily="49" charset="0"/>
+                            <a:ea typeface="+mn-ea"/>
+                            <a:cs typeface="Consolas" pitchFamily="49" charset="0"/>
+                          </a:rPr>
+                          <a:t>…</a:t>
+                        </a:r>
+                      </a:p>
+                    </a:txBody>
+                    <a:tcPr anchor="ctr" horzOverflow="overflow">
+                      <a:lnL w="28575" cap="flat" cmpd="sng" algn="ctr">
+                        <a:solidFill>
+                          <a:schemeClr val="accent5">
+                            <a:lumMod val="20000"/>
+                            <a:lumOff val="80000"/>
+                          </a:schemeClr>
+                        </a:solidFill>
+                        <a:prstDash val="solid"/>
+                        <a:round/>
+                        <a:headEnd type="none" w="med" len="med"/>
+                        <a:tailEnd type="none" w="med" len="med"/>
+                      </a:lnL>
+                      <a:lnR w="28575" cap="flat" cmpd="sng" algn="ctr">
+                        <a:solidFill>
+                          <a:schemeClr val="accent5">
+                            <a:lumMod val="20000"/>
+                            <a:lumOff val="80000"/>
+                          </a:schemeClr>
+                        </a:solidFill>
+                        <a:prstDash val="solid"/>
+                        <a:round/>
+                        <a:headEnd type="none" w="med" len="med"/>
+                        <a:tailEnd type="none" w="med" len="med"/>
+                      </a:lnR>
+                      <a:lnT w="28575" cap="flat" cmpd="sng" algn="ctr">
+                        <a:solidFill>
+                          <a:schemeClr val="accent5">
+                            <a:lumMod val="20000"/>
+                            <a:lumOff val="80000"/>
+                          </a:schemeClr>
+                        </a:solidFill>
+                        <a:prstDash val="solid"/>
+                        <a:round/>
+                        <a:headEnd type="none" w="med" len="med"/>
+                        <a:tailEnd type="none" w="med" len="med"/>
+                      </a:lnT>
+                      <a:lnB w="28575" cap="flat" cmpd="sng" algn="ctr">
+                        <a:solidFill>
+                          <a:schemeClr val="accent5">
+                            <a:lumMod val="20000"/>
+                            <a:lumOff val="80000"/>
+                          </a:schemeClr>
+                        </a:solidFill>
+                        <a:prstDash val="solid"/>
+                        <a:round/>
+                        <a:headEnd type="none" w="med" len="med"/>
+                        <a:tailEnd type="none" w="med" len="med"/>
+                      </a:lnB>
+                      <a:lnTlToBr>
+                        <a:noFill/>
+                      </a:lnTlToBr>
+                      <a:lnBlToTr>
+                        <a:noFill/>
+                      </a:lnBlToTr>
                       <a:solidFill>
                         <a:schemeClr val="accent5">
                           <a:lumMod val="20000"/>
                           <a:lumOff val="80000"/>
+                          <a:alpha val="30000"/>
                         </a:schemeClr>
                       </a:solidFill>
-                      <a:prstDash val="solid"/>
-                      <a:round/>
-                      <a:headEnd type="none" w="med" len="med"/>
-                      <a:tailEnd type="none" w="med" len="med"/>
-                    </a:lnR>
-                    <a:lnT w="28575" cap="flat" cmpd="sng" algn="ctr">
+                    </a:tcPr>
+                  </a:tc>
+                  <a:tc>
+                    <a:txBody>
+                      <a:bodyPr/>
+                      <a:lstStyle/>
+                      <a:p>
+                        <a:pPr marL="0" marR="0" lvl="0" indent="0" algn="ctr" defTabSz="914400" rtl="0" eaLnBrk="0" fontAlgn="base" latinLnBrk="0" hangingPunct="0">
+                          <a:lnSpc>
+                            <a:spcPct val="50000"/>
+                          </a:lnSpc>
+                          <a:spcBef>
+                            <a:spcPct val="40000"/>
+                          </a:spcBef>
+                          <a:spcAft>
+                            <a:spcPct val="0"/>
+                          </a:spcAft>
+                          <a:buClr>
+                            <a:schemeClr val="tx1"/>
+                          </a:buClr>
+                          <a:buSzTx/>
+                          <a:buFontTx/>
+                          <a:buNone/>
+                          <a:tabLst/>
+                          <a:defRPr/>
+                        </a:pPr>
+                        <a:r>
+                          <a:rPr kumimoji="0" lang="en-US" sz="2800" b="1" i="0" u="none" strike="noStrike" kern="1200" cap="none" spc="0" normalizeH="0" baseline="0" noProof="0" dirty="0">
+                            <a:ln>
+                              <a:noFill/>
+                            </a:ln>
+                            <a:solidFill>
+                              <a:srgbClr val="EBFFD2"/>
+                            </a:solidFill>
+                            <a:effectLst>
+                              <a:outerShdw blurRad="38100" dist="38100" dir="2700000" algn="tl">
+                                <a:srgbClr val="000000">
+                                  <a:alpha val="43137"/>
+                                </a:srgbClr>
+                              </a:outerShdw>
+                            </a:effectLst>
+                            <a:uLnTx/>
+                            <a:uFillTx/>
+                            <a:latin typeface="Consolas" pitchFamily="49" charset="0"/>
+                            <a:ea typeface="+mn-ea"/>
+                            <a:cs typeface="Consolas" pitchFamily="49" charset="0"/>
+                          </a:rPr>
+                          <a:t>…</a:t>
+                        </a:r>
+                      </a:p>
+                    </a:txBody>
+                    <a:tcPr anchor="ctr" horzOverflow="overflow">
+                      <a:lnL w="28575" cap="flat" cmpd="sng" algn="ctr">
+                        <a:solidFill>
+                          <a:schemeClr val="accent5">
+                            <a:lumMod val="20000"/>
+                            <a:lumOff val="80000"/>
+                          </a:schemeClr>
+                        </a:solidFill>
+                        <a:prstDash val="solid"/>
+                        <a:round/>
+                        <a:headEnd type="none" w="med" len="med"/>
+                        <a:tailEnd type="none" w="med" len="med"/>
+                      </a:lnL>
+                      <a:lnR w="28575" cap="flat" cmpd="sng" algn="ctr">
+                        <a:solidFill>
+                          <a:schemeClr val="accent5">
+                            <a:lumMod val="20000"/>
+                            <a:lumOff val="80000"/>
+                          </a:schemeClr>
+                        </a:solidFill>
+                        <a:prstDash val="solid"/>
+                        <a:round/>
+                        <a:headEnd type="none" w="med" len="med"/>
+                        <a:tailEnd type="none" w="med" len="med"/>
+                      </a:lnR>
+                      <a:lnT w="28575" cap="flat" cmpd="sng" algn="ctr">
+                        <a:solidFill>
+                          <a:schemeClr val="accent5">
+                            <a:lumMod val="20000"/>
+                            <a:lumOff val="80000"/>
+                          </a:schemeClr>
+                        </a:solidFill>
+                        <a:prstDash val="solid"/>
+                        <a:round/>
+                        <a:headEnd type="none" w="med" len="med"/>
+                        <a:tailEnd type="none" w="med" len="med"/>
+                      </a:lnT>
+                      <a:lnB w="28575" cap="flat" cmpd="sng" algn="ctr">
+                        <a:solidFill>
+                          <a:schemeClr val="accent5">
+                            <a:lumMod val="20000"/>
+                            <a:lumOff val="80000"/>
+                          </a:schemeClr>
+                        </a:solidFill>
+                        <a:prstDash val="solid"/>
+                        <a:round/>
+                        <a:headEnd type="none" w="med" len="med"/>
+                        <a:tailEnd type="none" w="med" len="med"/>
+                      </a:lnB>
+                      <a:lnTlToBr>
+                        <a:noFill/>
+                      </a:lnTlToBr>
+                      <a:lnBlToTr>
+                        <a:noFill/>
+                      </a:lnBlToTr>
                       <a:solidFill>
                         <a:schemeClr val="accent5">
                           <a:lumMod val="20000"/>
                           <a:lumOff val="80000"/>
+                          <a:alpha val="30000"/>
                         </a:schemeClr>
                       </a:solidFill>
-                      <a:prstDash val="solid"/>
-                      <a:round/>
-                      <a:headEnd type="none" w="med" len="med"/>
-                      <a:tailEnd type="none" w="med" len="med"/>
-                    </a:lnT>
-                    <a:lnB w="28575" cap="flat" cmpd="sng" algn="ctr">
+                    </a:tcPr>
+                  </a:tc>
+                  <a:tc>
+                    <a:txBody>
+                      <a:bodyPr/>
+                      <a:lstStyle/>
+                      <a:p>
+                        <a:pPr marL="0" marR="0" lvl="0" indent="0" algn="ctr" defTabSz="914400" rtl="0" eaLnBrk="0" fontAlgn="base" latinLnBrk="0" hangingPunct="0">
+                          <a:lnSpc>
+                            <a:spcPct val="50000"/>
+                          </a:lnSpc>
+                          <a:spcBef>
+                            <a:spcPct val="40000"/>
+                          </a:spcBef>
+                          <a:spcAft>
+                            <a:spcPct val="0"/>
+                          </a:spcAft>
+                          <a:buClr>
+                            <a:schemeClr val="tx1"/>
+                          </a:buClr>
+                          <a:buSzTx/>
+                          <a:buFontTx/>
+                          <a:buNone/>
+                          <a:tabLst/>
+                          <a:defRPr/>
+                        </a:pPr>
+                        <a:r>
+                          <a:rPr kumimoji="0" lang="en-US" sz="2800" b="1" i="0" u="none" strike="noStrike" kern="1200" cap="none" spc="0" normalizeH="0" baseline="0" noProof="0" dirty="0">
+                            <a:ln>
+                              <a:noFill/>
+                            </a:ln>
+                            <a:solidFill>
+                              <a:srgbClr val="EBFFD2"/>
+                            </a:solidFill>
+                            <a:effectLst>
+                              <a:outerShdw blurRad="38100" dist="38100" dir="2700000" algn="tl">
+                                <a:srgbClr val="000000">
+                                  <a:alpha val="43137"/>
+                                </a:srgbClr>
+                              </a:outerShdw>
+                            </a:effectLst>
+                            <a:uLnTx/>
+                            <a:uFillTx/>
+                            <a:latin typeface="Consolas" pitchFamily="49" charset="0"/>
+                            <a:ea typeface="+mn-ea"/>
+                            <a:cs typeface="Consolas" pitchFamily="49" charset="0"/>
+                          </a:rPr>
+                          <a:t>…</a:t>
+                        </a:r>
+                      </a:p>
+                    </a:txBody>
+                    <a:tcPr anchor="ctr" horzOverflow="overflow">
+                      <a:lnL w="28575" cap="flat" cmpd="sng" algn="ctr">
+                        <a:solidFill>
+                          <a:schemeClr val="accent5">
+                            <a:lumMod val="20000"/>
+                            <a:lumOff val="80000"/>
+                          </a:schemeClr>
+                        </a:solidFill>
+                        <a:prstDash val="solid"/>
+                        <a:round/>
+                        <a:headEnd type="none" w="med" len="med"/>
+                        <a:tailEnd type="none" w="med" len="med"/>
+                      </a:lnL>
+                      <a:lnR w="28575" cap="flat" cmpd="sng" algn="ctr">
+                        <a:solidFill>
+                          <a:schemeClr val="accent5">
+                            <a:lumMod val="20000"/>
+                            <a:lumOff val="80000"/>
+                          </a:schemeClr>
+                        </a:solidFill>
+                        <a:prstDash val="solid"/>
+                        <a:round/>
+                        <a:headEnd type="none" w="med" len="med"/>
+                        <a:tailEnd type="none" w="med" len="med"/>
+                      </a:lnR>
+                      <a:lnT w="28575" cap="flat" cmpd="sng" algn="ctr">
+                        <a:solidFill>
+                          <a:schemeClr val="accent5">
+                            <a:lumMod val="20000"/>
+                            <a:lumOff val="80000"/>
+                          </a:schemeClr>
+                        </a:solidFill>
+                        <a:prstDash val="solid"/>
+                        <a:round/>
+                        <a:headEnd type="none" w="med" len="med"/>
+                        <a:tailEnd type="none" w="med" len="med"/>
+                      </a:lnT>
+                      <a:lnB w="28575" cap="flat" cmpd="sng" algn="ctr">
+                        <a:solidFill>
+                          <a:schemeClr val="accent5">
+                            <a:lumMod val="20000"/>
+                            <a:lumOff val="80000"/>
+                          </a:schemeClr>
+                        </a:solidFill>
+                        <a:prstDash val="solid"/>
+                        <a:round/>
+                        <a:headEnd type="none" w="med" len="med"/>
+                        <a:tailEnd type="none" w="med" len="med"/>
+                      </a:lnB>
+                      <a:lnTlToBr>
+                        <a:noFill/>
+                      </a:lnTlToBr>
+                      <a:lnBlToTr>
+                        <a:noFill/>
+                      </a:lnBlToTr>
                       <a:solidFill>
                         <a:schemeClr val="accent5">
                           <a:lumMod val="20000"/>
                           <a:lumOff val="80000"/>
+                          <a:alpha val="30000"/>
                         </a:schemeClr>
                       </a:solidFill>
-                      <a:prstDash val="solid"/>
-                      <a:round/>
-                      <a:headEnd type="none" w="med" len="med"/>
-                      <a:tailEnd type="none" w="med" len="med"/>
-                    </a:lnB>
-                    <a:lnTlToBr>
-                      <a:noFill/>
-                    </a:lnTlToBr>
-                    <a:lnBlToTr>
-                      <a:noFill/>
-                    </a:lnBlToTr>
-                    <a:solidFill>
-                      <a:schemeClr val="accent5">
-                        <a:lumMod val="20000"/>
-                        <a:lumOff val="80000"/>
-                        <a:alpha val="30000"/>
-                      </a:schemeClr>
-                    </a:solidFill>
-                  </a:tcPr>
-                </a:tc>
-                <a:tc>
-                  <a:txBody>
-                    <a:bodyPr/>
-                    <a:lstStyle/>
-                    <a:p>
-                      <a:pPr marL="0" marR="0" lvl="0" indent="0" algn="ctr" defTabSz="914400" rtl="0" eaLnBrk="0" fontAlgn="base" latinLnBrk="0" hangingPunct="0">
-                        <a:lnSpc>
-                          <a:spcPct val="50000"/>
-                        </a:lnSpc>
-                        <a:spcBef>
-                          <a:spcPct val="40000"/>
-                        </a:spcBef>
-                        <a:spcAft>
-                          <a:spcPct val="0"/>
-                        </a:spcAft>
-                        <a:buClr>
-                          <a:schemeClr val="tx1"/>
-                        </a:buClr>
-                        <a:buSzTx/>
-                        <a:buFontTx/>
-                        <a:buNone/>
-                        <a:tabLst/>
-                        <a:defRPr/>
-                      </a:pPr>
-                      <a:r>
-                        <a:rPr kumimoji="0" lang="en-US" sz="2800" b="1" i="0" u="none" strike="noStrike" kern="1200" cap="none" spc="0" normalizeH="0" baseline="0" noProof="0" dirty="0">
-                          <a:ln>
-                            <a:noFill/>
-                          </a:ln>
-                          <a:solidFill>
-                            <a:srgbClr val="EBFFD2"/>
-                          </a:solidFill>
-                          <a:effectLst>
-                            <a:outerShdw blurRad="38100" dist="38100" dir="2700000" algn="tl">
-                              <a:srgbClr val="000000">
-                                <a:alpha val="43137"/>
-                              </a:srgbClr>
-                            </a:outerShdw>
-                          </a:effectLst>
-                          <a:uLnTx/>
-                          <a:uFillTx/>
-                          <a:latin typeface="Consolas" pitchFamily="49" charset="0"/>
-                          <a:ea typeface="+mn-ea"/>
-                          <a:cs typeface="Consolas" pitchFamily="49" charset="0"/>
-                        </a:rPr>
-                        <a:t>…</a:t>
-                      </a:r>
-                    </a:p>
-                  </a:txBody>
-                  <a:tcPr anchor="ctr" horzOverflow="overflow">
-                    <a:lnL w="28575" cap="flat" cmpd="sng" algn="ctr">
+                    </a:tcPr>
+                  </a:tc>
+                  <a:tc>
+                    <a:txBody>
+                      <a:bodyPr/>
+                      <a:lstStyle/>
+                      <a:p>
+                        <a:pPr marL="0" marR="0" lvl="0" indent="0" algn="ctr" defTabSz="914400" rtl="0" eaLnBrk="0" fontAlgn="base" latinLnBrk="0" hangingPunct="0">
+                          <a:lnSpc>
+                            <a:spcPct val="50000"/>
+                          </a:lnSpc>
+                          <a:spcBef>
+                            <a:spcPct val="40000"/>
+                          </a:spcBef>
+                          <a:spcAft>
+                            <a:spcPct val="0"/>
+                          </a:spcAft>
+                          <a:buClr>
+                            <a:schemeClr val="tx1"/>
+                          </a:buClr>
+                          <a:buSzTx/>
+                          <a:buFontTx/>
+                          <a:buNone/>
+                          <a:tabLst/>
+                          <a:defRPr/>
+                        </a:pPr>
+                        <a:r>
+                          <a:rPr kumimoji="0" lang="en-US" sz="2800" b="1" i="0" u="none" strike="noStrike" kern="1200" cap="none" spc="0" normalizeH="0" baseline="0" noProof="0" dirty="0">
+                            <a:ln>
+                              <a:noFill/>
+                            </a:ln>
+                            <a:solidFill>
+                              <a:srgbClr val="EBFFD2"/>
+                            </a:solidFill>
+                            <a:effectLst>
+                              <a:outerShdw blurRad="38100" dist="38100" dir="2700000" algn="tl">
+                                <a:srgbClr val="000000">
+                                  <a:alpha val="43137"/>
+                                </a:srgbClr>
+                              </a:outerShdw>
+                            </a:effectLst>
+                            <a:uLnTx/>
+                            <a:uFillTx/>
+                            <a:latin typeface="Consolas" pitchFamily="49" charset="0"/>
+                            <a:ea typeface="+mn-ea"/>
+                            <a:cs typeface="Consolas" pitchFamily="49" charset="0"/>
+                          </a:rPr>
+                          <a:t>…</a:t>
+                        </a:r>
+                      </a:p>
+                    </a:txBody>
+                    <a:tcPr anchor="ctr" horzOverflow="overflow">
+                      <a:lnL w="28575" cap="flat" cmpd="sng" algn="ctr">
+                        <a:solidFill>
+                          <a:schemeClr val="accent5">
+                            <a:lumMod val="20000"/>
+                            <a:lumOff val="80000"/>
+                          </a:schemeClr>
+                        </a:solidFill>
+                        <a:prstDash val="solid"/>
+                        <a:round/>
+                        <a:headEnd type="none" w="med" len="med"/>
+                        <a:tailEnd type="none" w="med" len="med"/>
+                      </a:lnL>
+                      <a:lnR w="28575" cap="flat" cmpd="sng" algn="ctr">
+                        <a:solidFill>
+                          <a:schemeClr val="accent5">
+                            <a:lumMod val="20000"/>
+                            <a:lumOff val="80000"/>
+                          </a:schemeClr>
+                        </a:solidFill>
+                        <a:prstDash val="solid"/>
+                        <a:round/>
+                        <a:headEnd type="none" w="med" len="med"/>
+                        <a:tailEnd type="none" w="med" len="med"/>
+                      </a:lnR>
+                      <a:lnT w="28575" cap="flat" cmpd="sng" algn="ctr">
+                        <a:solidFill>
+                          <a:schemeClr val="accent5">
+                            <a:lumMod val="20000"/>
+                            <a:lumOff val="80000"/>
+                          </a:schemeClr>
+                        </a:solidFill>
+                        <a:prstDash val="solid"/>
+                        <a:round/>
+                        <a:headEnd type="none" w="med" len="med"/>
+                        <a:tailEnd type="none" w="med" len="med"/>
+                      </a:lnT>
+                      <a:lnB w="28575" cap="flat" cmpd="sng" algn="ctr">
+                        <a:solidFill>
+                          <a:schemeClr val="accent5">
+                            <a:lumMod val="20000"/>
+                            <a:lumOff val="80000"/>
+                          </a:schemeClr>
+                        </a:solidFill>
+                        <a:prstDash val="solid"/>
+                        <a:round/>
+                        <a:headEnd type="none" w="med" len="med"/>
+                        <a:tailEnd type="none" w="med" len="med"/>
+                      </a:lnB>
+                      <a:lnTlToBr>
+                        <a:noFill/>
+                      </a:lnTlToBr>
+                      <a:lnBlToTr>
+                        <a:noFill/>
+                      </a:lnBlToTr>
                       <a:solidFill>
                         <a:schemeClr val="accent5">
                           <a:lumMod val="20000"/>
                           <a:lumOff val="80000"/>
+                          <a:alpha val="30000"/>
                         </a:schemeClr>
                       </a:solidFill>
-                      <a:prstDash val="solid"/>
-                      <a:round/>
-                      <a:headEnd type="none" w="med" len="med"/>
-                      <a:tailEnd type="none" w="med" len="med"/>
-                    </a:lnL>
-                    <a:lnR w="28575" cap="flat" cmpd="sng" algn="ctr">
-                      <a:solidFill>
-                        <a:schemeClr val="accent5">
-                          <a:lumMod val="20000"/>
-                          <a:lumOff val="80000"/>
-                        </a:schemeClr>
-                      </a:solidFill>
-                      <a:prstDash val="solid"/>
-                      <a:round/>
-                      <a:headEnd type="none" w="med" len="med"/>
-                      <a:tailEnd type="none" w="med" len="med"/>
-                    </a:lnR>
-                    <a:lnT w="28575" cap="flat" cmpd="sng" algn="ctr">
-                      <a:solidFill>
-                        <a:schemeClr val="accent5">
-                          <a:lumMod val="20000"/>
-                          <a:lumOff val="80000"/>
-                        </a:schemeClr>
-                      </a:solidFill>
-                      <a:prstDash val="solid"/>
-                      <a:round/>
-                      <a:headEnd type="none" w="med" len="med"/>
-                      <a:tailEnd type="none" w="med" len="med"/>
-                    </a:lnT>
-                    <a:lnB w="28575" cap="flat" cmpd="sng" algn="ctr">
-                      <a:solidFill>
-                        <a:schemeClr val="accent5">
-                          <a:lumMod val="20000"/>
-                          <a:lumOff val="80000"/>
-                        </a:schemeClr>
-                      </a:solidFill>
-                      <a:prstDash val="solid"/>
-                      <a:round/>
-                      <a:headEnd type="none" w="med" len="med"/>
-                      <a:tailEnd type="none" w="med" len="med"/>
-                    </a:lnB>
-                    <a:lnTlToBr>
-                      <a:noFill/>
-                    </a:lnTlToBr>
-                    <a:lnBlToTr>
-                      <a:noFill/>
-                    </a:lnBlToTr>
-                    <a:solidFill>
-                      <a:schemeClr val="accent5">
-                        <a:lumMod val="20000"/>
-                        <a:lumOff val="80000"/>
-                        <a:alpha val="30000"/>
-                      </a:schemeClr>
-                    </a:solidFill>
-                  </a:tcPr>
-                </a:tc>
-                <a:tc>
-                  <a:txBody>
-                    <a:bodyPr/>
-                    <a:lstStyle/>
-                    <a:p>
-                      <a:pPr marL="0" marR="0" lvl="0" indent="0" algn="ctr" defTabSz="914400" rtl="0" eaLnBrk="0" fontAlgn="base" latinLnBrk="0" hangingPunct="0">
-                        <a:lnSpc>
-                          <a:spcPct val="50000"/>
-                        </a:lnSpc>
-                        <a:spcBef>
-                          <a:spcPct val="40000"/>
-                        </a:spcBef>
-                        <a:spcAft>
-                          <a:spcPct val="0"/>
-                        </a:spcAft>
-                        <a:buClr>
-                          <a:schemeClr val="tx1"/>
-                        </a:buClr>
-                        <a:buSzTx/>
-                        <a:buFontTx/>
-                        <a:buNone/>
-                        <a:tabLst/>
-                        <a:defRPr/>
-                      </a:pPr>
-                      <a:r>
-                        <a:rPr kumimoji="0" lang="en-US" sz="2800" b="1" i="0" u="none" strike="noStrike" kern="1200" cap="none" spc="0" normalizeH="0" baseline="0" noProof="0" dirty="0">
-                          <a:ln>
-                            <a:noFill/>
-                          </a:ln>
-                          <a:solidFill>
-                            <a:srgbClr val="EBFFD2"/>
-                          </a:solidFill>
-                          <a:effectLst>
-                            <a:outerShdw blurRad="38100" dist="38100" dir="2700000" algn="tl">
-                              <a:srgbClr val="000000">
-                                <a:alpha val="43137"/>
-                              </a:srgbClr>
-                            </a:outerShdw>
-                          </a:effectLst>
-                          <a:uLnTx/>
-                          <a:uFillTx/>
-                          <a:latin typeface="Consolas" pitchFamily="49" charset="0"/>
-                          <a:ea typeface="+mn-ea"/>
-                          <a:cs typeface="Consolas" pitchFamily="49" charset="0"/>
-                        </a:rPr>
-                        <a:t>…</a:t>
-                      </a:r>
-                    </a:p>
-                  </a:txBody>
-                  <a:tcPr anchor="ctr" horzOverflow="overflow">
-                    <a:lnL w="28575" cap="flat" cmpd="sng" algn="ctr">
-                      <a:solidFill>
-                        <a:schemeClr val="accent5">
-                          <a:lumMod val="20000"/>
-                          <a:lumOff val="80000"/>
-                        </a:schemeClr>
-                      </a:solidFill>
-                      <a:prstDash val="solid"/>
-                      <a:round/>
-                      <a:headEnd type="none" w="med" len="med"/>
-                      <a:tailEnd type="none" w="med" len="med"/>
-                    </a:lnL>
-                    <a:lnR w="28575" cap="flat" cmpd="sng" algn="ctr">
-                      <a:solidFill>
-                        <a:schemeClr val="accent5">
-                          <a:lumMod val="20000"/>
-                          <a:lumOff val="80000"/>
-                        </a:schemeClr>
-                      </a:solidFill>
-                      <a:prstDash val="solid"/>
-                      <a:round/>
-                      <a:headEnd type="none" w="med" len="med"/>
-                      <a:tailEnd type="none" w="med" len="med"/>
-                    </a:lnR>
-                    <a:lnT w="28575" cap="flat" cmpd="sng" algn="ctr">
-                      <a:solidFill>
-                        <a:schemeClr val="accent5">
-                          <a:lumMod val="20000"/>
-                          <a:lumOff val="80000"/>
-                        </a:schemeClr>
-                      </a:solidFill>
-                      <a:prstDash val="solid"/>
-                      <a:round/>
-                      <a:headEnd type="none" w="med" len="med"/>
-                      <a:tailEnd type="none" w="med" len="med"/>
-                    </a:lnT>
-                    <a:lnB w="28575" cap="flat" cmpd="sng" algn="ctr">
-                      <a:solidFill>
-                        <a:schemeClr val="accent5">
-                          <a:lumMod val="20000"/>
-                          <a:lumOff val="80000"/>
-                        </a:schemeClr>
-                      </a:solidFill>
-                      <a:prstDash val="solid"/>
-                      <a:round/>
-                      <a:headEnd type="none" w="med" len="med"/>
-                      <a:tailEnd type="none" w="med" len="med"/>
-                    </a:lnB>
-                    <a:lnTlToBr>
-                      <a:noFill/>
-                    </a:lnTlToBr>
-                    <a:lnBlToTr>
-                      <a:noFill/>
-                    </a:lnBlToTr>
-                    <a:solidFill>
-                      <a:schemeClr val="accent5">
-                        <a:lumMod val="20000"/>
-                        <a:lumOff val="80000"/>
-                        <a:alpha val="30000"/>
-                      </a:schemeClr>
-                    </a:solidFill>
-                  </a:tcPr>
-                </a:tc>
-                <a:tc>
-                  <a:txBody>
-                    <a:bodyPr/>
-                    <a:lstStyle/>
-                    <a:p>
-                      <a:pPr marL="0" marR="0" lvl="0" indent="0" algn="ctr" defTabSz="914400" rtl="0" eaLnBrk="0" fontAlgn="base" latinLnBrk="0" hangingPunct="0">
-                        <a:lnSpc>
-                          <a:spcPct val="50000"/>
-                        </a:lnSpc>
-                        <a:spcBef>
-                          <a:spcPct val="40000"/>
-                        </a:spcBef>
-                        <a:spcAft>
-                          <a:spcPct val="0"/>
-                        </a:spcAft>
-                        <a:buClr>
-                          <a:schemeClr val="tx1"/>
-                        </a:buClr>
-                        <a:buSzTx/>
-                        <a:buFontTx/>
-                        <a:buNone/>
-                        <a:tabLst/>
-                        <a:defRPr/>
-                      </a:pPr>
-                      <a:r>
-                        <a:rPr kumimoji="0" lang="en-US" sz="2800" b="1" i="0" u="none" strike="noStrike" kern="1200" cap="none" spc="0" normalizeH="0" baseline="0" noProof="0" dirty="0">
-                          <a:ln>
-                            <a:noFill/>
-                          </a:ln>
-                          <a:solidFill>
-                            <a:srgbClr val="EBFFD2"/>
-                          </a:solidFill>
-                          <a:effectLst>
-                            <a:outerShdw blurRad="38100" dist="38100" dir="2700000" algn="tl">
-                              <a:srgbClr val="000000">
-                                <a:alpha val="43137"/>
-                              </a:srgbClr>
-                            </a:outerShdw>
-                          </a:effectLst>
-                          <a:uLnTx/>
-                          <a:uFillTx/>
-                          <a:latin typeface="Consolas" pitchFamily="49" charset="0"/>
-                          <a:ea typeface="+mn-ea"/>
-                          <a:cs typeface="Consolas" pitchFamily="49" charset="0"/>
-                        </a:rPr>
-                        <a:t>…</a:t>
-                      </a:r>
-                    </a:p>
-                  </a:txBody>
-                  <a:tcPr anchor="ctr" horzOverflow="overflow">
-                    <a:lnL w="28575" cap="flat" cmpd="sng" algn="ctr">
-                      <a:solidFill>
-                        <a:schemeClr val="accent5">
-                          <a:lumMod val="20000"/>
-                          <a:lumOff val="80000"/>
-                        </a:schemeClr>
-                      </a:solidFill>
-                      <a:prstDash val="solid"/>
-                      <a:round/>
-                      <a:headEnd type="none" w="med" len="med"/>
-                      <a:tailEnd type="none" w="med" len="med"/>
-                    </a:lnL>
-                    <a:lnR w="28575" cap="flat" cmpd="sng" algn="ctr">
-                      <a:solidFill>
-                        <a:schemeClr val="accent5">
-                          <a:lumMod val="20000"/>
-                          <a:lumOff val="80000"/>
-                        </a:schemeClr>
-                      </a:solidFill>
-                      <a:prstDash val="solid"/>
-                      <a:round/>
-                      <a:headEnd type="none" w="med" len="med"/>
-                      <a:tailEnd type="none" w="med" len="med"/>
-                    </a:lnR>
-                    <a:lnT w="28575" cap="flat" cmpd="sng" algn="ctr">
-                      <a:solidFill>
-                        <a:schemeClr val="accent5">
-                          <a:lumMod val="20000"/>
-                          <a:lumOff val="80000"/>
-                        </a:schemeClr>
-                      </a:solidFill>
-                      <a:prstDash val="solid"/>
-                      <a:round/>
-                      <a:headEnd type="none" w="med" len="med"/>
-                      <a:tailEnd type="none" w="med" len="med"/>
-                    </a:lnT>
-                    <a:lnB w="28575" cap="flat" cmpd="sng" algn="ctr">
-                      <a:solidFill>
-                        <a:schemeClr val="accent5">
-                          <a:lumMod val="20000"/>
-                          <a:lumOff val="80000"/>
-                        </a:schemeClr>
-                      </a:solidFill>
-                      <a:prstDash val="solid"/>
-                      <a:round/>
-                      <a:headEnd type="none" w="med" len="med"/>
-                      <a:tailEnd type="none" w="med" len="med"/>
-                    </a:lnB>
-                    <a:lnTlToBr>
-                      <a:noFill/>
-                    </a:lnTlToBr>
-                    <a:lnBlToTr>
-                      <a:noFill/>
-                    </a:lnBlToTr>
-                    <a:solidFill>
-                      <a:schemeClr val="accent5">
-                        <a:lumMod val="20000"/>
-                        <a:lumOff val="80000"/>
-                        <a:alpha val="30000"/>
-                      </a:schemeClr>
-                    </a:solidFill>
-                  </a:tcPr>
-                </a:tc>
-                <a:tc>
-                  <a:txBody>
-                    <a:bodyPr/>
-                    <a:lstStyle/>
-                    <a:p>
-                      <a:pPr marL="0" marR="0" lvl="0" indent="0" algn="ctr" defTabSz="914400" rtl="0" eaLnBrk="0" fontAlgn="base" latinLnBrk="0" hangingPunct="0">
-                        <a:lnSpc>
-                          <a:spcPct val="50000"/>
-                        </a:lnSpc>
-                        <a:spcBef>
-                          <a:spcPct val="40000"/>
-                        </a:spcBef>
-                        <a:spcAft>
-                          <a:spcPct val="0"/>
-                        </a:spcAft>
-                        <a:buClr>
-                          <a:schemeClr val="tx1"/>
-                        </a:buClr>
-                        <a:buSzTx/>
-                        <a:buFontTx/>
-                        <a:buNone/>
-                        <a:tabLst/>
-                        <a:defRPr/>
-                      </a:pPr>
-                      <a:r>
-                        <a:rPr kumimoji="0" lang="en-US" sz="2800" b="1" i="0" u="none" strike="noStrike" kern="1200" cap="none" spc="0" normalizeH="0" baseline="0" noProof="0" dirty="0">
-                          <a:ln>
-                            <a:noFill/>
-                          </a:ln>
-                          <a:solidFill>
-                            <a:srgbClr val="EBFFD2"/>
-                          </a:solidFill>
-                          <a:effectLst>
-                            <a:outerShdw blurRad="38100" dist="38100" dir="2700000" algn="tl">
-                              <a:srgbClr val="000000">
-                                <a:alpha val="43137"/>
-                              </a:srgbClr>
-                            </a:outerShdw>
-                          </a:effectLst>
-                          <a:uLnTx/>
-                          <a:uFillTx/>
-                          <a:latin typeface="Consolas" pitchFamily="49" charset="0"/>
-                          <a:ea typeface="+mn-ea"/>
-                          <a:cs typeface="Consolas" pitchFamily="49" charset="0"/>
-                        </a:rPr>
-                        <a:t>…</a:t>
-                      </a:r>
-                    </a:p>
-                  </a:txBody>
-                  <a:tcPr anchor="ctr" horzOverflow="overflow">
-                    <a:lnL w="28575" cap="flat" cmpd="sng" algn="ctr">
-                      <a:solidFill>
-                        <a:schemeClr val="accent5">
-                          <a:lumMod val="20000"/>
-                          <a:lumOff val="80000"/>
-                        </a:schemeClr>
-                      </a:solidFill>
-                      <a:prstDash val="solid"/>
-                      <a:round/>
-                      <a:headEnd type="none" w="med" len="med"/>
-                      <a:tailEnd type="none" w="med" len="med"/>
-                    </a:lnL>
-                    <a:lnR w="28575" cap="flat" cmpd="sng" algn="ctr">
-                      <a:solidFill>
-                        <a:schemeClr val="accent5">
-                          <a:lumMod val="20000"/>
-                          <a:lumOff val="80000"/>
-                        </a:schemeClr>
-                      </a:solidFill>
-                      <a:prstDash val="solid"/>
-                      <a:round/>
-                      <a:headEnd type="none" w="med" len="med"/>
-                      <a:tailEnd type="none" w="med" len="med"/>
-                    </a:lnR>
-                    <a:lnT w="28575" cap="flat" cmpd="sng" algn="ctr">
-                      <a:solidFill>
-                        <a:schemeClr val="accent5">
-                          <a:lumMod val="20000"/>
-                          <a:lumOff val="80000"/>
-                        </a:schemeClr>
-                      </a:solidFill>
-                      <a:prstDash val="solid"/>
-                      <a:round/>
-                      <a:headEnd type="none" w="med" len="med"/>
-                      <a:tailEnd type="none" w="med" len="med"/>
-                    </a:lnT>
-                    <a:lnB w="28575" cap="flat" cmpd="sng" algn="ctr">
-                      <a:solidFill>
-                        <a:schemeClr val="accent5">
-                          <a:lumMod val="20000"/>
-                          <a:lumOff val="80000"/>
-                        </a:schemeClr>
-                      </a:solidFill>
-                      <a:prstDash val="solid"/>
-                      <a:round/>
-                      <a:headEnd type="none" w="med" len="med"/>
-                      <a:tailEnd type="none" w="med" len="med"/>
-                    </a:lnB>
-                    <a:lnTlToBr>
-                      <a:noFill/>
-                    </a:lnTlToBr>
-                    <a:lnBlToTr>
-                      <a:noFill/>
-                    </a:lnBlToTr>
-                    <a:solidFill>
-                      <a:schemeClr val="accent5">
-                        <a:lumMod val="20000"/>
-                        <a:lumOff val="80000"/>
-                        <a:alpha val="30000"/>
-                      </a:schemeClr>
-                    </a:solidFill>
-                  </a:tcPr>
-                </a:tc>
-                <a:extLst>
-                  <a:ext uri="{0D108BD9-81ED-4DB2-BD59-A6C34878D82A}">
-                    <a16:rowId xmlns:a16="http://schemas.microsoft.com/office/drawing/2014/main" val="10000"/>
-                  </a:ext>
-                </a:extLst>
-              </a:tr>
-            </a:tbl>
-          </a:graphicData>
-        </a:graphic>
-      </p:graphicFrame>
-      <p:sp>
-        <p:nvSpPr>
-          <p:cNvPr id="19" name="Text Box 18"/>
-          <p:cNvSpPr txBox="1">
-            <a:spLocks noChangeArrowheads="1"/>
-          </p:cNvSpPr>
-          <p:nvPr/>
-        </p:nvSpPr>
-        <p:spPr bwMode="auto">
-          <a:xfrm>
-            <a:off x="7999412" y="5089575"/>
-            <a:ext cx="2957400" cy="523220"/>
-          </a:xfrm>
-          <a:prstGeom prst="rect">
-            <a:avLst/>
-          </a:prstGeom>
-          <a:noFill/>
-          <a:ln w="9525" algn="ctr">
+                    </a:tcPr>
+                  </a:tc>
+                  <a:extLst>
+                    <a:ext uri="{0D108BD9-81ED-4DB2-BD59-A6C34878D82A}">
+                      <a16:rowId xmlns:a16="http://schemas.microsoft.com/office/drawing/2014/main" val="10000"/>
+                    </a:ext>
+                  </a:extLst>
+                </a:tr>
+              </a:tbl>
+            </a:graphicData>
+          </a:graphic>
+        </p:graphicFrame>
+        <p:sp>
+          <p:nvSpPr>
+            <p:cNvPr id="19" name="Text Box 18"/>
+            <p:cNvSpPr txBox="1">
+              <a:spLocks noChangeArrowheads="1"/>
+            </p:cNvSpPr>
+            <p:nvPr/>
+          </p:nvSpPr>
+          <p:spPr bwMode="auto">
+            <a:xfrm>
+              <a:off x="7999412" y="5089575"/>
+              <a:ext cx="2957400" cy="523220"/>
+            </a:xfrm>
+            <a:prstGeom prst="rect">
+              <a:avLst/>
+            </a:prstGeom>
             <a:noFill/>
-            <a:miter lim="800000"/>
-            <a:headEnd/>
-            <a:tailEnd/>
-          </a:ln>
-          <a:effectLst/>
-        </p:spPr>
-        <p:txBody>
-          <a:bodyPr wrap="square">
-            <a:spAutoFit/>
-          </a:bodyPr>
-          <a:lstStyle/>
-          <a:p>
-            <a:pPr algn="ctr"/>
-            <a:r>
-              <a:rPr lang="bg-BG" sz="2800" dirty="0"/>
-              <a:t>10    </a:t>
-            </a:r>
-            <a:r>
-              <a:rPr lang="en-US" sz="2800" dirty="0"/>
-              <a:t> </a:t>
-            </a:r>
-            <a:r>
-              <a:rPr lang="bg-BG" sz="2800" dirty="0"/>
-              <a:t>1   </a:t>
-            </a:r>
-            <a:r>
-              <a:rPr lang="en-US" sz="2800" dirty="0"/>
-              <a:t> -5</a:t>
-            </a:r>
-            <a:r>
-              <a:rPr lang="bg-BG" sz="2800" dirty="0"/>
-              <a:t>   </a:t>
-            </a:r>
-            <a:r>
-              <a:rPr lang="en-US" sz="2800" dirty="0"/>
-              <a:t> </a:t>
-            </a:r>
-            <a:r>
-              <a:rPr lang="bg-BG" sz="2800" dirty="0"/>
-              <a:t>4   </a:t>
-            </a:r>
-            <a:r>
-              <a:rPr lang="en-US" sz="2800" dirty="0"/>
-              <a:t> </a:t>
-            </a:r>
-            <a:r>
-              <a:rPr lang="bg-BG" sz="2800" dirty="0"/>
-              <a:t>2</a:t>
-            </a:r>
-            <a:endParaRPr lang="bg-BG" sz="2800" b="1" dirty="0">
-              <a:solidFill>
-                <a:schemeClr val="tx1">
-                  <a:lumMod val="20000"/>
-                  <a:lumOff val="80000"/>
-                </a:schemeClr>
-              </a:solidFill>
-              <a:effectLst>
-                <a:outerShdw blurRad="38100" dist="38100" dir="2700000" algn="tl">
-                  <a:srgbClr val="000000">
-                    <a:alpha val="43137"/>
-                  </a:srgbClr>
-                </a:outerShdw>
-              </a:effectLst>
-              <a:latin typeface="Consolas" pitchFamily="49" charset="0"/>
-              <a:cs typeface="Consolas" pitchFamily="49" charset="0"/>
-            </a:endParaRPr>
-          </a:p>
-        </p:txBody>
-      </p:sp>
+            <a:ln w="9525" algn="ctr">
+              <a:noFill/>
+              <a:miter lim="800000"/>
+              <a:headEnd/>
+              <a:tailEnd/>
+            </a:ln>
+            <a:effectLst/>
+          </p:spPr>
+          <p:txBody>
+            <a:bodyPr wrap="square">
+              <a:spAutoFit/>
+            </a:bodyPr>
+            <a:lstStyle/>
+            <a:p>
+              <a:pPr algn="ctr"/>
+              <a:r>
+                <a:rPr lang="bg-BG" sz="2800" dirty="0"/>
+                <a:t>10    </a:t>
+              </a:r>
+              <a:r>
+                <a:rPr lang="en-US" sz="2800" dirty="0"/>
+                <a:t> </a:t>
+              </a:r>
+              <a:r>
+                <a:rPr lang="bg-BG" sz="2800" dirty="0"/>
+                <a:t>1   </a:t>
+              </a:r>
+              <a:r>
+                <a:rPr lang="en-US" sz="2800" dirty="0"/>
+                <a:t> -5</a:t>
+              </a:r>
+              <a:r>
+                <a:rPr lang="bg-BG" sz="2800" dirty="0"/>
+                <a:t>   </a:t>
+              </a:r>
+              <a:r>
+                <a:rPr lang="en-US" sz="2800" dirty="0"/>
+                <a:t> </a:t>
+              </a:r>
+              <a:r>
+                <a:rPr lang="bg-BG" sz="2800" dirty="0"/>
+                <a:t>4   </a:t>
+              </a:r>
+              <a:r>
+                <a:rPr lang="en-US" sz="2800" dirty="0"/>
+                <a:t> </a:t>
+              </a:r>
+              <a:r>
+                <a:rPr lang="bg-BG" sz="2800" dirty="0"/>
+                <a:t>2</a:t>
+              </a:r>
+              <a:endParaRPr lang="bg-BG" sz="2800" b="1" dirty="0">
+                <a:solidFill>
+                  <a:schemeClr val="tx1">
+                    <a:lumMod val="20000"/>
+                    <a:lumOff val="80000"/>
+                  </a:schemeClr>
+                </a:solidFill>
+                <a:effectLst>
+                  <a:outerShdw blurRad="38100" dist="38100" dir="2700000" algn="tl">
+                    <a:srgbClr val="000000">
+                      <a:alpha val="43137"/>
+                    </a:srgbClr>
+                  </a:outerShdw>
+                </a:effectLst>
+                <a:latin typeface="Consolas" pitchFamily="49" charset="0"/>
+                <a:cs typeface="Consolas" pitchFamily="49" charset="0"/>
+              </a:endParaRPr>
+            </a:p>
+          </p:txBody>
+        </p:sp>
+      </p:grpSp>
       <p:sp>
         <p:nvSpPr>
           <p:cNvPr id="20" name="Slide Number Placeholder">
@@ -10618,87 +10728,6 @@
                                   </p:childTnLst>
                                 </p:cTn>
                               </p:par>
-                              <p:par>
-                                <p:cTn id="50" presetID="1" presetClass="entr" presetSubtype="0" fill="hold" grpId="0" nodeType="withEffect">
-                                  <p:stCondLst>
-                                    <p:cond delay="0"/>
-                                  </p:stCondLst>
-                                  <p:childTnLst>
-                                    <p:set>
-                                      <p:cBhvr>
-                                        <p:cTn id="51" dur="1" fill="hold">
-                                          <p:stCondLst>
-                                            <p:cond delay="0"/>
-                                          </p:stCondLst>
-                                        </p:cTn>
-                                        <p:tgtEl>
-                                          <p:spTgt spid="11"/>
-                                        </p:tgtEl>
-                                        <p:attrNameLst>
-                                          <p:attrName>style.visibility</p:attrName>
-                                        </p:attrNameLst>
-                                      </p:cBhvr>
-                                      <p:to>
-                                        <p:strVal val="visible"/>
-                                      </p:to>
-                                    </p:set>
-                                  </p:childTnLst>
-                                </p:cTn>
-                              </p:par>
-                              <p:par>
-                                <p:cTn id="52" presetID="1" presetClass="entr" presetSubtype="0" fill="hold" nodeType="withEffect">
-                                  <p:stCondLst>
-                                    <p:cond delay="0"/>
-                                  </p:stCondLst>
-                                  <p:childTnLst>
-                                    <p:set>
-                                      <p:cBhvr>
-                                        <p:cTn id="53" dur="1" fill="hold">
-                                          <p:stCondLst>
-                                            <p:cond delay="0"/>
-                                          </p:stCondLst>
-                                        </p:cTn>
-                                        <p:tgtEl>
-                                          <p:spTgt spid="12"/>
-                                        </p:tgtEl>
-                                        <p:attrNameLst>
-                                          <p:attrName>style.visibility</p:attrName>
-                                        </p:attrNameLst>
-                                      </p:cBhvr>
-                                      <p:to>
-                                        <p:strVal val="visible"/>
-                                      </p:to>
-                                    </p:set>
-                                  </p:childTnLst>
-                                </p:cTn>
-                              </p:par>
-                              <p:par>
-                                <p:cTn id="54" presetID="1" presetClass="entr" presetSubtype="0" fill="hold" grpId="0" nodeType="withEffect">
-                                  <p:stCondLst>
-                                    <p:cond delay="0"/>
-                                  </p:stCondLst>
-                                  <p:childTnLst>
-                                    <p:set>
-                                      <p:cBhvr>
-                                        <p:cTn id="55" dur="1" fill="hold">
-                                          <p:stCondLst>
-                                            <p:cond delay="0"/>
-                                          </p:stCondLst>
-                                        </p:cTn>
-                                        <p:tgtEl>
-                                          <p:spTgt spid="19"/>
-                                        </p:tgtEl>
-                                        <p:attrNameLst>
-                                          <p:attrName>style.visibility</p:attrName>
-                                        </p:attrNameLst>
-                                      </p:cBhvr>
-                                      <p:to>
-                                        <p:strVal val="visible"/>
-                                      </p:to>
-                                    </p:set>
-                                  </p:childTnLst>
-                                </p:cTn>
-                              </p:par>
                             </p:childTnLst>
                           </p:cTn>
                         </p:par>
@@ -10733,8 +10762,6 @@
       <p:bldP spid="15" grpId="0" animBg="1"/>
       <p:bldP spid="16" grpId="0" animBg="1"/>
       <p:bldP spid="17" grpId="0" animBg="1"/>
-      <p:bldP spid="11" grpId="0" animBg="1"/>
-      <p:bldP spid="19" grpId="0"/>
     </p:bldLst>
   </p:timing>
 </p:sld>
@@ -10770,7 +10797,7 @@
         <p:spPr/>
         <p:txBody>
           <a:bodyPr>
-            <a:normAutofit fontScale="77500" lnSpcReduction="20000"/>
+            <a:normAutofit/>
           </a:bodyPr>
           <a:lstStyle/>
           <a:p>
@@ -10781,7 +10808,9 @@
               <a:buNone/>
             </a:pPr>
             <a:r>
-              <a:rPr lang="en-US" dirty="0"/>
+              <a:rPr lang="en-US" sz="2600" b="1" dirty="0">
+                <a:latin typeface="Consolas" panose="020B0609020204030204" pitchFamily="49" charset="0"/>
+              </a:rPr>
               <a:t>using System;				</a:t>
             </a:r>
           </a:p>
@@ -10793,7 +10822,9 @@
               <a:buNone/>
             </a:pPr>
             <a:r>
-              <a:rPr lang="en-US" dirty="0"/>
+              <a:rPr lang="en-US" sz="2600" b="1" dirty="0">
+                <a:latin typeface="Consolas" panose="020B0609020204030204" pitchFamily="49" charset="0"/>
+              </a:rPr>
               <a:t>public class Program</a:t>
             </a:r>
           </a:p>
@@ -10805,7 +10836,9 @@
               <a:buNone/>
             </a:pPr>
             <a:r>
-              <a:rPr lang="en-US" dirty="0"/>
+              <a:rPr lang="en-US" sz="2600" b="1" dirty="0">
+                <a:latin typeface="Consolas" panose="020B0609020204030204" pitchFamily="49" charset="0"/>
+              </a:rPr>
               <a:t>{</a:t>
             </a:r>
           </a:p>
@@ -10817,8 +10850,10 @@
               <a:buNone/>
             </a:pPr>
             <a:r>
-              <a:rPr lang="en-US" dirty="0"/>
-              <a:t>     public static void Main()</a:t>
+              <a:rPr lang="en-US" sz="2600" b="1" dirty="0">
+                <a:latin typeface="Consolas" panose="020B0609020204030204" pitchFamily="49" charset="0"/>
+              </a:rPr>
+              <a:t>  public static void Main()</a:t>
             </a:r>
           </a:p>
           <a:p>
@@ -10829,8 +10864,10 @@
               <a:buNone/>
             </a:pPr>
             <a:r>
-              <a:rPr lang="en-US" dirty="0"/>
-              <a:t> {</a:t>
+              <a:rPr lang="en-US" sz="2600" b="1" dirty="0">
+                <a:latin typeface="Consolas" panose="020B0609020204030204" pitchFamily="49" charset="0"/>
+              </a:rPr>
+              <a:t>  {</a:t>
             </a:r>
           </a:p>
           <a:p>
@@ -10840,7 +10877,12 @@
               </a:lnSpc>
               <a:buNone/>
             </a:pPr>
-            <a:endParaRPr lang="en-US" dirty="0"/>
+            <a:r>
+              <a:rPr lang="en-US" sz="2600" b="1" dirty="0">
+                <a:latin typeface="Consolas" panose="020B0609020204030204" pitchFamily="49" charset="0"/>
+              </a:rPr>
+              <a:t>    int[] arr = new int[] {  2, 4, -5, 1, 10  };</a:t>
+            </a:r>
           </a:p>
           <a:p>
             <a:pPr marL="0" indent="0">
@@ -10850,8 +10892,21 @@
               <a:buNone/>
             </a:pPr>
             <a:r>
-              <a:rPr lang="en-US" dirty="0"/>
-              <a:t>        int[] arr = new int[] {  2, 4, -5, 1, 10  };</a:t>
+              <a:rPr lang="en-US" sz="2600" b="1" dirty="0">
+                <a:latin typeface="Consolas" panose="020B0609020204030204" pitchFamily="49" charset="0"/>
+              </a:rPr>
+              <a:t>    </a:t>
+            </a:r>
+            <a:r>
+              <a:rPr lang="en-US" sz="2600" b="1" dirty="0">
+                <a:solidFill>
+                  <a:schemeClr val="tx2">
+                    <a:lumMod val="75000"/>
+                  </a:schemeClr>
+                </a:solidFill>
+                <a:latin typeface="Consolas" panose="020B0609020204030204" pitchFamily="49" charset="0"/>
+              </a:rPr>
+              <a:t>Array.Sort(arr);</a:t>
             </a:r>
           </a:p>
           <a:p>
@@ -10862,8 +10917,10 @@
               <a:buNone/>
             </a:pPr>
             <a:r>
-              <a:rPr lang="en-US" dirty="0"/>
-              <a:t>         Array.Sort(arr);</a:t>
+              <a:rPr lang="en-US" sz="2600" b="1" dirty="0">
+                <a:latin typeface="Consolas" panose="020B0609020204030204" pitchFamily="49" charset="0"/>
+              </a:rPr>
+              <a:t>    Console.WriteLine(string.Join(" ", arr));</a:t>
             </a:r>
           </a:p>
           <a:p>
@@ -10874,8 +10931,10 @@
               <a:buNone/>
             </a:pPr>
             <a:r>
-              <a:rPr lang="en-US" dirty="0"/>
-              <a:t>         Console.WriteLine(string.Join(" ", arr));</a:t>
+              <a:rPr lang="en-US" sz="2600" b="1" dirty="0">
+                <a:latin typeface="Consolas" panose="020B0609020204030204" pitchFamily="49" charset="0"/>
+              </a:rPr>
+              <a:t>  }</a:t>
             </a:r>
           </a:p>
           <a:p>
@@ -10886,34 +10945,30 @@
               <a:buNone/>
             </a:pPr>
             <a:r>
-              <a:rPr lang="en-US" dirty="0"/>
-              <a:t>    }</a:t>
-            </a:r>
-          </a:p>
-          <a:p>
-            <a:pPr marL="0" indent="0">
-              <a:lnSpc>
-                <a:spcPct val="100000"/>
-              </a:lnSpc>
-              <a:buNone/>
-            </a:pPr>
-            <a:r>
-              <a:rPr lang="en-US" dirty="0"/>
-              <a:t>}	</a:t>
-            </a:r>
-          </a:p>
-          <a:p>
-            <a:pPr marL="0" indent="0">
-              <a:lnSpc>
-                <a:spcPct val="100000"/>
-              </a:lnSpc>
-              <a:buNone/>
-            </a:pPr>
-            <a:r>
-              <a:rPr lang="en-US" dirty="0"/>
+              <a:rPr lang="en-US" sz="2600" b="1" dirty="0">
+                <a:latin typeface="Consolas" panose="020B0609020204030204" pitchFamily="49" charset="0"/>
+              </a:rPr>
+              <a:t>}</a:t>
+            </a:r>
+            <a:r>
+              <a:rPr lang="en-US" b="1" dirty="0">
+                <a:solidFill>
+                  <a:schemeClr val="tx2">
+                    <a:lumMod val="75000"/>
+                  </a:schemeClr>
+                </a:solidFill>
+                <a:latin typeface="Consolas" panose="020B0609020204030204" pitchFamily="49" charset="0"/>
+              </a:rPr>
               <a:t>	</a:t>
             </a:r>
-            <a:endParaRPr lang="bg-BG" dirty="0"/>
+            <a:endParaRPr lang="bg-BG" b="1" dirty="0">
+              <a:solidFill>
+                <a:schemeClr val="tx2">
+                  <a:lumMod val="75000"/>
+                </a:schemeClr>
+              </a:solidFill>
+              <a:latin typeface="Consolas" panose="020B0609020204030204" pitchFamily="49" charset="0"/>
+            </a:endParaRPr>
           </a:p>
         </p:txBody>
       </p:sp>
@@ -12974,7 +13029,7 @@
                                         <p:tgtEl>
                                           <p:spTgt spid="428035">
                                             <p:txEl>
-                                              <p:pRg st="6" end="6"/>
+                                              <p:pRg st="5" end="5"/>
                                             </p:txEl>
                                           </p:spTgt>
                                         </p:tgtEl>
@@ -13131,7 +13186,7 @@
                                         <p:tgtEl>
                                           <p:spTgt spid="428035">
                                             <p:txEl>
-                                              <p:pRg st="7" end="7"/>
+                                              <p:pRg st="6" end="6"/>
                                             </p:txEl>
                                           </p:spTgt>
                                         </p:tgtEl>
@@ -13207,7 +13262,7 @@
                                         <p:tgtEl>
                                           <p:spTgt spid="428035">
                                             <p:txEl>
-                                              <p:pRg st="8" end="8"/>
+                                              <p:pRg st="7" end="7"/>
                                             </p:txEl>
                                           </p:spTgt>
                                         </p:tgtEl>
@@ -13247,7 +13302,7 @@
                                         <p:tgtEl>
                                           <p:spTgt spid="428035">
                                             <p:txEl>
-                                              <p:pRg st="9" end="9"/>
+                                              <p:pRg st="8" end="8"/>
                                             </p:txEl>
                                           </p:spTgt>
                                         </p:tgtEl>
@@ -13287,7 +13342,7 @@
                                         <p:tgtEl>
                                           <p:spTgt spid="428035">
                                             <p:txEl>
-                                              <p:pRg st="10" end="10"/>
+                                              <p:pRg st="9" end="9"/>
                                             </p:txEl>
                                           </p:spTgt>
                                         </p:tgtEl>
@@ -13325,11 +13380,7 @@
                                           </p:stCondLst>
                                         </p:cTn>
                                         <p:tgtEl>
-                                          <p:spTgt spid="428035">
-                                            <p:txEl>
-                                              <p:pRg st="11" end="11"/>
-                                            </p:txEl>
-                                          </p:spTgt>
+                                          <p:spTgt spid="17"/>
                                         </p:tgtEl>
                                         <p:attrNameLst>
                                           <p:attrName>style.visibility</p:attrName>
@@ -13365,7 +13416,7 @@
                                           </p:stCondLst>
                                         </p:cTn>
                                         <p:tgtEl>
-                                          <p:spTgt spid="17"/>
+                                          <p:spTgt spid="11"/>
                                         </p:tgtEl>
                                         <p:attrNameLst>
                                           <p:attrName>style.visibility</p:attrName>
@@ -13388,7 +13439,7 @@
                             </p:stCondLst>
                             <p:childTnLst>
                               <p:par>
-                                <p:cTn id="50" presetID="1" presetClass="entr" presetSubtype="0" fill="hold" grpId="0" nodeType="afterEffect">
+                                <p:cTn id="50" presetID="1" presetClass="entr" presetSubtype="0" fill="hold" nodeType="afterEffect">
                                   <p:stCondLst>
                                     <p:cond delay="0"/>
                                   </p:stCondLst>
@@ -13401,7 +13452,7 @@
                                           </p:stCondLst>
                                         </p:cTn>
                                         <p:tgtEl>
-                                          <p:spTgt spid="11"/>
+                                          <p:spTgt spid="12"/>
                                         </p:tgtEl>
                                         <p:attrNameLst>
                                           <p:attrName>style.visibility</p:attrName>
@@ -13424,7 +13475,7 @@
                             </p:stCondLst>
                             <p:childTnLst>
                               <p:par>
-                                <p:cTn id="53" presetID="1" presetClass="entr" presetSubtype="0" fill="hold" nodeType="afterEffect">
+                                <p:cTn id="53" presetID="1" presetClass="entr" presetSubtype="0" fill="hold" grpId="0" nodeType="afterEffect">
                                   <p:stCondLst>
                                     <p:cond delay="0"/>
                                   </p:stCondLst>
@@ -13432,42 +13483,6 @@
                                     <p:set>
                                       <p:cBhvr>
                                         <p:cTn id="54" dur="1" fill="hold">
-                                          <p:stCondLst>
-                                            <p:cond delay="0"/>
-                                          </p:stCondLst>
-                                        </p:cTn>
-                                        <p:tgtEl>
-                                          <p:spTgt spid="12"/>
-                                        </p:tgtEl>
-                                        <p:attrNameLst>
-                                          <p:attrName>style.visibility</p:attrName>
-                                        </p:attrNameLst>
-                                      </p:cBhvr>
-                                      <p:to>
-                                        <p:strVal val="visible"/>
-                                      </p:to>
-                                    </p:set>
-                                  </p:childTnLst>
-                                </p:cTn>
-                              </p:par>
-                            </p:childTnLst>
-                          </p:cTn>
-                        </p:par>
-                        <p:par>
-                          <p:cTn id="55" fill="hold">
-                            <p:stCondLst>
-                              <p:cond delay="0"/>
-                            </p:stCondLst>
-                            <p:childTnLst>
-                              <p:par>
-                                <p:cTn id="56" presetID="1" presetClass="entr" presetSubtype="0" fill="hold" grpId="0" nodeType="afterEffect">
-                                  <p:stCondLst>
-                                    <p:cond delay="0"/>
-                                  </p:stCondLst>
-                                  <p:childTnLst>
-                                    <p:set>
-                                      <p:cBhvr>
-                                        <p:cTn id="57" dur="1" fill="hold">
                                           <p:stCondLst>
                                             <p:cond delay="0"/>
                                           </p:stCondLst>
@@ -13556,8 +13571,8 @@
         </p:nvSpPr>
         <p:spPr/>
         <p:txBody>
-          <a:bodyPr>
-            <a:normAutofit fontScale="62500" lnSpcReduction="20000"/>
+          <a:bodyPr vert="horz" lIns="108000" tIns="36000" rIns="108000" bIns="36000" rtlCol="0">
+            <a:normAutofit fontScale="92500" lnSpcReduction="20000"/>
           </a:bodyPr>
           <a:lstStyle/>
           <a:p>
@@ -13568,7 +13583,9 @@
               <a:buNone/>
             </a:pPr>
             <a:r>
-              <a:rPr lang="en-US" dirty="0"/>
+              <a:rPr lang="en-US" sz="2600" b="1" dirty="0">
+                <a:latin typeface="Consolas" panose="020B0609020204030204" pitchFamily="49" charset="0"/>
+              </a:rPr>
               <a:t>using System;				</a:t>
             </a:r>
           </a:p>
@@ -13580,7 +13597,9 @@
               <a:buNone/>
             </a:pPr>
             <a:r>
-              <a:rPr lang="en-US" dirty="0"/>
+              <a:rPr lang="en-US" sz="2600" b="1" dirty="0">
+                <a:latin typeface="Consolas" panose="020B0609020204030204" pitchFamily="49" charset="0"/>
+              </a:rPr>
               <a:t>public class Program</a:t>
             </a:r>
           </a:p>
@@ -13592,7 +13611,9 @@
               <a:buNone/>
             </a:pPr>
             <a:r>
-              <a:rPr lang="en-US" dirty="0"/>
+              <a:rPr lang="en-US" sz="2600" b="1" dirty="0">
+                <a:latin typeface="Consolas" panose="020B0609020204030204" pitchFamily="49" charset="0"/>
+              </a:rPr>
               <a:t>{</a:t>
             </a:r>
           </a:p>
@@ -13604,8 +13625,10 @@
               <a:buNone/>
             </a:pPr>
             <a:r>
-              <a:rPr lang="en-US" dirty="0"/>
-              <a:t>     public static void Main()</a:t>
+              <a:rPr lang="en-US" sz="2600" b="1" dirty="0">
+                <a:latin typeface="Consolas" panose="020B0609020204030204" pitchFamily="49" charset="0"/>
+              </a:rPr>
+              <a:t>  public static void Main()</a:t>
             </a:r>
           </a:p>
           <a:p>
@@ -13616,8 +13639,10 @@
               <a:buNone/>
             </a:pPr>
             <a:r>
-              <a:rPr lang="en-US" dirty="0"/>
-              <a:t> {</a:t>
+              <a:rPr lang="en-US" sz="2600" b="1" dirty="0">
+                <a:latin typeface="Consolas" panose="020B0609020204030204" pitchFamily="49" charset="0"/>
+              </a:rPr>
+              <a:t>  {</a:t>
             </a:r>
           </a:p>
           <a:p>
@@ -13628,8 +13653,10 @@
               <a:buNone/>
             </a:pPr>
             <a:r>
-              <a:rPr lang="en-US" dirty="0"/>
-              <a:t>     int pos=1;</a:t>
+              <a:rPr lang="en-US" sz="2600" b="1" dirty="0">
+                <a:latin typeface="Consolas" panose="020B0609020204030204" pitchFamily="49" charset="0"/>
+              </a:rPr>
+              <a:t>    int pos = 1;</a:t>
             </a:r>
           </a:p>
           <a:p>
@@ -13640,8 +13667,22 @@
               <a:buNone/>
             </a:pPr>
             <a:r>
-              <a:rPr lang="en-US" dirty="0"/>
-              <a:t>     Int countOfZero=2</a:t>
+              <a:rPr lang="en-US" sz="2600" b="1" dirty="0">
+                <a:latin typeface="Consolas" panose="020B0609020204030204" pitchFamily="49" charset="0"/>
+              </a:rPr>
+              <a:t>    int </a:t>
+            </a:r>
+            <a:r>
+              <a:rPr lang="en-US" sz="2600" b="1" dirty="0" err="1">
+                <a:latin typeface="Consolas" panose="020B0609020204030204" pitchFamily="49" charset="0"/>
+              </a:rPr>
+              <a:t>countOfZero</a:t>
+            </a:r>
+            <a:r>
+              <a:rPr lang="en-US" sz="2600" b="1" dirty="0">
+                <a:latin typeface="Consolas" panose="020B0609020204030204" pitchFamily="49" charset="0"/>
+              </a:rPr>
+              <a:t> = 2;</a:t>
             </a:r>
           </a:p>
           <a:p>
@@ -13652,8 +13693,10 @@
               <a:buNone/>
             </a:pPr>
             <a:r>
-              <a:rPr lang="en-US" dirty="0"/>
-              <a:t>        int[] arr = new int[] {  2, 4, -5, 1, 10  };</a:t>
+              <a:rPr lang="en-US" sz="2600" b="1" dirty="0">
+                <a:latin typeface="Consolas" panose="020B0609020204030204" pitchFamily="49" charset="0"/>
+              </a:rPr>
+              <a:t>    int[] arr = new int[] { 2, 4, -5, 1, 10 };</a:t>
             </a:r>
           </a:p>
           <a:p>
@@ -13664,8 +13707,65 @@
               <a:buNone/>
             </a:pPr>
             <a:r>
-              <a:rPr lang="en-US" dirty="0"/>
-              <a:t>         Array.Clear(arr,pos,countOfZero);</a:t>
+              <a:rPr lang="en-US" sz="2600" b="1" dirty="0">
+                <a:latin typeface="Consolas" panose="020B0609020204030204" pitchFamily="49" charset="0"/>
+              </a:rPr>
+              <a:t>    </a:t>
+            </a:r>
+            <a:r>
+              <a:rPr lang="en-US" sz="2600" b="1" dirty="0">
+                <a:solidFill>
+                  <a:schemeClr val="tx2">
+                    <a:lumMod val="75000"/>
+                  </a:schemeClr>
+                </a:solidFill>
+                <a:latin typeface="Consolas" panose="020B0609020204030204" pitchFamily="49" charset="0"/>
+              </a:rPr>
+              <a:t>Array.Clear(</a:t>
+            </a:r>
+            <a:r>
+              <a:rPr lang="en-US" sz="2600" b="1" dirty="0" err="1">
+                <a:solidFill>
+                  <a:schemeClr val="tx2">
+                    <a:lumMod val="75000"/>
+                  </a:schemeClr>
+                </a:solidFill>
+                <a:latin typeface="Consolas" panose="020B0609020204030204" pitchFamily="49" charset="0"/>
+              </a:rPr>
+              <a:t>arr</a:t>
+            </a:r>
+            <a:r>
+              <a:rPr lang="en-US" sz="2600" b="1" dirty="0">
+                <a:solidFill>
+                  <a:schemeClr val="tx2">
+                    <a:lumMod val="75000"/>
+                  </a:schemeClr>
+                </a:solidFill>
+                <a:latin typeface="Consolas" panose="020B0609020204030204" pitchFamily="49" charset="0"/>
+              </a:rPr>
+              <a:t>, pos, </a:t>
+            </a:r>
+            <a:r>
+              <a:rPr lang="en-US" sz="2600" b="1" dirty="0" err="1">
+                <a:solidFill>
+                  <a:schemeClr val="tx2">
+                    <a:lumMod val="75000"/>
+                  </a:schemeClr>
+                </a:solidFill>
+                <a:latin typeface="Consolas" panose="020B0609020204030204" pitchFamily="49" charset="0"/>
+              </a:rPr>
+              <a:t>countOfZero</a:t>
+            </a:r>
+            <a:r>
+              <a:rPr lang="en-US" sz="2600" b="1" dirty="0">
+                <a:solidFill>
+                  <a:schemeClr val="tx2">
+                    <a:lumMod val="75000"/>
+                  </a:schemeClr>
+                </a:solidFill>
+                <a:latin typeface="Consolas" panose="020B0609020204030204" pitchFamily="49" charset="0"/>
+              </a:rPr>
+              <a:t>);</a:t>
             </a:r>
           </a:p>
           <a:p>
@@ -13676,8 +13776,10 @@
               <a:buNone/>
             </a:pPr>
             <a:r>
-              <a:rPr lang="en-US" dirty="0"/>
-              <a:t>         Console.WriteLine(string.Join(" ", arr));</a:t>
+              <a:rPr lang="en-US" sz="2600" b="1" dirty="0">
+                <a:latin typeface="Consolas" panose="020B0609020204030204" pitchFamily="49" charset="0"/>
+              </a:rPr>
+              <a:t>    Console.WriteLine(string.Join(" ", arr));</a:t>
             </a:r>
           </a:p>
           <a:p>
@@ -13688,8 +13790,10 @@
               <a:buNone/>
             </a:pPr>
             <a:r>
-              <a:rPr lang="en-US" dirty="0"/>
-              <a:t>    }</a:t>
+              <a:rPr lang="en-US" sz="2600" b="1" dirty="0">
+                <a:latin typeface="Consolas" panose="020B0609020204030204" pitchFamily="49" charset="0"/>
+              </a:rPr>
+              <a:t>  }</a:t>
             </a:r>
           </a:p>
           <a:p>
@@ -13700,22 +13804,14 @@
               <a:buNone/>
             </a:pPr>
             <a:r>
-              <a:rPr lang="en-US" dirty="0"/>
-              <a:t>}	</a:t>
-            </a:r>
-          </a:p>
-          <a:p>
-            <a:pPr marL="0" indent="0">
-              <a:lnSpc>
-                <a:spcPct val="100000"/>
-              </a:lnSpc>
-              <a:buNone/>
-            </a:pPr>
-            <a:r>
-              <a:rPr lang="en-US" dirty="0"/>
-              <a:t>	</a:t>
-            </a:r>
-            <a:endParaRPr lang="bg-BG" dirty="0"/>
+              <a:rPr lang="en-US" sz="2600" b="1" dirty="0">
+                <a:latin typeface="Consolas" panose="020B0609020204030204" pitchFamily="49" charset="0"/>
+              </a:rPr>
+              <a:t>}</a:t>
+            </a:r>
+            <a:endParaRPr lang="bg-BG" sz="2600" b="1" dirty="0">
+              <a:latin typeface="Consolas" panose="020B0609020204030204" pitchFamily="49" charset="0"/>
+            </a:endParaRPr>
           </a:p>
         </p:txBody>
       </p:sp>
@@ -13980,13 +14076,13 @@
         </p:nvSpPr>
         <p:spPr bwMode="auto">
           <a:xfrm>
-            <a:off x="6780212" y="3571812"/>
+            <a:off x="6994623" y="3289515"/>
             <a:ext cx="4786200" cy="923987"/>
           </a:xfrm>
           <a:prstGeom prst="wedgeRoundRectCallout">
             <a:avLst>
-              <a:gd name="adj1" fmla="val -88898"/>
-              <a:gd name="adj2" fmla="val 47534"/>
+              <a:gd name="adj1" fmla="val -53028"/>
+              <a:gd name="adj2" fmla="val 118221"/>
               <a:gd name="adj3" fmla="val 16667"/>
             </a:avLst>
           </a:prstGeom>
@@ -15646,15 +15742,33 @@
                                   </p:childTnLst>
                                 </p:cTn>
                               </p:par>
+                            </p:childTnLst>
+                          </p:cTn>
+                        </p:par>
+                      </p:childTnLst>
+                    </p:cTn>
+                  </p:par>
+                  <p:par>
+                    <p:cTn id="7" fill="hold">
+                      <p:stCondLst>
+                        <p:cond delay="indefinite"/>
+                      </p:stCondLst>
+                      <p:childTnLst>
+                        <p:par>
+                          <p:cTn id="8" fill="hold">
+                            <p:stCondLst>
+                              <p:cond delay="0"/>
+                            </p:stCondLst>
+                            <p:childTnLst>
                               <p:par>
-                                <p:cTn id="7" presetID="1" presetClass="entr" presetSubtype="0" fill="hold" grpId="0" nodeType="withEffect">
+                                <p:cTn id="9" presetID="1" presetClass="entr" presetSubtype="0" fill="hold" grpId="0" nodeType="clickEffect">
                                   <p:stCondLst>
                                     <p:cond delay="0"/>
                                   </p:stCondLst>
                                   <p:childTnLst>
                                     <p:set>
                                       <p:cBhvr>
-                                        <p:cTn id="8" dur="1" fill="hold">
+                                        <p:cTn id="10" dur="1" fill="hold">
                                           <p:stCondLst>
                                             <p:cond delay="0"/>
                                           </p:stCondLst>
@@ -15677,70 +15791,26 @@
                                   </p:childTnLst>
                                 </p:cTn>
                               </p:par>
+                            </p:childTnLst>
+                          </p:cTn>
+                        </p:par>
+                      </p:childTnLst>
+                    </p:cTn>
+                  </p:par>
+                  <p:par>
+                    <p:cTn id="11" fill="hold">
+                      <p:stCondLst>
+                        <p:cond delay="indefinite"/>
+                      </p:stCondLst>
+                      <p:childTnLst>
+                        <p:par>
+                          <p:cTn id="12" fill="hold">
+                            <p:stCondLst>
+                              <p:cond delay="0"/>
+                            </p:stCondLst>
+                            <p:childTnLst>
                               <p:par>
-                                <p:cTn id="9" presetID="1" presetClass="entr" presetSubtype="0" fill="hold" grpId="0" nodeType="withEffect">
-                                  <p:stCondLst>
-                                    <p:cond delay="0"/>
-                                  </p:stCondLst>
-                                  <p:childTnLst>
-                                    <p:set>
-                                      <p:cBhvr>
-                                        <p:cTn id="10" dur="1" fill="hold">
-                                          <p:stCondLst>
-                                            <p:cond delay="0"/>
-                                          </p:stCondLst>
-                                        </p:cTn>
-                                        <p:tgtEl>
-                                          <p:spTgt spid="428035">
-                                            <p:txEl>
-                                              <p:pRg st="2" end="2"/>
-                                            </p:txEl>
-                                          </p:spTgt>
-                                        </p:tgtEl>
-                                        <p:attrNameLst>
-                                          <p:attrName>style.visibility</p:attrName>
-                                        </p:attrNameLst>
-                                      </p:cBhvr>
-                                      <p:to>
-                                        <p:strVal val="visible"/>
-                                      </p:to>
-                                    </p:set>
-                                  </p:childTnLst>
-                                </p:cTn>
-                              </p:par>
-                              <p:par>
-                                <p:cTn id="11" presetID="1" presetClass="entr" presetSubtype="0" fill="hold" grpId="0" nodeType="withEffect">
-                                  <p:stCondLst>
-                                    <p:cond delay="0"/>
-                                  </p:stCondLst>
-                                  <p:childTnLst>
-                                    <p:set>
-                                      <p:cBhvr>
-                                        <p:cTn id="12" dur="1" fill="hold">
-                                          <p:stCondLst>
-                                            <p:cond delay="0"/>
-                                          </p:stCondLst>
-                                        </p:cTn>
-                                        <p:tgtEl>
-                                          <p:spTgt spid="428035">
-                                            <p:txEl>
-                                              <p:pRg st="3" end="3"/>
-                                            </p:txEl>
-                                          </p:spTgt>
-                                        </p:tgtEl>
-                                        <p:attrNameLst>
-                                          <p:attrName>style.visibility</p:attrName>
-                                        </p:attrNameLst>
-                                      </p:cBhvr>
-                                      <p:to>
-                                        <p:strVal val="visible"/>
-                                      </p:to>
-                                    </p:set>
-                                  </p:childTnLst>
-                                </p:cTn>
-                              </p:par>
-                              <p:par>
-                                <p:cTn id="13" presetID="1" presetClass="entr" presetSubtype="0" fill="hold" grpId="0" nodeType="withEffect">
+                                <p:cTn id="13" presetID="1" presetClass="entr" presetSubtype="0" fill="hold" grpId="0" nodeType="clickEffect">
                                   <p:stCondLst>
                                     <p:cond delay="0"/>
                                   </p:stCondLst>
@@ -15755,7 +15825,7 @@
                                         <p:tgtEl>
                                           <p:spTgt spid="428035">
                                             <p:txEl>
-                                              <p:pRg st="4" end="4"/>
+                                              <p:pRg st="2" end="2"/>
                                             </p:txEl>
                                           </p:spTgt>
                                         </p:tgtEl>
@@ -15804,7 +15874,7 @@
                                         <p:tgtEl>
                                           <p:spTgt spid="428035">
                                             <p:txEl>
-                                              <p:pRg st="5" end="5"/>
+                                              <p:pRg st="3" end="3"/>
                                             </p:txEl>
                                           </p:spTgt>
                                         </p:tgtEl>
@@ -15853,7 +15923,7 @@
                                         <p:tgtEl>
                                           <p:spTgt spid="428035">
                                             <p:txEl>
-                                              <p:pRg st="6" end="6"/>
+                                              <p:pRg st="4" end="4"/>
                                             </p:txEl>
                                           </p:spTgt>
                                         </p:tgtEl>
@@ -15900,117 +15970,9 @@
                                           </p:stCondLst>
                                         </p:cTn>
                                         <p:tgtEl>
-                                          <p:spTgt spid="13"/>
-                                        </p:tgtEl>
-                                        <p:attrNameLst>
-                                          <p:attrName>style.visibility</p:attrName>
-                                        </p:attrNameLst>
-                                      </p:cBhvr>
-                                      <p:to>
-                                        <p:strVal val="visible"/>
-                                      </p:to>
-                                    </p:set>
-                                  </p:childTnLst>
-                                </p:cTn>
-                              </p:par>
-                              <p:par>
-                                <p:cTn id="27" presetID="1" presetClass="entr" presetSubtype="0" fill="hold" grpId="0" nodeType="withEffect">
-                                  <p:stCondLst>
-                                    <p:cond delay="0"/>
-                                  </p:stCondLst>
-                                  <p:childTnLst>
-                                    <p:set>
-                                      <p:cBhvr>
-                                        <p:cTn id="28" dur="1" fill="hold">
-                                          <p:stCondLst>
-                                            <p:cond delay="0"/>
-                                          </p:stCondLst>
-                                        </p:cTn>
-                                        <p:tgtEl>
-                                          <p:spTgt spid="14"/>
-                                        </p:tgtEl>
-                                        <p:attrNameLst>
-                                          <p:attrName>style.visibility</p:attrName>
-                                        </p:attrNameLst>
-                                      </p:cBhvr>
-                                      <p:to>
-                                        <p:strVal val="visible"/>
-                                      </p:to>
-                                    </p:set>
-                                  </p:childTnLst>
-                                </p:cTn>
-                              </p:par>
-                              <p:par>
-                                <p:cTn id="29" presetID="1" presetClass="entr" presetSubtype="0" fill="hold" nodeType="withEffect">
-                                  <p:stCondLst>
-                                    <p:cond delay="0"/>
-                                  </p:stCondLst>
-                                  <p:childTnLst>
-                                    <p:set>
-                                      <p:cBhvr>
-                                        <p:cTn id="30" dur="1" fill="hold">
-                                          <p:stCondLst>
-                                            <p:cond delay="0"/>
-                                          </p:stCondLst>
-                                        </p:cTn>
-                                        <p:tgtEl>
-                                          <p:spTgt spid="18"/>
-                                        </p:tgtEl>
-                                        <p:attrNameLst>
-                                          <p:attrName>style.visibility</p:attrName>
-                                        </p:attrNameLst>
-                                      </p:cBhvr>
-                                      <p:to>
-                                        <p:strVal val="visible"/>
-                                      </p:to>
-                                    </p:set>
-                                  </p:childTnLst>
-                                </p:cTn>
-                              </p:par>
-                              <p:par>
-                                <p:cTn id="31" presetID="1" presetClass="entr" presetSubtype="0" fill="hold" grpId="0" nodeType="withEffect">
-                                  <p:stCondLst>
-                                    <p:cond delay="0"/>
-                                  </p:stCondLst>
-                                  <p:childTnLst>
-                                    <p:set>
-                                      <p:cBhvr>
-                                        <p:cTn id="32" dur="1" fill="hold">
-                                          <p:stCondLst>
-                                            <p:cond delay="0"/>
-                                          </p:stCondLst>
-                                        </p:cTn>
-                                        <p:tgtEl>
-                                          <p:spTgt spid="15"/>
-                                        </p:tgtEl>
-                                        <p:attrNameLst>
-                                          <p:attrName>style.visibility</p:attrName>
-                                        </p:attrNameLst>
-                                      </p:cBhvr>
-                                      <p:to>
-                                        <p:strVal val="visible"/>
-                                      </p:to>
-                                    </p:set>
-                                  </p:childTnLst>
-                                </p:cTn>
-                              </p:par>
-                              <p:par>
-                                <p:cTn id="33" presetID="1" presetClass="entr" presetSubtype="0" fill="hold" grpId="0" nodeType="withEffect">
-                                  <p:stCondLst>
-                                    <p:cond delay="0"/>
-                                  </p:stCondLst>
-                                  <p:childTnLst>
-                                    <p:set>
-                                      <p:cBhvr>
-                                        <p:cTn id="34" dur="1" fill="hold">
-                                          <p:stCondLst>
-                                            <p:cond delay="0"/>
-                                          </p:stCondLst>
-                                        </p:cTn>
-                                        <p:tgtEl>
                                           <p:spTgt spid="428035">
                                             <p:txEl>
-                                              <p:pRg st="7" end="7"/>
+                                              <p:pRg st="5" end="5"/>
                                             </p:txEl>
                                           </p:spTgt>
                                         </p:tgtEl>
@@ -16032,19 +15994,122 @@
                     </p:cTn>
                   </p:par>
                   <p:par>
-                    <p:cTn id="35" fill="hold">
+                    <p:cTn id="27" fill="hold">
                       <p:stCondLst>
                         <p:cond delay="indefinite"/>
                       </p:stCondLst>
                       <p:childTnLst>
                         <p:par>
-                          <p:cTn id="36" fill="hold">
+                          <p:cTn id="28" fill="hold">
                             <p:stCondLst>
                               <p:cond delay="0"/>
                             </p:stCondLst>
                             <p:childTnLst>
                               <p:par>
-                                <p:cTn id="37" presetID="1" presetClass="entr" presetSubtype="0" fill="hold" grpId="0" nodeType="clickEffect">
+                                <p:cTn id="29" presetID="1" presetClass="entr" presetSubtype="0" fill="hold" grpId="0" nodeType="clickEffect">
+                                  <p:stCondLst>
+                                    <p:cond delay="0"/>
+                                  </p:stCondLst>
+                                  <p:childTnLst>
+                                    <p:set>
+                                      <p:cBhvr>
+                                        <p:cTn id="30" dur="1" fill="hold">
+                                          <p:stCondLst>
+                                            <p:cond delay="0"/>
+                                          </p:stCondLst>
+                                        </p:cTn>
+                                        <p:tgtEl>
+                                          <p:spTgt spid="428035">
+                                            <p:txEl>
+                                              <p:pRg st="6" end="6"/>
+                                            </p:txEl>
+                                          </p:spTgt>
+                                        </p:tgtEl>
+                                        <p:attrNameLst>
+                                          <p:attrName>style.visibility</p:attrName>
+                                        </p:attrNameLst>
+                                      </p:cBhvr>
+                                      <p:to>
+                                        <p:strVal val="visible"/>
+                                      </p:to>
+                                    </p:set>
+                                  </p:childTnLst>
+                                </p:cTn>
+                              </p:par>
+                            </p:childTnLst>
+                          </p:cTn>
+                        </p:par>
+                      </p:childTnLst>
+                    </p:cTn>
+                  </p:par>
+                  <p:par>
+                    <p:cTn id="31" fill="hold">
+                      <p:stCondLst>
+                        <p:cond delay="indefinite"/>
+                      </p:stCondLst>
+                      <p:childTnLst>
+                        <p:par>
+                          <p:cTn id="32" fill="hold">
+                            <p:stCondLst>
+                              <p:cond delay="0"/>
+                            </p:stCondLst>
+                            <p:childTnLst>
+                              <p:par>
+                                <p:cTn id="33" presetID="1" presetClass="entr" presetSubtype="0" fill="hold" grpId="0" nodeType="clickEffect">
+                                  <p:stCondLst>
+                                    <p:cond delay="0"/>
+                                  </p:stCondLst>
+                                  <p:childTnLst>
+                                    <p:set>
+                                      <p:cBhvr>
+                                        <p:cTn id="34" dur="1" fill="hold">
+                                          <p:stCondLst>
+                                            <p:cond delay="0"/>
+                                          </p:stCondLst>
+                                        </p:cTn>
+                                        <p:tgtEl>
+                                          <p:spTgt spid="13"/>
+                                        </p:tgtEl>
+                                        <p:attrNameLst>
+                                          <p:attrName>style.visibility</p:attrName>
+                                        </p:attrNameLst>
+                                      </p:cBhvr>
+                                      <p:to>
+                                        <p:strVal val="visible"/>
+                                      </p:to>
+                                    </p:set>
+                                  </p:childTnLst>
+                                </p:cTn>
+                              </p:par>
+                              <p:par>
+                                <p:cTn id="35" presetID="1" presetClass="entr" presetSubtype="0" fill="hold" grpId="0" nodeType="withEffect">
+                                  <p:stCondLst>
+                                    <p:cond delay="0"/>
+                                  </p:stCondLst>
+                                  <p:childTnLst>
+                                    <p:set>
+                                      <p:cBhvr>
+                                        <p:cTn id="36" dur="1" fill="hold">
+                                          <p:stCondLst>
+                                            <p:cond delay="0"/>
+                                          </p:stCondLst>
+                                        </p:cTn>
+                                        <p:tgtEl>
+                                          <p:spTgt spid="14"/>
+                                        </p:tgtEl>
+                                        <p:attrNameLst>
+                                          <p:attrName>style.visibility</p:attrName>
+                                        </p:attrNameLst>
+                                      </p:cBhvr>
+                                      <p:to>
+                                        <p:strVal val="visible"/>
+                                      </p:to>
+                                    </p:set>
+                                  </p:childTnLst>
+                                </p:cTn>
+                              </p:par>
+                              <p:par>
+                                <p:cTn id="37" presetID="1" presetClass="entr" presetSubtype="0" fill="hold" nodeType="withEffect">
                                   <p:stCondLst>
                                     <p:cond delay="0"/>
                                   </p:stCondLst>
@@ -16057,11 +16122,7 @@
                                           </p:stCondLst>
                                         </p:cTn>
                                         <p:tgtEl>
-                                          <p:spTgt spid="428035">
-                                            <p:txEl>
-                                              <p:pRg st="8" end="8"/>
-                                            </p:txEl>
-                                          </p:spTgt>
+                                          <p:spTgt spid="18"/>
                                         </p:tgtEl>
                                         <p:attrNameLst>
                                           <p:attrName>style.visibility</p:attrName>
@@ -16088,7 +16149,7 @@
                                           </p:stCondLst>
                                         </p:cTn>
                                         <p:tgtEl>
-                                          <p:spTgt spid="16"/>
+                                          <p:spTgt spid="15"/>
                                         </p:tgtEl>
                                         <p:attrNameLst>
                                           <p:attrName>style.visibility</p:attrName>
@@ -16135,7 +16196,7 @@
                                         <p:tgtEl>
                                           <p:spTgt spid="428035">
                                             <p:txEl>
-                                              <p:pRg st="9" end="9"/>
+                                              <p:pRg st="7" end="7"/>
                                             </p:txEl>
                                           </p:spTgt>
                                         </p:tgtEl>
@@ -16150,39 +16211,26 @@
                                   </p:childTnLst>
                                 </p:cTn>
                               </p:par>
+                            </p:childTnLst>
+                          </p:cTn>
+                        </p:par>
+                      </p:childTnLst>
+                    </p:cTn>
+                  </p:par>
+                  <p:par>
+                    <p:cTn id="45" fill="hold">
+                      <p:stCondLst>
+                        <p:cond delay="indefinite"/>
+                      </p:stCondLst>
+                      <p:childTnLst>
+                        <p:par>
+                          <p:cTn id="46" fill="hold">
+                            <p:stCondLst>
+                              <p:cond delay="0"/>
+                            </p:stCondLst>
+                            <p:childTnLst>
                               <p:par>
-                                <p:cTn id="45" presetID="1" presetClass="entr" presetSubtype="0" fill="hold" grpId="0" nodeType="withEffect">
-                                  <p:stCondLst>
-                                    <p:cond delay="0"/>
-                                  </p:stCondLst>
-                                  <p:childTnLst>
-                                    <p:set>
-                                      <p:cBhvr>
-                                        <p:cTn id="46" dur="1" fill="hold">
-                                          <p:stCondLst>
-                                            <p:cond delay="0"/>
-                                          </p:stCondLst>
-                                        </p:cTn>
-                                        <p:tgtEl>
-                                          <p:spTgt spid="428035">
-                                            <p:txEl>
-                                              <p:pRg st="10" end="10"/>
-                                            </p:txEl>
-                                          </p:spTgt>
-                                        </p:tgtEl>
-                                        <p:attrNameLst>
-                                          <p:attrName>style.visibility</p:attrName>
-                                        </p:attrNameLst>
-                                      </p:cBhvr>
-                                      <p:to>
-                                        <p:strVal val="visible"/>
-                                      </p:to>
-                                    </p:set>
-                                  </p:childTnLst>
-                                </p:cTn>
-                              </p:par>
-                              <p:par>
-                                <p:cTn id="47" presetID="1" presetClass="entr" presetSubtype="0" fill="hold" grpId="0" nodeType="withEffect">
+                                <p:cTn id="47" presetID="1" presetClass="entr" presetSubtype="0" fill="hold" grpId="0" nodeType="clickEffect">
                                   <p:stCondLst>
                                     <p:cond delay="0"/>
                                   </p:stCondLst>
@@ -16197,7 +16245,7 @@
                                         <p:tgtEl>
                                           <p:spTgt spid="428035">
                                             <p:txEl>
-                                              <p:pRg st="11" end="11"/>
+                                              <p:pRg st="8" end="8"/>
                                             </p:txEl>
                                           </p:spTgt>
                                         </p:tgtEl>
@@ -16226,9 +16274,152 @@
                                           </p:stCondLst>
                                         </p:cTn>
                                         <p:tgtEl>
+                                          <p:spTgt spid="16"/>
+                                        </p:tgtEl>
+                                        <p:attrNameLst>
+                                          <p:attrName>style.visibility</p:attrName>
+                                        </p:attrNameLst>
+                                      </p:cBhvr>
+                                      <p:to>
+                                        <p:strVal val="visible"/>
+                                      </p:to>
+                                    </p:set>
+                                  </p:childTnLst>
+                                </p:cTn>
+                              </p:par>
+                            </p:childTnLst>
+                          </p:cTn>
+                        </p:par>
+                      </p:childTnLst>
+                    </p:cTn>
+                  </p:par>
+                  <p:par>
+                    <p:cTn id="51" fill="hold">
+                      <p:stCondLst>
+                        <p:cond delay="indefinite"/>
+                      </p:stCondLst>
+                      <p:childTnLst>
+                        <p:par>
+                          <p:cTn id="52" fill="hold">
+                            <p:stCondLst>
+                              <p:cond delay="0"/>
+                            </p:stCondLst>
+                            <p:childTnLst>
+                              <p:par>
+                                <p:cTn id="53" presetID="1" presetClass="entr" presetSubtype="0" fill="hold" grpId="0" nodeType="clickEffect">
+                                  <p:stCondLst>
+                                    <p:cond delay="0"/>
+                                  </p:stCondLst>
+                                  <p:childTnLst>
+                                    <p:set>
+                                      <p:cBhvr>
+                                        <p:cTn id="54" dur="1" fill="hold">
+                                          <p:stCondLst>
+                                            <p:cond delay="0"/>
+                                          </p:stCondLst>
+                                        </p:cTn>
+                                        <p:tgtEl>
                                           <p:spTgt spid="428035">
                                             <p:txEl>
-                                              <p:pRg st="12" end="12"/>
+                                              <p:pRg st="9" end="9"/>
+                                            </p:txEl>
+                                          </p:spTgt>
+                                        </p:tgtEl>
+                                        <p:attrNameLst>
+                                          <p:attrName>style.visibility</p:attrName>
+                                        </p:attrNameLst>
+                                      </p:cBhvr>
+                                      <p:to>
+                                        <p:strVal val="visible"/>
+                                      </p:to>
+                                    </p:set>
+                                  </p:childTnLst>
+                                </p:cTn>
+                              </p:par>
+                            </p:childTnLst>
+                          </p:cTn>
+                        </p:par>
+                      </p:childTnLst>
+                    </p:cTn>
+                  </p:par>
+                  <p:par>
+                    <p:cTn id="55" fill="hold">
+                      <p:stCondLst>
+                        <p:cond delay="indefinite"/>
+                      </p:stCondLst>
+                      <p:childTnLst>
+                        <p:par>
+                          <p:cTn id="56" fill="hold">
+                            <p:stCondLst>
+                              <p:cond delay="0"/>
+                            </p:stCondLst>
+                            <p:childTnLst>
+                              <p:par>
+                                <p:cTn id="57" presetID="1" presetClass="entr" presetSubtype="0" fill="hold" grpId="0" nodeType="clickEffect">
+                                  <p:stCondLst>
+                                    <p:cond delay="0"/>
+                                  </p:stCondLst>
+                                  <p:childTnLst>
+                                    <p:set>
+                                      <p:cBhvr>
+                                        <p:cTn id="58" dur="1" fill="hold">
+                                          <p:stCondLst>
+                                            <p:cond delay="0"/>
+                                          </p:stCondLst>
+                                        </p:cTn>
+                                        <p:tgtEl>
+                                          <p:spTgt spid="428035">
+                                            <p:txEl>
+                                              <p:pRg st="10" end="10"/>
+                                            </p:txEl>
+                                          </p:spTgt>
+                                        </p:tgtEl>
+                                        <p:attrNameLst>
+                                          <p:attrName>style.visibility</p:attrName>
+                                        </p:attrNameLst>
+                                      </p:cBhvr>
+                                      <p:to>
+                                        <p:strVal val="visible"/>
+                                      </p:to>
+                                    </p:set>
+                                  </p:childTnLst>
+                                </p:cTn>
+                              </p:par>
+                            </p:childTnLst>
+                          </p:cTn>
+                        </p:par>
+                      </p:childTnLst>
+                    </p:cTn>
+                  </p:par>
+                  <p:par>
+                    <p:cTn id="59" fill="hold">
+                      <p:stCondLst>
+                        <p:cond delay="indefinite"/>
+                      </p:stCondLst>
+                      <p:childTnLst>
+                        <p:par>
+                          <p:cTn id="60" fill="hold">
+                            <p:stCondLst>
+                              <p:cond delay="0"/>
+                            </p:stCondLst>
+                            <p:childTnLst>
+                              <p:par>
+                                <p:cTn id="61" presetID="1" presetClass="entr" presetSubtype="0" fill="hold" grpId="0" nodeType="clickEffect">
+                                  <p:stCondLst>
+                                    <p:cond delay="0"/>
+                                  </p:stCondLst>
+                                  <p:childTnLst>
+                                    <p:set>
+                                      <p:cBhvr>
+                                        <p:cTn id="62" dur="1" fill="hold">
+                                          <p:stCondLst>
+                                            <p:cond delay="0"/>
+                                          </p:stCondLst>
+                                        </p:cTn>
+                                        <p:tgtEl>
+                                          <p:spTgt spid="428035">
+                                            <p:txEl>
+                                              <p:pRg st="11" end="11"/>
                                             </p:txEl>
                                           </p:spTgt>
                                         </p:tgtEl>
@@ -16244,14 +16435,14 @@
                                 </p:cTn>
                               </p:par>
                               <p:par>
-                                <p:cTn id="51" presetID="1" presetClass="entr" presetSubtype="0" fill="hold" grpId="0" nodeType="withEffect">
+                                <p:cTn id="63" presetID="1" presetClass="entr" presetSubtype="0" fill="hold" grpId="0" nodeType="withEffect">
                                   <p:stCondLst>
                                     <p:cond delay="0"/>
                                   </p:stCondLst>
                                   <p:childTnLst>
                                     <p:set>
                                       <p:cBhvr>
-                                        <p:cTn id="52" dur="1" fill="hold">
+                                        <p:cTn id="64" dur="1" fill="hold">
                                           <p:stCondLst>
                                             <p:cond delay="0"/>
                                           </p:stCondLst>
@@ -16271,14 +16462,14 @@
                                 </p:cTn>
                               </p:par>
                               <p:par>
-                                <p:cTn id="53" presetID="1" presetClass="entr" presetSubtype="0" fill="hold" grpId="0" nodeType="withEffect">
+                                <p:cTn id="65" presetID="1" presetClass="entr" presetSubtype="0" fill="hold" grpId="0" nodeType="withEffect">
                                   <p:stCondLst>
                                     <p:cond delay="0"/>
                                   </p:stCondLst>
                                   <p:childTnLst>
                                     <p:set>
                                       <p:cBhvr>
-                                        <p:cTn id="54" dur="1" fill="hold">
+                                        <p:cTn id="66" dur="1" fill="hold">
                                           <p:stCondLst>
                                             <p:cond delay="0"/>
                                           </p:stCondLst>
@@ -16298,14 +16489,14 @@
                                 </p:cTn>
                               </p:par>
                               <p:par>
-                                <p:cTn id="55" presetID="1" presetClass="entr" presetSubtype="0" fill="hold" nodeType="withEffect">
+                                <p:cTn id="67" presetID="1" presetClass="entr" presetSubtype="0" fill="hold" nodeType="withEffect">
                                   <p:stCondLst>
                                     <p:cond delay="0"/>
                                   </p:stCondLst>
                                   <p:childTnLst>
                                     <p:set>
                                       <p:cBhvr>
-                                        <p:cTn id="56" dur="1" fill="hold">
+                                        <p:cTn id="68" dur="1" fill="hold">
                                           <p:stCondLst>
                                             <p:cond delay="0"/>
                                           </p:stCondLst>
@@ -16325,14 +16516,14 @@
                                 </p:cTn>
                               </p:par>
                               <p:par>
-                                <p:cTn id="57" presetID="1" presetClass="entr" presetSubtype="0" fill="hold" grpId="0" nodeType="withEffect">
+                                <p:cTn id="69" presetID="1" presetClass="entr" presetSubtype="0" fill="hold" grpId="0" nodeType="withEffect">
                                   <p:stCondLst>
                                     <p:cond delay="0"/>
                                   </p:stCondLst>
                                   <p:childTnLst>
                                     <p:set>
                                       <p:cBhvr>
-                                        <p:cTn id="58" dur="1" fill="hold">
+                                        <p:cTn id="70" dur="1" fill="hold">
                                           <p:stCondLst>
                                             <p:cond delay="0"/>
                                           </p:stCondLst>
@@ -16411,6 +16602,71 @@
       </p:grpSpPr>
       <p:sp>
         <p:nvSpPr>
+          <p:cNvPr id="20" name="Rounded Rectangle 19"/>
+          <p:cNvSpPr/>
+          <p:nvPr/>
+        </p:nvSpPr>
+        <p:spPr>
+          <a:xfrm>
+            <a:off x="8171637" y="393488"/>
+            <a:ext cx="3698997" cy="1667663"/>
+          </a:xfrm>
+          <a:prstGeom prst="roundRect">
+            <a:avLst>
+              <a:gd name="adj" fmla="val 6659"/>
+            </a:avLst>
+          </a:prstGeom>
+          <a:solidFill>
+            <a:schemeClr val="accent5">
+              <a:lumMod val="40000"/>
+              <a:lumOff val="60000"/>
+              <a:alpha val="20000"/>
+            </a:schemeClr>
+          </a:solidFill>
+          <a:ln w="12700">
+            <a:solidFill>
+              <a:schemeClr val="accent5">
+                <a:lumMod val="60000"/>
+                <a:lumOff val="40000"/>
+                <a:alpha val="50000"/>
+              </a:schemeClr>
+            </a:solidFill>
+            <a:prstDash val="sysDash"/>
+          </a:ln>
+        </p:spPr>
+        <p:txBody>
+          <a:bodyPr vert="horz" wrap="square" lIns="144000" tIns="108000" rIns="144000" bIns="108000" rtlCol="0">
+            <a:noAutofit/>
+          </a:bodyPr>
+          <a:lstStyle/>
+          <a:p>
+            <a:pPr defTabSz="1218987">
+              <a:buClr>
+                <a:srgbClr val="F2B254"/>
+              </a:buClr>
+              <a:buSzPct val="100000"/>
+              <a:buFont typeface="Wingdings" panose="05000000000000000000" pitchFamily="2" charset="2"/>
+              <a:buNone/>
+            </a:pPr>
+            <a:endParaRPr lang="en-US" sz="2400" b="1" dirty="0">
+              <a:solidFill>
+                <a:srgbClr val="FBEEDC"/>
+              </a:solidFill>
+              <a:effectLst>
+                <a:outerShdw blurRad="38100" dist="38100" dir="2700000" algn="tl">
+                  <a:srgbClr val="000000">
+                    <a:alpha val="43137"/>
+                  </a:srgbClr>
+                </a:outerShdw>
+              </a:effectLst>
+              <a:latin typeface="Consolas" pitchFamily="49" charset="0"/>
+              <a:cs typeface="Consolas" pitchFamily="49" charset="0"/>
+            </a:endParaRPr>
+          </a:p>
+        </p:txBody>
+      </p:sp>
+      <p:sp>
+        <p:nvSpPr>
           <p:cNvPr id="428035" name="Rectangle 3"/>
           <p:cNvSpPr>
             <a:spLocks noGrp="1" noChangeArrowheads="1"/>
@@ -16427,304 +16683,333 @@
           <a:lstStyle/>
           <a:p>
             <a:pPr marL="0" indent="0">
-              <a:lnSpc>
-                <a:spcPct val="100000"/>
-              </a:lnSpc>
               <a:buNone/>
             </a:pPr>
             <a:r>
-              <a:rPr lang="en-US" dirty="0"/>
+              <a:rPr lang="en-US" b="1" dirty="0">
+                <a:latin typeface="Consolas" panose="020B0609020204030204" pitchFamily="49" charset="0"/>
+              </a:rPr>
               <a:t>using System;</a:t>
             </a:r>
           </a:p>
           <a:p>
             <a:pPr marL="0" indent="0">
-              <a:lnSpc>
-                <a:spcPct val="100000"/>
-              </a:lnSpc>
               <a:buNone/>
             </a:pPr>
             <a:r>
-              <a:rPr lang="en-US" dirty="0"/>
+              <a:rPr lang="en-US" b="1" dirty="0">
+                <a:latin typeface="Consolas" panose="020B0609020204030204" pitchFamily="49" charset="0"/>
+              </a:rPr>
               <a:t>public class Program</a:t>
             </a:r>
           </a:p>
           <a:p>
             <a:pPr marL="0" indent="0">
-              <a:lnSpc>
-                <a:spcPct val="100000"/>
-              </a:lnSpc>
               <a:buNone/>
             </a:pPr>
             <a:r>
-              <a:rPr lang="en-US" dirty="0"/>
+              <a:rPr lang="en-US" b="1" dirty="0">
+                <a:latin typeface="Consolas" panose="020B0609020204030204" pitchFamily="49" charset="0"/>
+              </a:rPr>
               <a:t>{</a:t>
             </a:r>
           </a:p>
           <a:p>
             <a:pPr marL="0" indent="0">
-              <a:lnSpc>
-                <a:spcPct val="100000"/>
-              </a:lnSpc>
               <a:buNone/>
             </a:pPr>
             <a:r>
-              <a:rPr lang="en-US" dirty="0"/>
-              <a:t>     public static void Main()</a:t>
+              <a:rPr lang="en-US" b="1" dirty="0">
+                <a:latin typeface="Consolas" panose="020B0609020204030204" pitchFamily="49" charset="0"/>
+              </a:rPr>
+              <a:t>  public static void Main()</a:t>
             </a:r>
           </a:p>
           <a:p>
             <a:pPr marL="0" indent="0">
-              <a:lnSpc>
-                <a:spcPct val="100000"/>
-              </a:lnSpc>
               <a:buNone/>
             </a:pPr>
             <a:r>
-              <a:rPr lang="en-US" dirty="0"/>
-              <a:t>     {</a:t>
+              <a:rPr lang="en-US" b="1" dirty="0">
+                <a:latin typeface="Consolas" panose="020B0609020204030204" pitchFamily="49" charset="0"/>
+              </a:rPr>
+              <a:t>  {</a:t>
             </a:r>
           </a:p>
           <a:p>
             <a:pPr marL="0" indent="0">
-              <a:lnSpc>
-                <a:spcPct val="100000"/>
-              </a:lnSpc>
               <a:buNone/>
             </a:pPr>
             <a:r>
-              <a:rPr lang="en-US" dirty="0"/>
-              <a:t>             int[] </a:t>
-            </a:r>
-            <a:r>
-              <a:rPr lang="en-US" dirty="0">
+              <a:rPr lang="en-US" b="1" dirty="0">
+                <a:latin typeface="Consolas" panose="020B0609020204030204" pitchFamily="49" charset="0"/>
+              </a:rPr>
+              <a:t>    int[] </a:t>
+            </a:r>
+            <a:r>
+              <a:rPr lang="en-US" b="1" dirty="0">
                 <a:solidFill>
                   <a:schemeClr val="tx2">
                     <a:lumMod val="50000"/>
                   </a:schemeClr>
                 </a:solidFill>
+                <a:latin typeface="Consolas" panose="020B0609020204030204" pitchFamily="49" charset="0"/>
               </a:rPr>
               <a:t>source</a:t>
             </a:r>
             <a:r>
-              <a:rPr lang="en-US" dirty="0"/>
+              <a:rPr lang="en-US" b="1" dirty="0">
+                <a:latin typeface="Consolas" panose="020B0609020204030204" pitchFamily="49" charset="0"/>
+              </a:rPr>
               <a:t> = new int[] {1,2,3};</a:t>
             </a:r>
           </a:p>
           <a:p>
             <a:pPr marL="0" indent="0">
-              <a:lnSpc>
-                <a:spcPct val="100000"/>
-              </a:lnSpc>
               <a:buNone/>
             </a:pPr>
             <a:r>
-              <a:rPr lang="en-US" dirty="0"/>
-              <a:t>             int[]  </a:t>
-            </a:r>
-            <a:r>
-              <a:rPr lang="en-US" dirty="0">
+              <a:rPr lang="en-US" b="1" dirty="0">
+                <a:latin typeface="Consolas" panose="020B0609020204030204" pitchFamily="49" charset="0"/>
+              </a:rPr>
+              <a:t>    int[] </a:t>
+            </a:r>
+            <a:r>
+              <a:rPr lang="en-US" b="1" dirty="0">
                 <a:solidFill>
                   <a:schemeClr val="tx2">
                     <a:lumMod val="50000"/>
                   </a:schemeClr>
                 </a:solidFill>
+                <a:latin typeface="Consolas" panose="020B0609020204030204" pitchFamily="49" charset="0"/>
               </a:rPr>
               <a:t>destination</a:t>
             </a:r>
             <a:r>
-              <a:rPr lang="en-US" dirty="0"/>
-              <a:t> =new int[] {</a:t>
-            </a:r>
-            <a:r>
-              <a:rPr lang="bg-BG" dirty="0"/>
+              <a:rPr lang="en-US" b="1" dirty="0">
+                <a:latin typeface="Consolas" panose="020B0609020204030204" pitchFamily="49" charset="0"/>
+              </a:rPr>
+              <a:t> = new int[] { 2,</a:t>
+            </a:r>
+            <a:r>
+              <a:rPr lang="bg-BG" b="1" dirty="0">
+                <a:latin typeface="Consolas" panose="020B0609020204030204" pitchFamily="49" charset="0"/>
+              </a:rPr>
               <a:t> </a:t>
             </a:r>
             <a:r>
-              <a:rPr lang="en-US" dirty="0"/>
-              <a:t>2,</a:t>
-            </a:r>
-            <a:r>
-              <a:rPr lang="bg-BG" dirty="0"/>
+              <a:rPr lang="en-US" b="1" dirty="0">
+                <a:latin typeface="Consolas" panose="020B0609020204030204" pitchFamily="49" charset="0"/>
+              </a:rPr>
+              <a:t>4,</a:t>
+            </a:r>
+            <a:r>
+              <a:rPr lang="bg-BG" b="1" dirty="0">
+                <a:latin typeface="Consolas" panose="020B0609020204030204" pitchFamily="49" charset="0"/>
+              </a:rPr>
               <a:t> </a:t>
             </a:r>
             <a:r>
-              <a:rPr lang="en-US" dirty="0"/>
-              <a:t>4,</a:t>
-            </a:r>
-            <a:r>
-              <a:rPr lang="bg-BG" dirty="0"/>
+              <a:rPr lang="en-US" b="1" dirty="0">
+                <a:latin typeface="Consolas" panose="020B0609020204030204" pitchFamily="49" charset="0"/>
+              </a:rPr>
+              <a:t>-5,</a:t>
+            </a:r>
+            <a:r>
+              <a:rPr lang="bg-BG" b="1" dirty="0">
+                <a:latin typeface="Consolas" panose="020B0609020204030204" pitchFamily="49" charset="0"/>
+              </a:rPr>
               <a:t> </a:t>
             </a:r>
             <a:r>
-              <a:rPr lang="en-US" dirty="0"/>
-              <a:t>-5,</a:t>
-            </a:r>
-            <a:r>
-              <a:rPr lang="bg-BG" dirty="0"/>
+              <a:rPr lang="en-US" b="1" dirty="0">
+                <a:latin typeface="Consolas" panose="020B0609020204030204" pitchFamily="49" charset="0"/>
+              </a:rPr>
+              <a:t>1,</a:t>
+            </a:r>
+            <a:r>
+              <a:rPr lang="bg-BG" b="1" dirty="0">
+                <a:latin typeface="Consolas" panose="020B0609020204030204" pitchFamily="49" charset="0"/>
+              </a:rPr>
               <a:t> </a:t>
             </a:r>
             <a:r>
-              <a:rPr lang="en-US" dirty="0"/>
-              <a:t>1,</a:t>
-            </a:r>
-            <a:r>
-              <a:rPr lang="bg-BG" dirty="0"/>
+              <a:rPr lang="en-US" b="1" dirty="0">
+                <a:latin typeface="Consolas" panose="020B0609020204030204" pitchFamily="49" charset="0"/>
+              </a:rPr>
+              <a:t>10</a:t>
+            </a:r>
+            <a:r>
+              <a:rPr lang="bg-BG" b="1" dirty="0">
+                <a:latin typeface="Consolas" panose="020B0609020204030204" pitchFamily="49" charset="0"/>
+              </a:rPr>
               <a:t> </a:t>
             </a:r>
             <a:r>
-              <a:rPr lang="en-US" dirty="0"/>
-              <a:t>10</a:t>
-            </a:r>
-            <a:r>
-              <a:rPr lang="bg-BG" dirty="0"/>
-              <a:t> </a:t>
-            </a:r>
-            <a:r>
-              <a:rPr lang="en-US" dirty="0"/>
-              <a:t>};	 </a:t>
+              <a:rPr lang="en-US" b="1" dirty="0">
+                <a:latin typeface="Consolas" panose="020B0609020204030204" pitchFamily="49" charset="0"/>
+              </a:rPr>
+              <a:t>};	</a:t>
             </a:r>
           </a:p>
           <a:p>
             <a:pPr marL="0" indent="0">
-              <a:lnSpc>
-                <a:spcPct val="100000"/>
-              </a:lnSpc>
               <a:buNone/>
             </a:pPr>
             <a:r>
-              <a:rPr lang="en-US" dirty="0"/>
-              <a:t>            </a:t>
-            </a:r>
-            <a:r>
-              <a:rPr lang="en-US" dirty="0">
+              <a:rPr lang="en-US" b="1" dirty="0">
+                <a:latin typeface="Consolas" panose="020B0609020204030204" pitchFamily="49" charset="0"/>
+              </a:rPr>
+              <a:t>    </a:t>
+            </a:r>
+            <a:r>
+              <a:rPr lang="en-US" b="1" dirty="0">
                 <a:solidFill>
                   <a:schemeClr val="tx2">
                     <a:lumMod val="50000"/>
                   </a:schemeClr>
                 </a:solidFill>
+                <a:latin typeface="Consolas" panose="020B0609020204030204" pitchFamily="49" charset="0"/>
               </a:rPr>
               <a:t>source</a:t>
             </a:r>
             <a:r>
-              <a:rPr lang="en-US" dirty="0"/>
+              <a:rPr lang="en-US" b="1" dirty="0">
+                <a:latin typeface="Consolas" panose="020B0609020204030204" pitchFamily="49" charset="0"/>
+              </a:rPr>
               <a:t>.CopyTo(</a:t>
             </a:r>
             <a:r>
-              <a:rPr lang="bg-BG" dirty="0"/>
+              <a:rPr lang="bg-BG" b="1" dirty="0">
+                <a:latin typeface="Consolas" panose="020B0609020204030204" pitchFamily="49" charset="0"/>
+              </a:rPr>
               <a:t> </a:t>
             </a:r>
             <a:r>
-              <a:rPr lang="en-US" dirty="0">
+              <a:rPr lang="en-US" b="1" dirty="0">
                 <a:solidFill>
                   <a:schemeClr val="tx2">
                     <a:lumMod val="50000"/>
                   </a:schemeClr>
                 </a:solidFill>
+                <a:latin typeface="Consolas" panose="020B0609020204030204" pitchFamily="49" charset="0"/>
               </a:rPr>
               <a:t>destination</a:t>
             </a:r>
             <a:r>
-              <a:rPr lang="en-US" dirty="0"/>
+              <a:rPr lang="en-US" b="1" dirty="0">
+                <a:latin typeface="Consolas" panose="020B0609020204030204" pitchFamily="49" charset="0"/>
+              </a:rPr>
               <a:t>,</a:t>
             </a:r>
             <a:r>
-              <a:rPr lang="bg-BG" dirty="0"/>
+              <a:rPr lang="bg-BG" b="1" dirty="0">
+                <a:latin typeface="Consolas" panose="020B0609020204030204" pitchFamily="49" charset="0"/>
+              </a:rPr>
               <a:t> </a:t>
             </a:r>
             <a:r>
-              <a:rPr lang="en-US" dirty="0"/>
+              <a:rPr lang="en-US" b="1" dirty="0">
+                <a:latin typeface="Consolas" panose="020B0609020204030204" pitchFamily="49" charset="0"/>
+              </a:rPr>
               <a:t>1</a:t>
             </a:r>
             <a:r>
-              <a:rPr lang="bg-BG" dirty="0"/>
+              <a:rPr lang="bg-BG" b="1" dirty="0">
+                <a:latin typeface="Consolas" panose="020B0609020204030204" pitchFamily="49" charset="0"/>
+              </a:rPr>
               <a:t> </a:t>
             </a:r>
             <a:r>
-              <a:rPr lang="en-US" dirty="0"/>
+              <a:rPr lang="en-US" b="1" dirty="0">
+                <a:latin typeface="Consolas" panose="020B0609020204030204" pitchFamily="49" charset="0"/>
+              </a:rPr>
               <a:t>);</a:t>
             </a:r>
           </a:p>
           <a:p>
             <a:pPr marL="0" indent="0">
-              <a:lnSpc>
-                <a:spcPct val="100000"/>
-              </a:lnSpc>
               <a:buNone/>
             </a:pPr>
             <a:r>
-              <a:rPr lang="en-US" dirty="0"/>
-              <a:t>            Console.WriteLine(</a:t>
-            </a:r>
-            <a:r>
-              <a:rPr lang="bg-BG" dirty="0"/>
+              <a:rPr lang="en-US" b="1" dirty="0">
+                <a:latin typeface="Consolas" panose="020B0609020204030204" pitchFamily="49" charset="0"/>
+              </a:rPr>
+              <a:t>    Console.WriteLine(</a:t>
+            </a:r>
+            <a:r>
+              <a:rPr lang="bg-BG" b="1" dirty="0">
+                <a:latin typeface="Consolas" panose="020B0609020204030204" pitchFamily="49" charset="0"/>
+              </a:rPr>
               <a:t> </a:t>
             </a:r>
             <a:r>
-              <a:rPr lang="en-US" dirty="0"/>
+              <a:rPr lang="en-US" b="1" dirty="0">
+                <a:latin typeface="Consolas" panose="020B0609020204030204" pitchFamily="49" charset="0"/>
+              </a:rPr>
               <a:t>string.Join(" ",</a:t>
             </a:r>
             <a:r>
-              <a:rPr lang="bg-BG" dirty="0"/>
+              <a:rPr lang="bg-BG" b="1" dirty="0">
+                <a:latin typeface="Consolas" panose="020B0609020204030204" pitchFamily="49" charset="0"/>
+              </a:rPr>
               <a:t> </a:t>
             </a:r>
             <a:r>
-              <a:rPr lang="en-US" dirty="0"/>
+              <a:rPr lang="en-US" b="1" dirty="0">
+                <a:latin typeface="Consolas" panose="020B0609020204030204" pitchFamily="49" charset="0"/>
+              </a:rPr>
               <a:t>destination</a:t>
             </a:r>
             <a:r>
-              <a:rPr lang="bg-BG" dirty="0"/>
+              <a:rPr lang="bg-BG" b="1" dirty="0">
+                <a:latin typeface="Consolas" panose="020B0609020204030204" pitchFamily="49" charset="0"/>
+              </a:rPr>
               <a:t> </a:t>
             </a:r>
             <a:r>
-              <a:rPr lang="en-US" dirty="0"/>
+              <a:rPr lang="en-US" b="1" dirty="0">
+                <a:latin typeface="Consolas" panose="020B0609020204030204" pitchFamily="49" charset="0"/>
+              </a:rPr>
               <a:t>)</a:t>
             </a:r>
             <a:r>
-              <a:rPr lang="bg-BG" dirty="0"/>
+              <a:rPr lang="bg-BG" b="1" dirty="0">
+                <a:latin typeface="Consolas" panose="020B0609020204030204" pitchFamily="49" charset="0"/>
+              </a:rPr>
               <a:t> </a:t>
             </a:r>
             <a:r>
-              <a:rPr lang="en-US" dirty="0"/>
+              <a:rPr lang="en-US" b="1" dirty="0">
+                <a:latin typeface="Consolas" panose="020B0609020204030204" pitchFamily="49" charset="0"/>
+              </a:rPr>
               <a:t>);</a:t>
             </a:r>
           </a:p>
           <a:p>
             <a:pPr marL="0" indent="0">
-              <a:lnSpc>
-                <a:spcPct val="100000"/>
-              </a:lnSpc>
               <a:buNone/>
             </a:pPr>
             <a:r>
-              <a:rPr lang="en-US" dirty="0"/>
-              <a:t>		</a:t>
+              <a:rPr lang="en-US" b="1" dirty="0">
+                <a:latin typeface="Consolas" panose="020B0609020204030204" pitchFamily="49" charset="0"/>
+              </a:rPr>
+              <a:t>  }</a:t>
             </a:r>
           </a:p>
           <a:p>
             <a:pPr marL="0" indent="0">
-              <a:lnSpc>
-                <a:spcPct val="100000"/>
-              </a:lnSpc>
               <a:buNone/>
             </a:pPr>
             <a:r>
-              <a:rPr lang="en-US" dirty="0"/>
-              <a:t>    }</a:t>
-            </a:r>
-          </a:p>
-          <a:p>
-            <a:pPr marL="0" indent="0">
-              <a:lnSpc>
-                <a:spcPct val="100000"/>
-              </a:lnSpc>
-              <a:buNone/>
-            </a:pPr>
-            <a:r>
-              <a:rPr lang="en-US" dirty="0"/>
-              <a:t>}		</a:t>
-            </a:r>
-            <a:endParaRPr lang="bg-BG" dirty="0"/>
+              <a:rPr lang="en-US" b="1" dirty="0">
+                <a:latin typeface="Consolas" panose="020B0609020204030204" pitchFamily="49" charset="0"/>
+              </a:rPr>
+              <a:t>}</a:t>
+            </a:r>
+            <a:endParaRPr lang="bg-BG" b="1" dirty="0">
+              <a:latin typeface="Consolas" panose="020B0609020204030204" pitchFamily="49" charset="0"/>
+            </a:endParaRPr>
           </a:p>
         </p:txBody>
       </p:sp>
@@ -16994,8 +17279,8 @@
           </a:xfrm>
           <a:prstGeom prst="wedgeRoundRectCallout">
             <a:avLst>
-              <a:gd name="adj1" fmla="val -188617"/>
-              <a:gd name="adj2" fmla="val 56999"/>
+              <a:gd name="adj1" fmla="val -173949"/>
+              <a:gd name="adj2" fmla="val 66626"/>
               <a:gd name="adj3" fmla="val 16667"/>
             </a:avLst>
           </a:prstGeom>
@@ -17122,7 +17407,7 @@
                   <a:srgbClr val="FFFFFF"/>
                 </a:solidFill>
               </a:rPr>
-              <a:t>index 1</a:t>
+              <a:t>index=1</a:t>
             </a:r>
             <a:endParaRPr lang="bg-BG" sz="2800" dirty="0">
               <a:solidFill>
@@ -17142,7 +17427,7 @@
           <p:nvPr>
             <p:extLst>
               <p:ext uri="{D42A27DB-BD31-4B8C-83A1-F6EECF244321}">
-                <p14:modId xmlns:p14="http://schemas.microsoft.com/office/powerpoint/2010/main" val="3173848151"/>
+                <p14:modId xmlns:p14="http://schemas.microsoft.com/office/powerpoint/2010/main" val="549262649"/>
               </p:ext>
             </p:extLst>
           </p:nvPr>
@@ -18663,71 +18948,6 @@
               <a:t>10</a:t>
             </a:r>
             <a:endParaRPr lang="bg-BG" sz="2800" b="1" dirty="0">
-              <a:effectLst>
-                <a:outerShdw blurRad="38100" dist="38100" dir="2700000" algn="tl">
-                  <a:srgbClr val="000000">
-                    <a:alpha val="43137"/>
-                  </a:srgbClr>
-                </a:outerShdw>
-              </a:effectLst>
-              <a:latin typeface="Consolas" pitchFamily="49" charset="0"/>
-              <a:cs typeface="Consolas" pitchFamily="49" charset="0"/>
-            </a:endParaRPr>
-          </a:p>
-        </p:txBody>
-      </p:sp>
-      <p:sp>
-        <p:nvSpPr>
-          <p:cNvPr id="20" name="Rounded Rectangle 19"/>
-          <p:cNvSpPr/>
-          <p:nvPr/>
-        </p:nvSpPr>
-        <p:spPr>
-          <a:xfrm>
-            <a:off x="8171637" y="393488"/>
-            <a:ext cx="3698997" cy="1667663"/>
-          </a:xfrm>
-          <a:prstGeom prst="roundRect">
-            <a:avLst>
-              <a:gd name="adj" fmla="val 6659"/>
-            </a:avLst>
-          </a:prstGeom>
-          <a:solidFill>
-            <a:schemeClr val="accent5">
-              <a:lumMod val="40000"/>
-              <a:lumOff val="60000"/>
-              <a:alpha val="20000"/>
-            </a:schemeClr>
-          </a:solidFill>
-          <a:ln w="12700">
-            <a:solidFill>
-              <a:schemeClr val="accent5">
-                <a:lumMod val="60000"/>
-                <a:lumOff val="40000"/>
-                <a:alpha val="50000"/>
-              </a:schemeClr>
-            </a:solidFill>
-            <a:prstDash val="sysDash"/>
-          </a:ln>
-        </p:spPr>
-        <p:txBody>
-          <a:bodyPr vert="horz" wrap="square" lIns="144000" tIns="108000" rIns="144000" bIns="108000" rtlCol="0">
-            <a:noAutofit/>
-          </a:bodyPr>
-          <a:lstStyle/>
-          <a:p>
-            <a:pPr defTabSz="1218987">
-              <a:buClr>
-                <a:srgbClr val="F2B254"/>
-              </a:buClr>
-              <a:buSzPct val="100000"/>
-              <a:buFont typeface="Wingdings" panose="05000000000000000000" pitchFamily="2" charset="2"/>
-              <a:buNone/>
-            </a:pPr>
-            <a:endParaRPr lang="en-US" sz="2400" b="1" dirty="0">
-              <a:solidFill>
-                <a:srgbClr val="FBEEDC"/>
-              </a:solidFill>
               <a:effectLst>
                 <a:outerShdw blurRad="38100" dist="38100" dir="2700000" algn="tl">
                   <a:srgbClr val="000000">
@@ -19703,11 +19923,7 @@
                                           </p:stCondLst>
                                         </p:cTn>
                                         <p:tgtEl>
-                                          <p:spTgt spid="428035">
-                                            <p:txEl>
-                                              <p:pRg st="11" end="11"/>
-                                            </p:txEl>
-                                          </p:spTgt>
+                                          <p:spTgt spid="17"/>
                                         </p:tgtEl>
                                         <p:attrNameLst>
                                           <p:attrName>style.visibility</p:attrName>
@@ -19743,7 +19959,7 @@
                                           </p:stCondLst>
                                         </p:cTn>
                                         <p:tgtEl>
-                                          <p:spTgt spid="17"/>
+                                          <p:spTgt spid="11"/>
                                         </p:tgtEl>
                                         <p:attrNameLst>
                                           <p:attrName>style.visibility</p:attrName>
@@ -19766,7 +19982,7 @@
                             </p:stCondLst>
                             <p:childTnLst>
                               <p:par>
-                                <p:cTn id="62" presetID="1" presetClass="entr" presetSubtype="0" fill="hold" grpId="0" nodeType="afterEffect">
+                                <p:cTn id="62" presetID="1" presetClass="entr" presetSubtype="0" fill="hold" nodeType="afterEffect">
                                   <p:stCondLst>
                                     <p:cond delay="0"/>
                                   </p:stCondLst>
@@ -19779,7 +19995,7 @@
                                           </p:stCondLst>
                                         </p:cTn>
                                         <p:tgtEl>
-                                          <p:spTgt spid="11"/>
+                                          <p:spTgt spid="12"/>
                                         </p:tgtEl>
                                         <p:attrNameLst>
                                           <p:attrName>style.visibility</p:attrName>
@@ -19802,7 +20018,7 @@
                             </p:stCondLst>
                             <p:childTnLst>
                               <p:par>
-                                <p:cTn id="65" presetID="1" presetClass="entr" presetSubtype="0" fill="hold" nodeType="afterEffect">
+                                <p:cTn id="65" presetID="1" presetClass="entr" presetSubtype="0" fill="hold" grpId="0" nodeType="afterEffect">
                                   <p:stCondLst>
                                     <p:cond delay="0"/>
                                   </p:stCondLst>
@@ -19810,42 +20026,6 @@
                                     <p:set>
                                       <p:cBhvr>
                                         <p:cTn id="66" dur="1" fill="hold">
-                                          <p:stCondLst>
-                                            <p:cond delay="0"/>
-                                          </p:stCondLst>
-                                        </p:cTn>
-                                        <p:tgtEl>
-                                          <p:spTgt spid="12"/>
-                                        </p:tgtEl>
-                                        <p:attrNameLst>
-                                          <p:attrName>style.visibility</p:attrName>
-                                        </p:attrNameLst>
-                                      </p:cBhvr>
-                                      <p:to>
-                                        <p:strVal val="visible"/>
-                                      </p:to>
-                                    </p:set>
-                                  </p:childTnLst>
-                                </p:cTn>
-                              </p:par>
-                            </p:childTnLst>
-                          </p:cTn>
-                        </p:par>
-                        <p:par>
-                          <p:cTn id="67" fill="hold">
-                            <p:stCondLst>
-                              <p:cond delay="0"/>
-                            </p:stCondLst>
-                            <p:childTnLst>
-                              <p:par>
-                                <p:cTn id="68" presetID="1" presetClass="entr" presetSubtype="0" fill="hold" grpId="0" nodeType="afterEffect">
-                                  <p:stCondLst>
-                                    <p:cond delay="0"/>
-                                  </p:stCondLst>
-                                  <p:childTnLst>
-                                    <p:set>
-                                      <p:cBhvr>
-                                        <p:cTn id="69" dur="1" fill="hold">
                                           <p:stCondLst>
                                             <p:cond delay="0"/>
                                           </p:stCondLst>
@@ -19892,6 +20072,7 @@
       </p:par>
     </p:tnLst>
     <p:bldLst>
+      <p:bldP spid="20" grpId="0" animBg="1"/>
       <p:bldP spid="428035" grpId="0" uiExpand="1" build="p"/>
       <p:bldP spid="13" grpId="0" animBg="1"/>
       <p:bldP spid="14" grpId="0"/>
@@ -19900,7 +20081,6 @@
       <p:bldP spid="17" grpId="0" animBg="1"/>
       <p:bldP spid="11" grpId="0" animBg="1"/>
       <p:bldP spid="19" grpId="0"/>
-      <p:bldP spid="20" grpId="0" animBg="1"/>
       <p:bldP spid="21" grpId="0"/>
       <p:bldP spid="23" grpId="0" animBg="1"/>
     </p:bldLst>
@@ -19938,7 +20118,7 @@
         <p:spPr/>
         <p:txBody>
           <a:bodyPr>
-            <a:normAutofit fontScale="85000" lnSpcReduction="20000"/>
+            <a:normAutofit fontScale="77500" lnSpcReduction="20000"/>
           </a:bodyPr>
           <a:lstStyle/>
           <a:p>
@@ -19949,7 +20129,9 @@
               <a:buNone/>
             </a:pPr>
             <a:r>
-              <a:rPr lang="en-US" dirty="0"/>
+              <a:rPr lang="en-US" b="1" dirty="0">
+                <a:latin typeface="Consolas" panose="020B0609020204030204" pitchFamily="49" charset="0"/>
+              </a:rPr>
               <a:t>using System;					</a:t>
             </a:r>
           </a:p>
@@ -19961,7 +20143,9 @@
               <a:buNone/>
             </a:pPr>
             <a:r>
-              <a:rPr lang="en-US" dirty="0"/>
+              <a:rPr lang="en-US" b="1" dirty="0">
+                <a:latin typeface="Consolas" panose="020B0609020204030204" pitchFamily="49" charset="0"/>
+              </a:rPr>
               <a:t>public class Program</a:t>
             </a:r>
           </a:p>
@@ -19973,7 +20157,9 @@
               <a:buNone/>
             </a:pPr>
             <a:r>
-              <a:rPr lang="en-US" dirty="0"/>
+              <a:rPr lang="en-US" b="1" dirty="0">
+                <a:latin typeface="Consolas" panose="020B0609020204030204" pitchFamily="49" charset="0"/>
+              </a:rPr>
               <a:t>{</a:t>
             </a:r>
           </a:p>
@@ -19985,7 +20171,9 @@
               <a:buNone/>
             </a:pPr>
             <a:r>
-              <a:rPr lang="en-US" dirty="0"/>
+              <a:rPr lang="en-US" b="1" dirty="0">
+                <a:latin typeface="Consolas" panose="020B0609020204030204" pitchFamily="49" charset="0"/>
+              </a:rPr>
               <a:t>    public static void Main()</a:t>
             </a:r>
           </a:p>
@@ -19997,7 +20185,9 @@
               <a:buNone/>
             </a:pPr>
             <a:r>
-              <a:rPr lang="en-US" dirty="0"/>
+              <a:rPr lang="en-US" b="1" dirty="0">
+                <a:latin typeface="Consolas" panose="020B0609020204030204" pitchFamily="49" charset="0"/>
+              </a:rPr>
               <a:t>     {</a:t>
             </a:r>
           </a:p>
@@ -20009,8 +20199,10 @@
               <a:buNone/>
             </a:pPr>
             <a:r>
-              <a:rPr lang="en-US" dirty="0"/>
-              <a:t>        int[] source = new int[] {2,4,6,8,10,12,14,16};</a:t>
+              <a:rPr lang="en-US" b="1" dirty="0">
+                <a:latin typeface="Consolas" panose="020B0609020204030204" pitchFamily="49" charset="0"/>
+              </a:rPr>
+              <a:t>       int[] source = new int[] {2,4,6,8,10,12,14,16};</a:t>
             </a:r>
           </a:p>
           <a:p>
@@ -20021,8 +20213,10 @@
               <a:buNone/>
             </a:pPr>
             <a:r>
-              <a:rPr lang="en-US" dirty="0"/>
-              <a:t>        int[] destination = new int[] {1,3,5,7,9,11,13,15,17};</a:t>
+              <a:rPr lang="en-US" b="1" dirty="0">
+                <a:latin typeface="Consolas" panose="020B0609020204030204" pitchFamily="49" charset="0"/>
+              </a:rPr>
+              <a:t>       int[] destination = new int[] {1,3,5,7,9,11,13,15,17};</a:t>
             </a:r>
           </a:p>
           <a:p>
@@ -20033,8 +20227,38 @@
               <a:buNone/>
             </a:pPr>
             <a:r>
-              <a:rPr lang="en-US" dirty="0"/>
-              <a:t>        Array.Copy(source,4,destination,2,3);  	</a:t>
+              <a:rPr lang="en-US" b="1" dirty="0">
+                <a:latin typeface="Consolas" panose="020B0609020204030204" pitchFamily="49" charset="0"/>
+              </a:rPr>
+              <a:t>       </a:t>
+            </a:r>
+            <a:r>
+              <a:rPr lang="en-US" b="1" dirty="0" err="1">
+                <a:solidFill>
+                  <a:schemeClr val="tx2">
+                    <a:lumMod val="75000"/>
+                  </a:schemeClr>
+                </a:solidFill>
+                <a:latin typeface="Consolas" panose="020B0609020204030204" pitchFamily="49" charset="0"/>
+              </a:rPr>
+              <a:t>Array.Copy</a:t>
+            </a:r>
+            <a:r>
+              <a:rPr lang="en-US" b="1" dirty="0">
+                <a:solidFill>
+                  <a:schemeClr val="tx2">
+                    <a:lumMod val="75000"/>
+                  </a:schemeClr>
+                </a:solidFill>
+                <a:latin typeface="Consolas" panose="020B0609020204030204" pitchFamily="49" charset="0"/>
+              </a:rPr>
+              <a:t>(source,4,destination,2,3);  </a:t>
+            </a:r>
+            <a:r>
+              <a:rPr lang="en-US" b="1" dirty="0">
+                <a:latin typeface="Consolas" panose="020B0609020204030204" pitchFamily="49" charset="0"/>
+              </a:rPr>
+              <a:t>	</a:t>
             </a:r>
           </a:p>
           <a:p>
@@ -20045,7 +20269,9 @@
               <a:buNone/>
             </a:pPr>
             <a:r>
-              <a:rPr lang="en-US" dirty="0"/>
+              <a:rPr lang="en-US" b="1" dirty="0">
+                <a:latin typeface="Consolas" panose="020B0609020204030204" pitchFamily="49" charset="0"/>
+              </a:rPr>
               <a:t>       Console.WriteLine(string.Join(" ", destination));	</a:t>
             </a:r>
           </a:p>
@@ -20057,7 +20283,9 @@
               <a:buNone/>
             </a:pPr>
             <a:r>
-              <a:rPr lang="en-US" dirty="0"/>
+              <a:rPr lang="en-US" b="1" dirty="0">
+                <a:latin typeface="Consolas" panose="020B0609020204030204" pitchFamily="49" charset="0"/>
+              </a:rPr>
               <a:t>    }</a:t>
             </a:r>
           </a:p>
@@ -20069,7 +20297,9 @@
               <a:buNone/>
             </a:pPr>
             <a:r>
-              <a:rPr lang="en-US" dirty="0"/>
+              <a:rPr lang="en-US" b="1" dirty="0">
+                <a:latin typeface="Consolas" panose="020B0609020204030204" pitchFamily="49" charset="0"/>
+              </a:rPr>
               <a:t>}	</a:t>
             </a:r>
           </a:p>
@@ -20080,7 +20310,9 @@
               </a:lnSpc>
               <a:buNone/>
             </a:pPr>
-            <a:endParaRPr lang="en-US" dirty="0"/>
+            <a:endParaRPr lang="en-US" b="1" dirty="0">
+              <a:latin typeface="Consolas" panose="020B0609020204030204" pitchFamily="49" charset="0"/>
+            </a:endParaRPr>
           </a:p>
         </p:txBody>
       </p:sp>
@@ -20121,7 +20353,7 @@
         </p:nvSpPr>
         <p:spPr bwMode="auto">
           <a:xfrm>
-            <a:off x="4265612" y="152400"/>
+            <a:off x="4833927" y="555251"/>
             <a:ext cx="2514598" cy="1676682"/>
           </a:xfrm>
           <a:prstGeom prst="wedgeRoundRectCallout">
@@ -20252,13 +20484,13 @@
         </p:nvSpPr>
         <p:spPr bwMode="auto">
           <a:xfrm>
-            <a:off x="1651222" y="5524935"/>
-            <a:ext cx="2297391" cy="1098305"/>
+            <a:off x="2208212" y="5847420"/>
+            <a:ext cx="3300190" cy="603440"/>
           </a:xfrm>
           <a:prstGeom prst="wedgeRoundRectCallout">
             <a:avLst>
-              <a:gd name="adj1" fmla="val 107840"/>
-              <a:gd name="adj2" fmla="val -604"/>
+              <a:gd name="adj1" fmla="val 67692"/>
+              <a:gd name="adj2" fmla="val -26890"/>
               <a:gd name="adj3" fmla="val 16667"/>
             </a:avLst>
           </a:prstGeom>
@@ -20549,8 +20781,8 @@
         </p:nvSpPr>
         <p:spPr bwMode="auto">
           <a:xfrm>
-            <a:off x="760411" y="1012578"/>
-            <a:ext cx="2800057" cy="1676682"/>
+            <a:off x="608012" y="1829082"/>
+            <a:ext cx="4038601" cy="1110781"/>
           </a:xfrm>
           <a:prstGeom prst="wedgeRoundRectCallout">
             <a:avLst>
@@ -21773,7 +22005,7 @@
         <p:spPr>
           <a:xfrm>
             <a:off x="190413" y="1151121"/>
-            <a:ext cx="8214853" cy="5570355"/>
+            <a:ext cx="7123199" cy="5570355"/>
           </a:xfrm>
         </p:spPr>
         <p:txBody>
@@ -21788,7 +22020,7 @@
               </a:lnSpc>
             </a:pPr>
             <a:r>
-              <a:rPr lang="bg-BG" sz="3000" dirty="0"/>
+              <a:rPr lang="bg-BG" sz="3200" dirty="0"/>
               <a:t>Съществуват готови методи за работа с масиви, които улесняват работата</a:t>
             </a:r>
           </a:p>
@@ -21799,57 +22031,90 @@
               </a:lnSpc>
             </a:pPr>
             <a:r>
-              <a:rPr lang="en-US" sz="2800" dirty="0"/>
-              <a:t>Reverse</a:t>
-            </a:r>
-            <a:r>
-              <a:rPr lang="bg-BG" sz="2800" dirty="0"/>
+              <a:rPr lang="en-US" b="1" dirty="0">
+                <a:solidFill>
+                  <a:schemeClr val="tx2">
+                    <a:lumMod val="75000"/>
+                  </a:schemeClr>
+                </a:solidFill>
+                <a:latin typeface="Consolas" panose="020B0609020204030204" pitchFamily="49" charset="0"/>
+              </a:rPr>
+              <a:t>Reverse()</a:t>
+            </a:r>
+            <a:r>
+              <a:rPr lang="bg-BG" dirty="0"/>
               <a:t>,</a:t>
             </a:r>
-          </a:p>
-          <a:p>
-            <a:pPr lvl="1">
-              <a:lnSpc>
-                <a:spcPct val="110000"/>
-              </a:lnSpc>
-            </a:pPr>
-            <a:r>
-              <a:rPr lang="en-US" sz="2800" dirty="0"/>
-              <a:t>Sort, </a:t>
-            </a:r>
-            <a:endParaRPr lang="bg-BG" sz="2800" dirty="0"/>
-          </a:p>
-          <a:p>
-            <a:pPr lvl="1">
-              <a:lnSpc>
-                <a:spcPct val="110000"/>
-              </a:lnSpc>
-            </a:pPr>
-            <a:r>
-              <a:rPr lang="en-US" sz="2800" dirty="0"/>
-              <a:t>Clear, </a:t>
-            </a:r>
-          </a:p>
-          <a:p>
-            <a:pPr lvl="1">
-              <a:lnSpc>
-                <a:spcPct val="110000"/>
-              </a:lnSpc>
-            </a:pPr>
-            <a:r>
-              <a:rPr lang="en-US" sz="2800" dirty="0"/>
-              <a:t>Copy, </a:t>
-            </a:r>
-          </a:p>
-          <a:p>
-            <a:pPr lvl="1">
-              <a:lnSpc>
-                <a:spcPct val="110000"/>
-              </a:lnSpc>
-            </a:pPr>
-            <a:r>
-              <a:rPr lang="en-US" sz="2800" dirty="0"/>
+            <a:r>
+              <a:rPr lang="en-US" dirty="0"/>
+              <a:t> </a:t>
+            </a:r>
+            <a:r>
+              <a:rPr lang="en-US" b="1" dirty="0">
+                <a:solidFill>
+                  <a:schemeClr val="tx2">
+                    <a:lumMod val="75000"/>
+                  </a:schemeClr>
+                </a:solidFill>
+                <a:latin typeface="Consolas" panose="020B0609020204030204" pitchFamily="49" charset="0"/>
+              </a:rPr>
+              <a:t>Sort()</a:t>
+            </a:r>
+            <a:r>
+              <a:rPr lang="en-US" dirty="0"/>
+              <a:t>, </a:t>
+            </a:r>
+            <a:r>
+              <a:rPr lang="en-US" b="1" dirty="0">
+                <a:solidFill>
+                  <a:schemeClr val="tx2">
+                    <a:lumMod val="75000"/>
+                  </a:schemeClr>
+                </a:solidFill>
+                <a:latin typeface="Consolas" panose="020B0609020204030204" pitchFamily="49" charset="0"/>
+              </a:rPr>
+              <a:t>Clear()</a:t>
+            </a:r>
+            <a:r>
+              <a:rPr lang="en-US" dirty="0"/>
+              <a:t>, </a:t>
+            </a:r>
+            <a:r>
+              <a:rPr lang="en-US" b="1" dirty="0">
+                <a:solidFill>
+                  <a:schemeClr val="tx2">
+                    <a:lumMod val="75000"/>
+                  </a:schemeClr>
+                </a:solidFill>
+                <a:latin typeface="Consolas" panose="020B0609020204030204" pitchFamily="49" charset="0"/>
+              </a:rPr>
+              <a:t>Copy()</a:t>
+            </a:r>
+            <a:r>
+              <a:rPr lang="en-US" dirty="0"/>
+              <a:t>, </a:t>
+            </a:r>
+            <a:r>
+              <a:rPr lang="en-US" b="1" dirty="0" err="1">
+                <a:solidFill>
+                  <a:schemeClr val="tx2">
+                    <a:lumMod val="75000"/>
+                  </a:schemeClr>
+                </a:solidFill>
+                <a:latin typeface="Consolas" panose="020B0609020204030204" pitchFamily="49" charset="0"/>
+              </a:rPr>
               <a:t>CopyTo</a:t>
+            </a:r>
+            <a:r>
+              <a:rPr lang="en-US" b="1" dirty="0">
+                <a:solidFill>
+                  <a:schemeClr val="tx2">
+                    <a:lumMod val="75000"/>
+                  </a:schemeClr>
+                </a:solidFill>
+                <a:latin typeface="Consolas" panose="020B0609020204030204" pitchFamily="49" charset="0"/>
+              </a:rPr>
+              <a:t>()</a:t>
             </a:r>
           </a:p>
           <a:p>
@@ -21859,7 +22124,7 @@
               </a:lnSpc>
             </a:pPr>
             <a:r>
-              <a:rPr lang="bg-BG" sz="3000" dirty="0"/>
+              <a:rPr lang="bg-BG" sz="3200" dirty="0"/>
               <a:t>Позволяват по-високо ниво на абстракция</a:t>
             </a:r>
           </a:p>
@@ -21870,11 +22135,11 @@
               </a:lnSpc>
             </a:pPr>
             <a:r>
-              <a:rPr lang="bg-BG" sz="3000" dirty="0"/>
+              <a:rPr lang="bg-BG" sz="3200" dirty="0"/>
               <a:t>Гарантират правилна и оптимална работа</a:t>
             </a:r>
             <a:r>
-              <a:rPr lang="en-US" sz="3000" dirty="0"/>
+              <a:rPr lang="en-US" sz="3200" dirty="0"/>
               <a:t> </a:t>
             </a:r>
           </a:p>
@@ -21925,7 +22190,7 @@
         </p:blipFill>
         <p:spPr>
           <a:xfrm>
-            <a:off x="8532812" y="1377743"/>
+            <a:off x="8187482" y="1377743"/>
             <a:ext cx="2209800" cy="1412018"/>
           </a:xfrm>
           <a:prstGeom prst="rect">
@@ -21956,7 +22221,7 @@
         </p:blipFill>
         <p:spPr>
           <a:xfrm flipH="1">
-            <a:off x="9752012" y="1881767"/>
+            <a:off x="9406682" y="1881767"/>
             <a:ext cx="2108746" cy="2282193"/>
           </a:xfrm>
           <a:prstGeom prst="rect">
@@ -21979,13 +22244,13 @@
           <p:nvPr>
             <p:extLst>
               <p:ext uri="{D42A27DB-BD31-4B8C-83A1-F6EECF244321}">
-                <p14:modId xmlns:p14="http://schemas.microsoft.com/office/powerpoint/2010/main" val="1422553302"/>
+                <p14:modId xmlns:p14="http://schemas.microsoft.com/office/powerpoint/2010/main" val="2955177805"/>
               </p:ext>
             </p:extLst>
           </p:nvPr>
         </p:nvGraphicFramePr>
         <p:xfrm>
-          <a:off x="7963742" y="4245352"/>
+          <a:off x="7618412" y="4245352"/>
           <a:ext cx="2946400" cy="914400"/>
         </p:xfrm>
         <a:graphic>
@@ -22734,13 +22999,13 @@
           <p:nvPr>
             <p:extLst>
               <p:ext uri="{D42A27DB-BD31-4B8C-83A1-F6EECF244321}">
-                <p14:modId xmlns:p14="http://schemas.microsoft.com/office/powerpoint/2010/main" val="3555157890"/>
+                <p14:modId xmlns:p14="http://schemas.microsoft.com/office/powerpoint/2010/main" val="485964494"/>
               </p:ext>
             </p:extLst>
           </p:nvPr>
         </p:nvGraphicFramePr>
         <p:xfrm>
-          <a:off x="7963742" y="5303194"/>
+          <a:off x="7618412" y="5303194"/>
           <a:ext cx="2946400" cy="914400"/>
         </p:xfrm>
         <a:graphic>
@@ -23488,7 +23753,7 @@
         </p:nvSpPr>
         <p:spPr>
           <a:xfrm rot="5400000">
-            <a:off x="10905909" y="4940075"/>
+            <a:off x="10560579" y="4940075"/>
             <a:ext cx="1168400" cy="713789"/>
           </a:xfrm>
           <a:prstGeom prst="curvedDownArrow">

--- a/Courses/Applied-Programmer/Programming-Fundamentals/03-Масиви-и-списъци/11.Работа-с-масиви-методи.pptx
+++ b/Courses/Applied-Programmer/Programming-Fundamentals/03-Масиви-и-списъци/11.Работа-с-масиви-методи.pptx
@@ -335,7 +335,7 @@
             <a:fld id="{FE5B4EDC-59C0-49C7-8ADA-5A781B329E02}" type="datetimeFigureOut">
               <a:rPr lang="en-US"/>
               <a:pPr/>
-              <a:t>10-Nov-20</a:t>
+              <a:t>19-Nov-20</a:t>
             </a:fld>
             <a:endParaRPr dirty="0"/>
           </a:p>
@@ -633,7 +633,7 @@
             <a:fld id="{F2D8D46A-B586-417D-BFBD-8C8FE0AAF762}" type="datetimeFigureOut">
               <a:rPr lang="en-US" smtClean="0"/>
               <a:pPr/>
-              <a:t>10-Nov-20</a:t>
+              <a:t>19-Nov-20</a:t>
             </a:fld>
             <a:endParaRPr lang="en-US" dirty="0"/>
           </a:p>
@@ -6256,10 +6256,10 @@
         </p:nvGrpSpPr>
         <p:grpSpPr>
           <a:xfrm>
-            <a:off x="760412" y="3583505"/>
-            <a:ext cx="5043827" cy="2524722"/>
-            <a:chOff x="745783" y="3624633"/>
-            <a:chExt cx="5043827" cy="2524722"/>
+            <a:off x="265374" y="3583505"/>
+            <a:ext cx="5538865" cy="2745607"/>
+            <a:chOff x="250745" y="3624633"/>
+            <a:chExt cx="5538865" cy="2745607"/>
           </a:xfrm>
         </p:grpSpPr>
         <p:pic>
@@ -6316,7 +6316,7 @@
           </p:blipFill>
           <p:spPr bwMode="auto">
             <a:xfrm>
-              <a:off x="745783" y="4076772"/>
+              <a:off x="288953" y="4287849"/>
               <a:ext cx="2175525" cy="761165"/>
             </a:xfrm>
             <a:prstGeom prst="roundRect">
@@ -6355,7 +6355,7 @@
           </p:nvSpPr>
           <p:spPr bwMode="auto">
             <a:xfrm>
-              <a:off x="760413" y="4998598"/>
+              <a:off x="250745" y="5105470"/>
               <a:ext cx="3187614" cy="444343"/>
             </a:xfrm>
             <a:prstGeom prst="rect">
@@ -6612,7 +6612,7 @@
           </p:nvSpPr>
           <p:spPr bwMode="auto">
             <a:xfrm>
-              <a:off x="760412" y="5403725"/>
+              <a:off x="250745" y="5539510"/>
               <a:ext cx="3187613" cy="382788"/>
             </a:xfrm>
             <a:prstGeom prst="rect">
@@ -6868,7 +6868,7 @@
           </p:nvSpPr>
           <p:spPr bwMode="auto">
             <a:xfrm>
-              <a:off x="760412" y="5690893"/>
+              <a:off x="250745" y="5911778"/>
               <a:ext cx="3810000" cy="458462"/>
             </a:xfrm>
             <a:prstGeom prst="rect">
@@ -7109,6 +7109,141 @@
           </p:txBody>
         </p:sp>
       </p:grpSp>
+      <p:sp>
+        <p:nvSpPr>
+          <p:cNvPr id="18" name="Text Placeholder 11">
+            <a:extLst>
+              <a:ext uri="{FF2B5EF4-FFF2-40B4-BE49-F238E27FC236}">
+                <a16:creationId xmlns:a16="http://schemas.microsoft.com/office/drawing/2014/main" id="{D63533B8-4651-44A1-A75C-868C539565A1}"/>
+              </a:ext>
+            </a:extLst>
+          </p:cNvPr>
+          <p:cNvSpPr txBox="1">
+            <a:spLocks/>
+          </p:cNvSpPr>
+          <p:nvPr/>
+        </p:nvSpPr>
+        <p:spPr bwMode="auto">
+          <a:xfrm>
+            <a:off x="265374" y="6356179"/>
+            <a:ext cx="11885613" cy="349702"/>
+          </a:xfrm>
+          <a:prstGeom prst="rect">
+            <a:avLst/>
+          </a:prstGeom>
+          <a:noFill/>
+          <a:effectLst/>
+        </p:spPr>
+        <p:txBody>
+          <a:bodyPr vert="horz" wrap="square" lIns="36000" tIns="36000" rIns="36000" bIns="36000" rtlCol="0" anchor="ctr" anchorCtr="0">
+            <a:spAutoFit/>
+          </a:bodyPr>
+          <a:lstStyle>
+            <a:defPPr>
+              <a:defRPr lang="en-US"/>
+            </a:defPPr>
+            <a:lvl1pPr marL="0" algn="l" defTabSz="1218987" rtl="0" eaLnBrk="1" latinLnBrk="0" hangingPunct="1">
+              <a:defRPr sz="2400" kern="1200">
+                <a:solidFill>
+                  <a:schemeClr val="tx1"/>
+                </a:solidFill>
+                <a:latin typeface="+mn-lt"/>
+                <a:ea typeface="+mn-ea"/>
+                <a:cs typeface="+mn-cs"/>
+              </a:defRPr>
+            </a:lvl1pPr>
+            <a:lvl2pPr marL="609493" algn="l" defTabSz="1218987" rtl="0" eaLnBrk="1" latinLnBrk="0" hangingPunct="1">
+              <a:defRPr sz="2400" kern="1200">
+                <a:solidFill>
+                  <a:schemeClr val="tx1"/>
+                </a:solidFill>
+                <a:latin typeface="+mn-lt"/>
+                <a:ea typeface="+mn-ea"/>
+                <a:cs typeface="+mn-cs"/>
+              </a:defRPr>
+            </a:lvl2pPr>
+            <a:lvl3pPr marL="1218987" algn="l" defTabSz="1218987" rtl="0" eaLnBrk="1" latinLnBrk="0" hangingPunct="1">
+              <a:defRPr sz="2400" kern="1200">
+                <a:solidFill>
+                  <a:schemeClr val="tx1"/>
+                </a:solidFill>
+                <a:latin typeface="+mn-lt"/>
+                <a:ea typeface="+mn-ea"/>
+                <a:cs typeface="+mn-cs"/>
+              </a:defRPr>
+            </a:lvl3pPr>
+            <a:lvl4pPr marL="1828480" algn="l" defTabSz="1218987" rtl="0" eaLnBrk="1" latinLnBrk="0" hangingPunct="1">
+              <a:defRPr sz="2400" kern="1200">
+                <a:solidFill>
+                  <a:schemeClr val="tx1"/>
+                </a:solidFill>
+                <a:latin typeface="+mn-lt"/>
+                <a:ea typeface="+mn-ea"/>
+                <a:cs typeface="+mn-cs"/>
+              </a:defRPr>
+            </a:lvl4pPr>
+            <a:lvl5pPr marL="2437973" algn="l" defTabSz="1218987" rtl="0" eaLnBrk="1" latinLnBrk="0" hangingPunct="1">
+              <a:defRPr sz="2400" kern="1200">
+                <a:solidFill>
+                  <a:schemeClr val="tx1"/>
+                </a:solidFill>
+                <a:latin typeface="+mn-lt"/>
+                <a:ea typeface="+mn-ea"/>
+                <a:cs typeface="+mn-cs"/>
+              </a:defRPr>
+            </a:lvl5pPr>
+            <a:lvl6pPr marL="3047467" algn="l" defTabSz="1218987" rtl="0" eaLnBrk="1" latinLnBrk="0" hangingPunct="1">
+              <a:defRPr sz="2400" kern="1200">
+                <a:solidFill>
+                  <a:schemeClr val="tx1"/>
+                </a:solidFill>
+                <a:latin typeface="+mn-lt"/>
+                <a:ea typeface="+mn-ea"/>
+                <a:cs typeface="+mn-cs"/>
+              </a:defRPr>
+            </a:lvl6pPr>
+            <a:lvl7pPr marL="3656960" algn="l" defTabSz="1218987" rtl="0" eaLnBrk="1" latinLnBrk="0" hangingPunct="1">
+              <a:defRPr sz="2400" kern="1200">
+                <a:solidFill>
+                  <a:schemeClr val="tx1"/>
+                </a:solidFill>
+                <a:latin typeface="+mn-lt"/>
+                <a:ea typeface="+mn-ea"/>
+                <a:cs typeface="+mn-cs"/>
+              </a:defRPr>
+            </a:lvl7pPr>
+            <a:lvl8pPr marL="4266453" algn="l" defTabSz="1218987" rtl="0" eaLnBrk="1" latinLnBrk="0" hangingPunct="1">
+              <a:defRPr sz="2400" kern="1200">
+                <a:solidFill>
+                  <a:schemeClr val="tx1"/>
+                </a:solidFill>
+                <a:latin typeface="+mn-lt"/>
+                <a:ea typeface="+mn-ea"/>
+                <a:cs typeface="+mn-cs"/>
+              </a:defRPr>
+            </a:lvl8pPr>
+            <a:lvl9pPr marL="4875947" algn="l" defTabSz="1218987" rtl="0" eaLnBrk="1" latinLnBrk="0" hangingPunct="1">
+              <a:defRPr sz="2400" kern="1200">
+                <a:solidFill>
+                  <a:schemeClr val="tx1"/>
+                </a:solidFill>
+                <a:latin typeface="+mn-lt"/>
+                <a:ea typeface="+mn-ea"/>
+                <a:cs typeface="+mn-cs"/>
+              </a:defRPr>
+            </a:lvl9pPr>
+          </a:lstStyle>
+          <a:p>
+            <a:r>
+              <a:rPr lang="en-US" sz="1800" b="1" dirty="0">
+                <a:hlinkClick r:id="rId7"/>
+              </a:rPr>
+              <a:t>https://github.com/BG-IT-Edu/School-Programming/tree/main/Courses/Applied-Programmer/Programming-Fundamentals</a:t>
+            </a:r>
+            <a:endParaRPr lang="en-GB" sz="1800" b="1" dirty="0"/>
+          </a:p>
+        </p:txBody>
+      </p:sp>
     </p:spTree>
     <p:extLst>
       <p:ext uri="{BB962C8B-B14F-4D97-AF65-F5344CB8AC3E}">
@@ -23895,8 +24030,8 @@
           <a:lstStyle/>
           <a:p>
             <a:r>
-              <a:rPr lang="bg-BG" dirty="0"/>
-              <a:t>Масиви. Методи</a:t>
+              <a:rPr lang="bg-BG"/>
+              <a:t>Масиви</a:t>
             </a:r>
             <a:endParaRPr lang="en-US" dirty="0"/>
           </a:p>
@@ -23904,31 +24039,136 @@
       </p:sp>
       <p:sp>
         <p:nvSpPr>
-          <p:cNvPr id="3" name="Text Placeholder 2"/>
-          <p:cNvSpPr>
-            <a:spLocks noGrp="1"/>
+          <p:cNvPr id="6" name="Text Placeholder 11">
+            <a:extLst>
+              <a:ext uri="{FF2B5EF4-FFF2-40B4-BE49-F238E27FC236}">
+                <a16:creationId xmlns:a16="http://schemas.microsoft.com/office/drawing/2014/main" id="{D07FD9C6-8865-41F6-9980-0E6008290E87}"/>
+              </a:ext>
+            </a:extLst>
+          </p:cNvPr>
+          <p:cNvSpPr txBox="1">
+            <a:spLocks/>
           </p:cNvSpPr>
-          <p:nvPr>
-            <p:ph type="body" sz="quarter" idx="10"/>
-          </p:nvPr>
+          <p:nvPr/>
         </p:nvSpPr>
-        <p:spPr>
+        <p:spPr bwMode="auto">
           <a:xfrm>
-            <a:off x="1529384" y="6400802"/>
-            <a:ext cx="10482604" cy="351754"/>
+            <a:off x="303212" y="6400800"/>
+            <a:ext cx="11885613" cy="349702"/>
           </a:xfrm>
+          <a:prstGeom prst="rect">
+            <a:avLst/>
+          </a:prstGeom>
+          <a:noFill/>
+          <a:effectLst/>
         </p:spPr>
         <p:txBody>
-          <a:bodyPr/>
-          <a:lstStyle/>
+          <a:bodyPr vert="horz" wrap="square" lIns="36000" tIns="36000" rIns="36000" bIns="36000" rtlCol="0" anchor="ctr" anchorCtr="0">
+            <a:spAutoFit/>
+          </a:bodyPr>
+          <a:lstStyle>
+            <a:defPPr>
+              <a:defRPr lang="en-US"/>
+            </a:defPPr>
+            <a:lvl1pPr marL="0" algn="l" defTabSz="1218987" rtl="0" eaLnBrk="1" latinLnBrk="0" hangingPunct="1">
+              <a:defRPr sz="2400" kern="1200">
+                <a:solidFill>
+                  <a:schemeClr val="tx1"/>
+                </a:solidFill>
+                <a:latin typeface="+mn-lt"/>
+                <a:ea typeface="+mn-ea"/>
+                <a:cs typeface="+mn-cs"/>
+              </a:defRPr>
+            </a:lvl1pPr>
+            <a:lvl2pPr marL="609493" algn="l" defTabSz="1218987" rtl="0" eaLnBrk="1" latinLnBrk="0" hangingPunct="1">
+              <a:defRPr sz="2400" kern="1200">
+                <a:solidFill>
+                  <a:schemeClr val="tx1"/>
+                </a:solidFill>
+                <a:latin typeface="+mn-lt"/>
+                <a:ea typeface="+mn-ea"/>
+                <a:cs typeface="+mn-cs"/>
+              </a:defRPr>
+            </a:lvl2pPr>
+            <a:lvl3pPr marL="1218987" algn="l" defTabSz="1218987" rtl="0" eaLnBrk="1" latinLnBrk="0" hangingPunct="1">
+              <a:defRPr sz="2400" kern="1200">
+                <a:solidFill>
+                  <a:schemeClr val="tx1"/>
+                </a:solidFill>
+                <a:latin typeface="+mn-lt"/>
+                <a:ea typeface="+mn-ea"/>
+                <a:cs typeface="+mn-cs"/>
+              </a:defRPr>
+            </a:lvl3pPr>
+            <a:lvl4pPr marL="1828480" algn="l" defTabSz="1218987" rtl="0" eaLnBrk="1" latinLnBrk="0" hangingPunct="1">
+              <a:defRPr sz="2400" kern="1200">
+                <a:solidFill>
+                  <a:schemeClr val="tx1"/>
+                </a:solidFill>
+                <a:latin typeface="+mn-lt"/>
+                <a:ea typeface="+mn-ea"/>
+                <a:cs typeface="+mn-cs"/>
+              </a:defRPr>
+            </a:lvl4pPr>
+            <a:lvl5pPr marL="2437973" algn="l" defTabSz="1218987" rtl="0" eaLnBrk="1" latinLnBrk="0" hangingPunct="1">
+              <a:defRPr sz="2400" kern="1200">
+                <a:solidFill>
+                  <a:schemeClr val="tx1"/>
+                </a:solidFill>
+                <a:latin typeface="+mn-lt"/>
+                <a:ea typeface="+mn-ea"/>
+                <a:cs typeface="+mn-cs"/>
+              </a:defRPr>
+            </a:lvl5pPr>
+            <a:lvl6pPr marL="3047467" algn="l" defTabSz="1218987" rtl="0" eaLnBrk="1" latinLnBrk="0" hangingPunct="1">
+              <a:defRPr sz="2400" kern="1200">
+                <a:solidFill>
+                  <a:schemeClr val="tx1"/>
+                </a:solidFill>
+                <a:latin typeface="+mn-lt"/>
+                <a:ea typeface="+mn-ea"/>
+                <a:cs typeface="+mn-cs"/>
+              </a:defRPr>
+            </a:lvl6pPr>
+            <a:lvl7pPr marL="3656960" algn="l" defTabSz="1218987" rtl="0" eaLnBrk="1" latinLnBrk="0" hangingPunct="1">
+              <a:defRPr sz="2400" kern="1200">
+                <a:solidFill>
+                  <a:schemeClr val="tx1"/>
+                </a:solidFill>
+                <a:latin typeface="+mn-lt"/>
+                <a:ea typeface="+mn-ea"/>
+                <a:cs typeface="+mn-cs"/>
+              </a:defRPr>
+            </a:lvl7pPr>
+            <a:lvl8pPr marL="4266453" algn="l" defTabSz="1218987" rtl="0" eaLnBrk="1" latinLnBrk="0" hangingPunct="1">
+              <a:defRPr sz="2400" kern="1200">
+                <a:solidFill>
+                  <a:schemeClr val="tx1"/>
+                </a:solidFill>
+                <a:latin typeface="+mn-lt"/>
+                <a:ea typeface="+mn-ea"/>
+                <a:cs typeface="+mn-cs"/>
+              </a:defRPr>
+            </a:lvl8pPr>
+            <a:lvl9pPr marL="4875947" algn="l" defTabSz="1218987" rtl="0" eaLnBrk="1" latinLnBrk="0" hangingPunct="1">
+              <a:defRPr sz="2400" kern="1200">
+                <a:solidFill>
+                  <a:schemeClr val="tx1"/>
+                </a:solidFill>
+                <a:latin typeface="+mn-lt"/>
+                <a:ea typeface="+mn-ea"/>
+                <a:cs typeface="+mn-cs"/>
+              </a:defRPr>
+            </a:lvl9pPr>
+          </a:lstStyle>
           <a:p>
             <a:r>
-              <a:rPr lang="en-US" dirty="0">
+              <a:rPr lang="en-US" sz="1800" b="1" dirty="0">
                 <a:hlinkClick r:id="rId3"/>
               </a:rPr>
-              <a:t>https://it-kariera.mon.bg/e-learning/</a:t>
-            </a:r>
-            <a:endParaRPr lang="en-US" dirty="0"/>
+              <a:t>https://github.com/BG-IT-Edu/School-Programming/tree/main/Courses/Applied-Programmer/Programming-Fundamentals</a:t>
+            </a:r>
+            <a:endParaRPr lang="en-GB" sz="1800" b="1" dirty="0"/>
           </a:p>
         </p:txBody>
       </p:sp>

--- a/Courses/Applied-Programmer/Programming-Fundamentals/03-Масиви-и-списъци/11.Работа-с-масиви-методи.pptx
+++ b/Courses/Applied-Programmer/Programming-Fundamentals/03-Масиви-и-списъци/11.Работа-с-масиви-методи.pptx
@@ -335,7 +335,7 @@
             <a:fld id="{FE5B4EDC-59C0-49C7-8ADA-5A781B329E02}" type="datetimeFigureOut">
               <a:rPr lang="en-US"/>
               <a:pPr/>
-              <a:t>19-Nov-20</a:t>
+              <a:t>21-Nov-20</a:t>
             </a:fld>
             <a:endParaRPr dirty="0"/>
           </a:p>
@@ -633,7 +633,7 @@
             <a:fld id="{F2D8D46A-B586-417D-BFBD-8C8FE0AAF762}" type="datetimeFigureOut">
               <a:rPr lang="en-US" smtClean="0"/>
               <a:pPr/>
-              <a:t>19-Nov-20</a:t>
+              <a:t>21-Nov-20</a:t>
             </a:fld>
             <a:endParaRPr lang="en-US" dirty="0"/>
           </a:p>
@@ -8116,6 +8116,232 @@
   <p:clrMapOvr>
     <a:masterClrMapping/>
   </p:clrMapOvr>
+  <p:timing>
+    <p:tnLst>
+      <p:par>
+        <p:cTn id="1" dur="indefinite" restart="never" nodeType="tmRoot">
+          <p:childTnLst>
+            <p:seq concurrent="1" nextAc="seek">
+              <p:cTn id="2" dur="indefinite" nodeType="mainSeq">
+                <p:childTnLst>
+                  <p:par>
+                    <p:cTn id="3" fill="hold">
+                      <p:stCondLst>
+                        <p:cond delay="indefinite"/>
+                      </p:stCondLst>
+                      <p:childTnLst>
+                        <p:par>
+                          <p:cTn id="4" fill="hold">
+                            <p:stCondLst>
+                              <p:cond delay="0"/>
+                            </p:stCondLst>
+                            <p:childTnLst>
+                              <p:par>
+                                <p:cTn id="5" presetID="1" presetClass="entr" presetSubtype="0" fill="hold" nodeType="clickEffect">
+                                  <p:stCondLst>
+                                    <p:cond delay="0"/>
+                                  </p:stCondLst>
+                                  <p:childTnLst>
+                                    <p:set>
+                                      <p:cBhvr>
+                                        <p:cTn id="6" dur="1" fill="hold">
+                                          <p:stCondLst>
+                                            <p:cond delay="0"/>
+                                          </p:stCondLst>
+                                        </p:cTn>
+                                        <p:tgtEl>
+                                          <p:spTgt spid="7">
+                                            <p:txEl>
+                                              <p:pRg st="1" end="1"/>
+                                            </p:txEl>
+                                          </p:spTgt>
+                                        </p:tgtEl>
+                                        <p:attrNameLst>
+                                          <p:attrName>style.visibility</p:attrName>
+                                        </p:attrNameLst>
+                                      </p:cBhvr>
+                                      <p:to>
+                                        <p:strVal val="visible"/>
+                                      </p:to>
+                                    </p:set>
+                                  </p:childTnLst>
+                                </p:cTn>
+                              </p:par>
+                            </p:childTnLst>
+                          </p:cTn>
+                        </p:par>
+                      </p:childTnLst>
+                    </p:cTn>
+                  </p:par>
+                  <p:par>
+                    <p:cTn id="7" fill="hold">
+                      <p:stCondLst>
+                        <p:cond delay="indefinite"/>
+                      </p:stCondLst>
+                      <p:childTnLst>
+                        <p:par>
+                          <p:cTn id="8" fill="hold">
+                            <p:stCondLst>
+                              <p:cond delay="0"/>
+                            </p:stCondLst>
+                            <p:childTnLst>
+                              <p:par>
+                                <p:cTn id="9" presetID="1" presetClass="entr" presetSubtype="0" fill="hold" nodeType="clickEffect">
+                                  <p:stCondLst>
+                                    <p:cond delay="0"/>
+                                  </p:stCondLst>
+                                  <p:childTnLst>
+                                    <p:set>
+                                      <p:cBhvr>
+                                        <p:cTn id="10" dur="1" fill="hold">
+                                          <p:stCondLst>
+                                            <p:cond delay="0"/>
+                                          </p:stCondLst>
+                                        </p:cTn>
+                                        <p:tgtEl>
+                                          <p:spTgt spid="7">
+                                            <p:txEl>
+                                              <p:pRg st="2" end="2"/>
+                                            </p:txEl>
+                                          </p:spTgt>
+                                        </p:tgtEl>
+                                        <p:attrNameLst>
+                                          <p:attrName>style.visibility</p:attrName>
+                                        </p:attrNameLst>
+                                      </p:cBhvr>
+                                      <p:to>
+                                        <p:strVal val="visible"/>
+                                      </p:to>
+                                    </p:set>
+                                  </p:childTnLst>
+                                </p:cTn>
+                              </p:par>
+                            </p:childTnLst>
+                          </p:cTn>
+                        </p:par>
+                      </p:childTnLst>
+                    </p:cTn>
+                  </p:par>
+                  <p:par>
+                    <p:cTn id="11" fill="hold">
+                      <p:stCondLst>
+                        <p:cond delay="indefinite"/>
+                      </p:stCondLst>
+                      <p:childTnLst>
+                        <p:par>
+                          <p:cTn id="12" fill="hold">
+                            <p:stCondLst>
+                              <p:cond delay="0"/>
+                            </p:stCondLst>
+                            <p:childTnLst>
+                              <p:par>
+                                <p:cTn id="13" presetID="1" presetClass="entr" presetSubtype="0" fill="hold" nodeType="clickEffect">
+                                  <p:stCondLst>
+                                    <p:cond delay="0"/>
+                                  </p:stCondLst>
+                                  <p:childTnLst>
+                                    <p:set>
+                                      <p:cBhvr>
+                                        <p:cTn id="14" dur="1" fill="hold">
+                                          <p:stCondLst>
+                                            <p:cond delay="0"/>
+                                          </p:stCondLst>
+                                        </p:cTn>
+                                        <p:tgtEl>
+                                          <p:spTgt spid="7">
+                                            <p:txEl>
+                                              <p:pRg st="3" end="3"/>
+                                            </p:txEl>
+                                          </p:spTgt>
+                                        </p:tgtEl>
+                                        <p:attrNameLst>
+                                          <p:attrName>style.visibility</p:attrName>
+                                        </p:attrNameLst>
+                                      </p:cBhvr>
+                                      <p:to>
+                                        <p:strVal val="visible"/>
+                                      </p:to>
+                                    </p:set>
+                                  </p:childTnLst>
+                                </p:cTn>
+                              </p:par>
+                            </p:childTnLst>
+                          </p:cTn>
+                        </p:par>
+                      </p:childTnLst>
+                    </p:cTn>
+                  </p:par>
+                  <p:par>
+                    <p:cTn id="15" fill="hold">
+                      <p:stCondLst>
+                        <p:cond delay="indefinite"/>
+                      </p:stCondLst>
+                      <p:childTnLst>
+                        <p:par>
+                          <p:cTn id="16" fill="hold">
+                            <p:stCondLst>
+                              <p:cond delay="0"/>
+                            </p:stCondLst>
+                            <p:childTnLst>
+                              <p:par>
+                                <p:cTn id="17" presetID="1" presetClass="entr" presetSubtype="0" fill="hold" nodeType="clickEffect">
+                                  <p:stCondLst>
+                                    <p:cond delay="0"/>
+                                  </p:stCondLst>
+                                  <p:childTnLst>
+                                    <p:set>
+                                      <p:cBhvr>
+                                        <p:cTn id="18" dur="1" fill="hold">
+                                          <p:stCondLst>
+                                            <p:cond delay="0"/>
+                                          </p:stCondLst>
+                                        </p:cTn>
+                                        <p:tgtEl>
+                                          <p:spTgt spid="7">
+                                            <p:txEl>
+                                              <p:pRg st="4" end="4"/>
+                                            </p:txEl>
+                                          </p:spTgt>
+                                        </p:tgtEl>
+                                        <p:attrNameLst>
+                                          <p:attrName>style.visibility</p:attrName>
+                                        </p:attrNameLst>
+                                      </p:cBhvr>
+                                      <p:to>
+                                        <p:strVal val="visible"/>
+                                      </p:to>
+                                    </p:set>
+                                  </p:childTnLst>
+                                </p:cTn>
+                              </p:par>
+                            </p:childTnLst>
+                          </p:cTn>
+                        </p:par>
+                      </p:childTnLst>
+                    </p:cTn>
+                  </p:par>
+                </p:childTnLst>
+              </p:cTn>
+              <p:prevCondLst>
+                <p:cond evt="onPrev" delay="0">
+                  <p:tgtEl>
+                    <p:sldTgt/>
+                  </p:tgtEl>
+                </p:cond>
+              </p:prevCondLst>
+              <p:nextCondLst>
+                <p:cond evt="onNext" delay="0">
+                  <p:tgtEl>
+                    <p:sldTgt/>
+                  </p:tgtEl>
+                </p:cond>
+              </p:nextCondLst>
+            </p:seq>
+          </p:childTnLst>
+        </p:cTn>
+      </p:par>
+    </p:tnLst>
+  </p:timing>
 </p:sld>
 </file>
 
@@ -8136,6 +8362,73 @@
           <a:chExt cx="0" cy="0"/>
         </a:xfrm>
       </p:grpSpPr>
+      <p:sp>
+        <p:nvSpPr>
+          <p:cNvPr id="21" name="Rectangle 5">
+            <a:extLst>
+              <a:ext uri="{FF2B5EF4-FFF2-40B4-BE49-F238E27FC236}">
+                <a16:creationId xmlns:a16="http://schemas.microsoft.com/office/drawing/2014/main" id="{9958EE25-6A01-473E-9DD2-0B904E97C858}"/>
+              </a:ext>
+            </a:extLst>
+          </p:cNvPr>
+          <p:cNvSpPr>
+            <a:spLocks noChangeArrowheads="1"/>
+          </p:cNvSpPr>
+          <p:nvPr/>
+        </p:nvSpPr>
+        <p:spPr bwMode="auto">
+          <a:xfrm>
+            <a:off x="244415" y="1151118"/>
+            <a:ext cx="11152195" cy="5113452"/>
+          </a:xfrm>
+          <a:prstGeom prst="rect">
+            <a:avLst/>
+          </a:prstGeom>
+          <a:solidFill>
+            <a:schemeClr val="accent5">
+              <a:lumMod val="40000"/>
+              <a:lumOff val="60000"/>
+              <a:alpha val="20000"/>
+            </a:schemeClr>
+          </a:solidFill>
+          <a:ln w="12700">
+            <a:solidFill>
+              <a:schemeClr val="accent5">
+                <a:lumMod val="60000"/>
+                <a:lumOff val="40000"/>
+              </a:schemeClr>
+            </a:solidFill>
+          </a:ln>
+        </p:spPr>
+        <p:txBody>
+          <a:bodyPr wrap="square" lIns="144000" tIns="72000" rIns="144000" bIns="72000">
+            <a:spAutoFit/>
+          </a:bodyPr>
+          <a:lstStyle/>
+          <a:p>
+            <a:pPr>
+              <a:buClr>
+                <a:srgbClr val="F2B254"/>
+              </a:buClr>
+              <a:buSzPct val="100000"/>
+            </a:pPr>
+            <a:endParaRPr lang="en-US" sz="2800" b="1" noProof="1">
+              <a:solidFill>
+                <a:srgbClr val="FBEEDC"/>
+              </a:solidFill>
+              <a:effectLst>
+                <a:outerShdw blurRad="38100" dist="38100" dir="2700000" algn="tl">
+                  <a:srgbClr val="000000">
+                    <a:alpha val="43137"/>
+                  </a:srgbClr>
+                </a:outerShdw>
+              </a:effectLst>
+              <a:latin typeface="Consolas" pitchFamily="49" charset="0"/>
+              <a:cs typeface="Consolas" pitchFamily="49" charset="0"/>
+            </a:endParaRPr>
+          </a:p>
+        </p:txBody>
+      </p:sp>
       <p:sp>
         <p:nvSpPr>
           <p:cNvPr id="428035" name="Rectangle 3"/>
@@ -10253,6 +10546,9 @@
                     <p:cTn id="3" fill="hold">
                       <p:stCondLst>
                         <p:cond delay="indefinite"/>
+                        <p:cond evt="onBegin" delay="0">
+                          <p:tn val="2"/>
+                        </p:cond>
                       </p:stCondLst>
                       <p:childTnLst>
                         <p:par>
@@ -10262,7 +10558,7 @@
                             </p:stCondLst>
                             <p:childTnLst>
                               <p:par>
-                                <p:cTn id="5" presetID="1" presetClass="entr" presetSubtype="0" fill="hold" grpId="0" nodeType="clickEffect">
+                                <p:cTn id="5" presetID="1" presetClass="entr" presetSubtype="0" fill="hold" grpId="0" nodeType="withEffect">
                                   <p:stCondLst>
                                     <p:cond delay="0"/>
                                   </p:stCondLst>
@@ -10275,11 +10571,7 @@
                                           </p:stCondLst>
                                         </p:cTn>
                                         <p:tgtEl>
-                                          <p:spTgt spid="428035">
-                                            <p:txEl>
-                                              <p:pRg st="0" end="0"/>
-                                            </p:txEl>
-                                          </p:spTgt>
+                                          <p:spTgt spid="21"/>
                                         </p:tgtEl>
                                         <p:attrNameLst>
                                           <p:attrName>style.visibility</p:attrName>
@@ -10293,10 +10585,15 @@
                                 </p:cTn>
                               </p:par>
                               <p:par>
-                                <p:cTn id="7" presetID="1" presetClass="entr" presetSubtype="0" fill="hold" grpId="0" nodeType="withEffect">
+                                <p:cTn id="7" presetID="1" presetClass="entr" presetSubtype="0" fill="hold" nodeType="withEffect" nodePh="1">
                                   <p:stCondLst>
                                     <p:cond delay="0"/>
                                   </p:stCondLst>
+                                  <p:endCondLst>
+                                    <p:cond evt="begin" delay="0">
+                                      <p:tn val="7"/>
+                                    </p:cond>
+                                  </p:endCondLst>
                                   <p:childTnLst>
                                     <p:set>
                                       <p:cBhvr>
@@ -10306,9 +10603,9 @@
                                           </p:stCondLst>
                                         </p:cTn>
                                         <p:tgtEl>
-                                          <p:spTgt spid="428035">
+                                          <p:spTgt spid="21">
                                             <p:txEl>
-                                              <p:pRg st="1" end="1"/>
+                                              <p:pRg st="0" end="0"/>
                                             </p:txEl>
                                           </p:spTgt>
                                         </p:tgtEl>
@@ -10339,7 +10636,7 @@
                                         <p:tgtEl>
                                           <p:spTgt spid="428035">
                                             <p:txEl>
-                                              <p:pRg st="2" end="2"/>
+                                              <p:pRg st="0" end="0"/>
                                             </p:txEl>
                                           </p:spTgt>
                                         </p:tgtEl>
@@ -10370,7 +10667,7 @@
                                         <p:tgtEl>
                                           <p:spTgt spid="428035">
                                             <p:txEl>
-                                              <p:pRg st="3" end="3"/>
+                                              <p:pRg st="1" end="1"/>
                                             </p:txEl>
                                           </p:spTgt>
                                         </p:tgtEl>
@@ -10401,6 +10698,68 @@
                                         <p:tgtEl>
                                           <p:spTgt spid="428035">
                                             <p:txEl>
+                                              <p:pRg st="2" end="2"/>
+                                            </p:txEl>
+                                          </p:spTgt>
+                                        </p:tgtEl>
+                                        <p:attrNameLst>
+                                          <p:attrName>style.visibility</p:attrName>
+                                        </p:attrNameLst>
+                                      </p:cBhvr>
+                                      <p:to>
+                                        <p:strVal val="visible"/>
+                                      </p:to>
+                                    </p:set>
+                                  </p:childTnLst>
+                                </p:cTn>
+                              </p:par>
+                              <p:par>
+                                <p:cTn id="15" presetID="1" presetClass="entr" presetSubtype="0" fill="hold" grpId="0" nodeType="withEffect">
+                                  <p:stCondLst>
+                                    <p:cond delay="0"/>
+                                  </p:stCondLst>
+                                  <p:childTnLst>
+                                    <p:set>
+                                      <p:cBhvr>
+                                        <p:cTn id="16" dur="1" fill="hold">
+                                          <p:stCondLst>
+                                            <p:cond delay="0"/>
+                                          </p:stCondLst>
+                                        </p:cTn>
+                                        <p:tgtEl>
+                                          <p:spTgt spid="428035">
+                                            <p:txEl>
+                                              <p:pRg st="3" end="3"/>
+                                            </p:txEl>
+                                          </p:spTgt>
+                                        </p:tgtEl>
+                                        <p:attrNameLst>
+                                          <p:attrName>style.visibility</p:attrName>
+                                        </p:attrNameLst>
+                                      </p:cBhvr>
+                                      <p:to>
+                                        <p:strVal val="visible"/>
+                                      </p:to>
+                                    </p:set>
+                                  </p:childTnLst>
+                                </p:cTn>
+                              </p:par>
+                              <p:par>
+                                <p:cTn id="17" presetID="1" presetClass="entr" presetSubtype="0" fill="hold" grpId="0" nodeType="withEffect">
+                                  <p:stCondLst>
+                                    <p:cond delay="0"/>
+                                  </p:stCondLst>
+                                  <p:childTnLst>
+                                    <p:set>
+                                      <p:cBhvr>
+                                        <p:cTn id="18" dur="1" fill="hold">
+                                          <p:stCondLst>
+                                            <p:cond delay="0"/>
+                                          </p:stCondLst>
+                                        </p:cTn>
+                                        <p:tgtEl>
+                                          <p:spTgt spid="428035">
+                                            <p:txEl>
                                               <p:pRg st="4" end="4"/>
                                             </p:txEl>
                                           </p:spTgt>
@@ -10423,26 +10782,26 @@
                     </p:cTn>
                   </p:par>
                   <p:par>
-                    <p:cTn id="15" fill="hold">
+                    <p:cTn id="19" fill="hold">
                       <p:stCondLst>
                         <p:cond delay="indefinite"/>
                       </p:stCondLst>
                       <p:childTnLst>
                         <p:par>
-                          <p:cTn id="16" fill="hold">
+                          <p:cTn id="20" fill="hold">
                             <p:stCondLst>
                               <p:cond delay="0"/>
                             </p:stCondLst>
                             <p:childTnLst>
                               <p:par>
-                                <p:cTn id="17" presetID="1" presetClass="entr" presetSubtype="0" fill="hold" grpId="0" nodeType="clickEffect">
+                                <p:cTn id="21" presetID="1" presetClass="entr" presetSubtype="0" fill="hold" grpId="0" nodeType="clickEffect">
                                   <p:stCondLst>
                                     <p:cond delay="0"/>
                                   </p:stCondLst>
                                   <p:childTnLst>
                                     <p:set>
                                       <p:cBhvr>
-                                        <p:cTn id="18" dur="1" fill="hold">
+                                        <p:cTn id="22" dur="1" fill="hold">
                                           <p:stCondLst>
                                             <p:cond delay="0"/>
                                           </p:stCondLst>
@@ -10462,61 +10821,7 @@
                                 </p:cTn>
                               </p:par>
                               <p:par>
-                                <p:cTn id="19" presetID="1" presetClass="entr" presetSubtype="0" fill="hold" grpId="0" nodeType="withEffect">
-                                  <p:stCondLst>
-                                    <p:cond delay="0"/>
-                                  </p:stCondLst>
-                                  <p:childTnLst>
-                                    <p:set>
-                                      <p:cBhvr>
-                                        <p:cTn id="20" dur="1" fill="hold">
-                                          <p:stCondLst>
-                                            <p:cond delay="0"/>
-                                          </p:stCondLst>
-                                        </p:cTn>
-                                        <p:tgtEl>
-                                          <p:spTgt spid="13"/>
-                                        </p:tgtEl>
-                                        <p:attrNameLst>
-                                          <p:attrName>style.visibility</p:attrName>
-                                        </p:attrNameLst>
-                                      </p:cBhvr>
-                                      <p:to>
-                                        <p:strVal val="visible"/>
-                                      </p:to>
-                                    </p:set>
-                                  </p:childTnLst>
-                                </p:cTn>
-                              </p:par>
-                              <p:par>
-                                <p:cTn id="21" presetID="1" presetClass="entr" presetSubtype="0" fill="hold" grpId="0" nodeType="withEffect">
-                                  <p:stCondLst>
-                                    <p:cond delay="0"/>
-                                  </p:stCondLst>
-                                  <p:childTnLst>
-                                    <p:set>
-                                      <p:cBhvr>
-                                        <p:cTn id="22" dur="1" fill="hold">
-                                          <p:stCondLst>
-                                            <p:cond delay="0"/>
-                                          </p:stCondLst>
-                                        </p:cTn>
-                                        <p:tgtEl>
-                                          <p:spTgt spid="14"/>
-                                        </p:tgtEl>
-                                        <p:attrNameLst>
-                                          <p:attrName>style.visibility</p:attrName>
-                                        </p:attrNameLst>
-                                      </p:cBhvr>
-                                      <p:to>
-                                        <p:strVal val="visible"/>
-                                      </p:to>
-                                    </p:set>
-                                  </p:childTnLst>
-                                </p:cTn>
-                              </p:par>
-                              <p:par>
-                                <p:cTn id="23" presetID="1" presetClass="entr" presetSubtype="0" fill="hold" nodeType="withEffect">
+                                <p:cTn id="23" presetID="1" presetClass="entr" presetSubtype="0" fill="hold" grpId="0" nodeType="withEffect">
                                   <p:stCondLst>
                                     <p:cond delay="0"/>
                                   </p:stCondLst>
@@ -10529,7 +10834,7 @@
                                           </p:stCondLst>
                                         </p:cTn>
                                         <p:tgtEl>
-                                          <p:spTgt spid="18"/>
+                                          <p:spTgt spid="13"/>
                                         </p:tgtEl>
                                         <p:attrNameLst>
                                           <p:attrName>style.visibility</p:attrName>
@@ -10551,6 +10856,60 @@
                                     <p:set>
                                       <p:cBhvr>
                                         <p:cTn id="26" dur="1" fill="hold">
+                                          <p:stCondLst>
+                                            <p:cond delay="0"/>
+                                          </p:stCondLst>
+                                        </p:cTn>
+                                        <p:tgtEl>
+                                          <p:spTgt spid="14"/>
+                                        </p:tgtEl>
+                                        <p:attrNameLst>
+                                          <p:attrName>style.visibility</p:attrName>
+                                        </p:attrNameLst>
+                                      </p:cBhvr>
+                                      <p:to>
+                                        <p:strVal val="visible"/>
+                                      </p:to>
+                                    </p:set>
+                                  </p:childTnLst>
+                                </p:cTn>
+                              </p:par>
+                              <p:par>
+                                <p:cTn id="27" presetID="1" presetClass="entr" presetSubtype="0" fill="hold" nodeType="withEffect">
+                                  <p:stCondLst>
+                                    <p:cond delay="0"/>
+                                  </p:stCondLst>
+                                  <p:childTnLst>
+                                    <p:set>
+                                      <p:cBhvr>
+                                        <p:cTn id="28" dur="1" fill="hold">
+                                          <p:stCondLst>
+                                            <p:cond delay="0"/>
+                                          </p:stCondLst>
+                                        </p:cTn>
+                                        <p:tgtEl>
+                                          <p:spTgt spid="18"/>
+                                        </p:tgtEl>
+                                        <p:attrNameLst>
+                                          <p:attrName>style.visibility</p:attrName>
+                                        </p:attrNameLst>
+                                      </p:cBhvr>
+                                      <p:to>
+                                        <p:strVal val="visible"/>
+                                      </p:to>
+                                    </p:set>
+                                  </p:childTnLst>
+                                </p:cTn>
+                              </p:par>
+                              <p:par>
+                                <p:cTn id="29" presetID="1" presetClass="entr" presetSubtype="0" fill="hold" grpId="0" nodeType="withEffect">
+                                  <p:stCondLst>
+                                    <p:cond delay="0"/>
+                                  </p:stCondLst>
+                                  <p:childTnLst>
+                                    <p:set>
+                                      <p:cBhvr>
+                                        <p:cTn id="30" dur="1" fill="hold">
                                           <p:stCondLst>
                                             <p:cond delay="0"/>
                                           </p:stCondLst>
@@ -10580,26 +10939,26 @@
                     </p:cTn>
                   </p:par>
                   <p:par>
-                    <p:cTn id="27" fill="hold">
+                    <p:cTn id="31" fill="hold">
                       <p:stCondLst>
                         <p:cond delay="indefinite"/>
                       </p:stCondLst>
                       <p:childTnLst>
                         <p:par>
-                          <p:cTn id="28" fill="hold">
+                          <p:cTn id="32" fill="hold">
                             <p:stCondLst>
                               <p:cond delay="0"/>
                             </p:stCondLst>
                             <p:childTnLst>
                               <p:par>
-                                <p:cTn id="29" presetID="1" presetClass="entr" presetSubtype="0" fill="hold" grpId="0" nodeType="clickEffect">
+                                <p:cTn id="33" presetID="1" presetClass="entr" presetSubtype="0" fill="hold" grpId="0" nodeType="clickEffect">
                                   <p:stCondLst>
                                     <p:cond delay="0"/>
                                   </p:stCondLst>
                                   <p:childTnLst>
                                     <p:set>
                                       <p:cBhvr>
-                                        <p:cTn id="30" dur="1" fill="hold">
+                                        <p:cTn id="34" dur="1" fill="hold">
                                           <p:stCondLst>
                                             <p:cond delay="0"/>
                                           </p:stCondLst>
@@ -10622,20 +10981,20 @@
                           </p:cTn>
                         </p:par>
                         <p:par>
-                          <p:cTn id="31" fill="hold">
+                          <p:cTn id="35" fill="hold">
                             <p:stCondLst>
                               <p:cond delay="0"/>
                             </p:stCondLst>
                             <p:childTnLst>
                               <p:par>
-                                <p:cTn id="32" presetID="1" presetClass="entr" presetSubtype="0" fill="hold" grpId="0" nodeType="afterEffect">
+                                <p:cTn id="36" presetID="1" presetClass="entr" presetSubtype="0" fill="hold" grpId="0" nodeType="afterEffect">
                                   <p:stCondLst>
                                     <p:cond delay="0"/>
                                   </p:stCondLst>
                                   <p:childTnLst>
                                     <p:set>
                                       <p:cBhvr>
-                                        <p:cTn id="33" dur="1" fill="hold">
+                                        <p:cTn id="37" dur="1" fill="hold">
                                           <p:stCondLst>
                                             <p:cond delay="0"/>
                                           </p:stCondLst>
@@ -10665,26 +11024,26 @@
                     </p:cTn>
                   </p:par>
                   <p:par>
-                    <p:cTn id="34" fill="hold">
+                    <p:cTn id="38" fill="hold">
                       <p:stCondLst>
                         <p:cond delay="indefinite"/>
                       </p:stCondLst>
                       <p:childTnLst>
                         <p:par>
-                          <p:cTn id="35" fill="hold">
+                          <p:cTn id="39" fill="hold">
                             <p:stCondLst>
                               <p:cond delay="0"/>
                             </p:stCondLst>
                             <p:childTnLst>
                               <p:par>
-                                <p:cTn id="36" presetID="1" presetClass="entr" presetSubtype="0" fill="hold" grpId="0" nodeType="clickEffect">
+                                <p:cTn id="40" presetID="1" presetClass="entr" presetSubtype="0" fill="hold" grpId="0" nodeType="clickEffect">
                                   <p:stCondLst>
                                     <p:cond delay="0"/>
                                   </p:stCondLst>
                                   <p:childTnLst>
                                     <p:set>
                                       <p:cBhvr>
-                                        <p:cTn id="37" dur="1" fill="hold">
+                                        <p:cTn id="41" dur="1" fill="hold">
                                           <p:stCondLst>
                                             <p:cond delay="0"/>
                                           </p:stCondLst>
@@ -10707,20 +11066,20 @@
                           </p:cTn>
                         </p:par>
                         <p:par>
-                          <p:cTn id="38" fill="hold">
+                          <p:cTn id="42" fill="hold">
                             <p:stCondLst>
                               <p:cond delay="0"/>
                             </p:stCondLst>
                             <p:childTnLst>
                               <p:par>
-                                <p:cTn id="39" presetID="1" presetClass="entr" presetSubtype="0" fill="hold" grpId="0" nodeType="afterEffect">
+                                <p:cTn id="43" presetID="1" presetClass="entr" presetSubtype="0" fill="hold" grpId="0" nodeType="afterEffect">
                                   <p:stCondLst>
                                     <p:cond delay="0"/>
                                   </p:stCondLst>
                                   <p:childTnLst>
                                     <p:set>
                                       <p:cBhvr>
-                                        <p:cTn id="40" dur="1" fill="hold">
+                                        <p:cTn id="44" dur="1" fill="hold">
                                           <p:stCondLst>
                                             <p:cond delay="0"/>
                                           </p:stCondLst>
@@ -10747,20 +11106,20 @@
                           </p:cTn>
                         </p:par>
                         <p:par>
-                          <p:cTn id="41" fill="hold">
+                          <p:cTn id="45" fill="hold">
                             <p:stCondLst>
                               <p:cond delay="0"/>
                             </p:stCondLst>
                             <p:childTnLst>
                               <p:par>
-                                <p:cTn id="42" presetID="1" presetClass="entr" presetSubtype="0" fill="hold" grpId="0" nodeType="afterEffect">
+                                <p:cTn id="46" presetID="1" presetClass="entr" presetSubtype="0" fill="hold" grpId="0" nodeType="afterEffect">
                                   <p:stCondLst>
                                     <p:cond delay="0"/>
                                   </p:stCondLst>
                                   <p:childTnLst>
                                     <p:set>
                                       <p:cBhvr>
-                                        <p:cTn id="43" dur="1" fill="hold">
+                                        <p:cTn id="47" dur="1" fill="hold">
                                           <p:stCondLst>
                                             <p:cond delay="0"/>
                                           </p:stCondLst>
@@ -10787,20 +11146,20 @@
                           </p:cTn>
                         </p:par>
                         <p:par>
-                          <p:cTn id="44" fill="hold">
+                          <p:cTn id="48" fill="hold">
                             <p:stCondLst>
                               <p:cond delay="0"/>
                             </p:stCondLst>
                             <p:childTnLst>
                               <p:par>
-                                <p:cTn id="45" presetID="1" presetClass="entr" presetSubtype="0" fill="hold" grpId="0" nodeType="afterEffect">
+                                <p:cTn id="49" presetID="1" presetClass="entr" presetSubtype="0" fill="hold" grpId="0" nodeType="afterEffect">
                                   <p:stCondLst>
                                     <p:cond delay="0"/>
                                   </p:stCondLst>
                                   <p:childTnLst>
                                     <p:set>
                                       <p:cBhvr>
-                                        <p:cTn id="46" dur="1" fill="hold">
+                                        <p:cTn id="50" dur="1" fill="hold">
                                           <p:stCondLst>
                                             <p:cond delay="0"/>
                                           </p:stCondLst>
@@ -10827,20 +11186,20 @@
                           </p:cTn>
                         </p:par>
                         <p:par>
-                          <p:cTn id="47" fill="hold">
+                          <p:cTn id="51" fill="hold">
                             <p:stCondLst>
                               <p:cond delay="0"/>
                             </p:stCondLst>
                             <p:childTnLst>
                               <p:par>
-                                <p:cTn id="48" presetID="1" presetClass="entr" presetSubtype="0" fill="hold" grpId="0" nodeType="afterEffect">
+                                <p:cTn id="52" presetID="1" presetClass="entr" presetSubtype="0" fill="hold" grpId="0" nodeType="afterEffect">
                                   <p:stCondLst>
                                     <p:cond delay="0"/>
                                   </p:stCondLst>
                                   <p:childTnLst>
                                     <p:set>
                                       <p:cBhvr>
-                                        <p:cTn id="49" dur="1" fill="hold">
+                                        <p:cTn id="53" dur="1" fill="hold">
                                           <p:stCondLst>
                                             <p:cond delay="0"/>
                                           </p:stCondLst>
@@ -10891,6 +11250,7 @@
       </p:par>
     </p:tnLst>
     <p:bldLst>
+      <p:bldP spid="21" grpId="0" animBg="1"/>
       <p:bldP spid="428035" grpId="0" uiExpand="1" build="p"/>
       <p:bldP spid="13" grpId="0" animBg="1"/>
       <p:bldP spid="14" grpId="0"/>
@@ -10921,6 +11281,73 @@
       </p:grpSpPr>
       <p:sp>
         <p:nvSpPr>
+          <p:cNvPr id="21" name="Rectangle 5">
+            <a:extLst>
+              <a:ext uri="{FF2B5EF4-FFF2-40B4-BE49-F238E27FC236}">
+                <a16:creationId xmlns:a16="http://schemas.microsoft.com/office/drawing/2014/main" id="{AC051C31-550E-4EA1-A5B9-58D526C16B3E}"/>
+              </a:ext>
+            </a:extLst>
+          </p:cNvPr>
+          <p:cNvSpPr>
+            <a:spLocks noChangeArrowheads="1"/>
+          </p:cNvSpPr>
+          <p:nvPr/>
+        </p:nvSpPr>
+        <p:spPr bwMode="auto">
+          <a:xfrm>
+            <a:off x="244415" y="1151118"/>
+            <a:ext cx="11271172" cy="5472122"/>
+          </a:xfrm>
+          <a:prstGeom prst="rect">
+            <a:avLst/>
+          </a:prstGeom>
+          <a:solidFill>
+            <a:schemeClr val="accent5">
+              <a:lumMod val="40000"/>
+              <a:lumOff val="60000"/>
+              <a:alpha val="20000"/>
+            </a:schemeClr>
+          </a:solidFill>
+          <a:ln w="12700">
+            <a:solidFill>
+              <a:schemeClr val="accent5">
+                <a:lumMod val="60000"/>
+                <a:lumOff val="40000"/>
+              </a:schemeClr>
+            </a:solidFill>
+          </a:ln>
+        </p:spPr>
+        <p:txBody>
+          <a:bodyPr wrap="square" lIns="144000" tIns="72000" rIns="144000" bIns="72000">
+            <a:spAutoFit/>
+          </a:bodyPr>
+          <a:lstStyle/>
+          <a:p>
+            <a:pPr>
+              <a:buClr>
+                <a:srgbClr val="F2B254"/>
+              </a:buClr>
+              <a:buSzPct val="100000"/>
+            </a:pPr>
+            <a:endParaRPr lang="en-US" sz="2800" b="1" noProof="1">
+              <a:solidFill>
+                <a:srgbClr val="FBEEDC"/>
+              </a:solidFill>
+              <a:effectLst>
+                <a:outerShdw blurRad="38100" dist="38100" dir="2700000" algn="tl">
+                  <a:srgbClr val="000000">
+                    <a:alpha val="43137"/>
+                  </a:srgbClr>
+                </a:outerShdw>
+              </a:effectLst>
+              <a:latin typeface="Consolas" pitchFamily="49" charset="0"/>
+              <a:cs typeface="Consolas" pitchFamily="49" charset="0"/>
+            </a:endParaRPr>
+          </a:p>
+        </p:txBody>
+      </p:sp>
+      <p:sp>
+        <p:nvSpPr>
           <p:cNvPr id="428035" name="Rectangle 3"/>
           <p:cNvSpPr>
             <a:spLocks noGrp="1" noChangeArrowheads="1"/>
@@ -11131,71 +11558,6 @@
               <a:t>Sort</a:t>
             </a:r>
             <a:endParaRPr lang="bg-BG" dirty="0"/>
-          </a:p>
-        </p:txBody>
-      </p:sp>
-      <p:sp>
-        <p:nvSpPr>
-          <p:cNvPr id="13" name="Rounded Rectangle 12"/>
-          <p:cNvSpPr/>
-          <p:nvPr/>
-        </p:nvSpPr>
-        <p:spPr>
-          <a:xfrm>
-            <a:off x="8245413" y="1357172"/>
-            <a:ext cx="3698997" cy="1667663"/>
-          </a:xfrm>
-          <a:prstGeom prst="roundRect">
-            <a:avLst>
-              <a:gd name="adj" fmla="val 6659"/>
-            </a:avLst>
-          </a:prstGeom>
-          <a:solidFill>
-            <a:schemeClr val="accent5">
-              <a:lumMod val="40000"/>
-              <a:lumOff val="60000"/>
-              <a:alpha val="20000"/>
-            </a:schemeClr>
-          </a:solidFill>
-          <a:ln w="12700">
-            <a:solidFill>
-              <a:schemeClr val="accent5">
-                <a:lumMod val="60000"/>
-                <a:lumOff val="40000"/>
-                <a:alpha val="50000"/>
-              </a:schemeClr>
-            </a:solidFill>
-            <a:prstDash val="sysDash"/>
-          </a:ln>
-        </p:spPr>
-        <p:txBody>
-          <a:bodyPr vert="horz" wrap="square" lIns="144000" tIns="108000" rIns="144000" bIns="108000" rtlCol="0">
-            <a:noAutofit/>
-          </a:bodyPr>
-          <a:lstStyle/>
-          <a:p>
-            <a:pPr defTabSz="1218987">
-              <a:buClr>
-                <a:srgbClr val="F2B254"/>
-              </a:buClr>
-              <a:buSzPct val="100000"/>
-              <a:buFont typeface="Wingdings" panose="05000000000000000000" pitchFamily="2" charset="2"/>
-              <a:buNone/>
-            </a:pPr>
-            <a:endParaRPr lang="en-US" sz="2400" b="1" dirty="0">
-              <a:solidFill>
-                <a:srgbClr val="FBEEDC"/>
-              </a:solidFill>
-              <a:effectLst>
-                <a:outerShdw blurRad="38100" dist="38100" dir="2700000" algn="tl">
-                  <a:srgbClr val="000000">
-                    <a:alpha val="43137"/>
-                  </a:srgbClr>
-                </a:outerShdw>
-              </a:effectLst>
-              <a:latin typeface="Consolas" pitchFamily="49" charset="0"/>
-              <a:cs typeface="Consolas" pitchFamily="49" charset="0"/>
-            </a:endParaRPr>
           </a:p>
         </p:txBody>
       </p:sp>
@@ -12944,6 +13306,71 @@
           </a:p>
         </p:txBody>
       </p:sp>
+      <p:sp>
+        <p:nvSpPr>
+          <p:cNvPr id="13" name="Rounded Rectangle 12"/>
+          <p:cNvSpPr/>
+          <p:nvPr/>
+        </p:nvSpPr>
+        <p:spPr>
+          <a:xfrm>
+            <a:off x="8245413" y="1357172"/>
+            <a:ext cx="3698997" cy="1667663"/>
+          </a:xfrm>
+          <a:prstGeom prst="roundRect">
+            <a:avLst>
+              <a:gd name="adj" fmla="val 6659"/>
+            </a:avLst>
+          </a:prstGeom>
+          <a:solidFill>
+            <a:schemeClr val="accent5">
+              <a:lumMod val="40000"/>
+              <a:lumOff val="60000"/>
+              <a:alpha val="20000"/>
+            </a:schemeClr>
+          </a:solidFill>
+          <a:ln w="12700">
+            <a:solidFill>
+              <a:schemeClr val="accent5">
+                <a:lumMod val="60000"/>
+                <a:lumOff val="40000"/>
+                <a:alpha val="50000"/>
+              </a:schemeClr>
+            </a:solidFill>
+            <a:prstDash val="sysDash"/>
+          </a:ln>
+        </p:spPr>
+        <p:txBody>
+          <a:bodyPr vert="horz" wrap="square" lIns="144000" tIns="108000" rIns="144000" bIns="108000" rtlCol="0">
+            <a:noAutofit/>
+          </a:bodyPr>
+          <a:lstStyle/>
+          <a:p>
+            <a:pPr defTabSz="1218987">
+              <a:buClr>
+                <a:srgbClr val="F2B254"/>
+              </a:buClr>
+              <a:buSzPct val="100000"/>
+              <a:buFont typeface="Wingdings" panose="05000000000000000000" pitchFamily="2" charset="2"/>
+              <a:buNone/>
+            </a:pPr>
+            <a:endParaRPr lang="en-US" sz="2400" b="1" dirty="0">
+              <a:solidFill>
+                <a:srgbClr val="FBEEDC"/>
+              </a:solidFill>
+              <a:effectLst>
+                <a:outerShdw blurRad="38100" dist="38100" dir="2700000" algn="tl">
+                  <a:srgbClr val="000000">
+                    <a:alpha val="43137"/>
+                  </a:srgbClr>
+                </a:outerShdw>
+              </a:effectLst>
+              <a:latin typeface="Consolas" pitchFamily="49" charset="0"/>
+              <a:cs typeface="Consolas" pitchFamily="49" charset="0"/>
+            </a:endParaRPr>
+          </a:p>
+        </p:txBody>
+      </p:sp>
     </p:spTree>
     <p:extLst>
       <p:ext uri="{BB962C8B-B14F-4D97-AF65-F5344CB8AC3E}">
@@ -12967,6 +13394,9 @@
                     <p:cTn id="3" fill="hold">
                       <p:stCondLst>
                         <p:cond delay="indefinite"/>
+                        <p:cond evt="onBegin" delay="0">
+                          <p:tn val="2"/>
+                        </p:cond>
                       </p:stCondLst>
                       <p:childTnLst>
                         <p:par>
@@ -12976,7 +13406,7 @@
                             </p:stCondLst>
                             <p:childTnLst>
                               <p:par>
-                                <p:cTn id="5" presetID="1" presetClass="entr" presetSubtype="0" fill="hold" grpId="0" nodeType="clickEffect">
+                                <p:cTn id="5" presetID="1" presetClass="entr" presetSubtype="0" fill="hold" grpId="0" nodeType="withEffect">
                                   <p:stCondLst>
                                     <p:cond delay="0"/>
                                   </p:stCondLst>
@@ -12989,11 +13419,7 @@
                                           </p:stCondLst>
                                         </p:cTn>
                                         <p:tgtEl>
-                                          <p:spTgt spid="428035">
-                                            <p:txEl>
-                                              <p:pRg st="0" end="0"/>
-                                            </p:txEl>
-                                          </p:spTgt>
+                                          <p:spTgt spid="21"/>
                                         </p:tgtEl>
                                         <p:attrNameLst>
                                           <p:attrName>style.visibility</p:attrName>
@@ -13007,10 +13433,15 @@
                                 </p:cTn>
                               </p:par>
                               <p:par>
-                                <p:cTn id="7" presetID="1" presetClass="entr" presetSubtype="0" fill="hold" grpId="0" nodeType="withEffect">
+                                <p:cTn id="7" presetID="1" presetClass="entr" presetSubtype="0" fill="hold" nodeType="withEffect" nodePh="1">
                                   <p:stCondLst>
                                     <p:cond delay="0"/>
                                   </p:stCondLst>
+                                  <p:endCondLst>
+                                    <p:cond evt="begin" delay="0">
+                                      <p:tn val="7"/>
+                                    </p:cond>
+                                  </p:endCondLst>
                                   <p:childTnLst>
                                     <p:set>
                                       <p:cBhvr>
@@ -13020,9 +13451,9 @@
                                           </p:stCondLst>
                                         </p:cTn>
                                         <p:tgtEl>
-                                          <p:spTgt spid="428035">
+                                          <p:spTgt spid="21">
                                             <p:txEl>
-                                              <p:pRg st="1" end="1"/>
+                                              <p:pRg st="0" end="0"/>
                                             </p:txEl>
                                           </p:spTgt>
                                         </p:tgtEl>
@@ -13053,7 +13484,7 @@
                                         <p:tgtEl>
                                           <p:spTgt spid="428035">
                                             <p:txEl>
-                                              <p:pRg st="2" end="2"/>
+                                              <p:pRg st="0" end="0"/>
                                             </p:txEl>
                                           </p:spTgt>
                                         </p:tgtEl>
@@ -13084,7 +13515,7 @@
                                         <p:tgtEl>
                                           <p:spTgt spid="428035">
                                             <p:txEl>
-                                              <p:pRg st="3" end="3"/>
+                                              <p:pRg st="1" end="1"/>
                                             </p:txEl>
                                           </p:spTgt>
                                         </p:tgtEl>
@@ -13115,6 +13546,68 @@
                                         <p:tgtEl>
                                           <p:spTgt spid="428035">
                                             <p:txEl>
+                                              <p:pRg st="2" end="2"/>
+                                            </p:txEl>
+                                          </p:spTgt>
+                                        </p:tgtEl>
+                                        <p:attrNameLst>
+                                          <p:attrName>style.visibility</p:attrName>
+                                        </p:attrNameLst>
+                                      </p:cBhvr>
+                                      <p:to>
+                                        <p:strVal val="visible"/>
+                                      </p:to>
+                                    </p:set>
+                                  </p:childTnLst>
+                                </p:cTn>
+                              </p:par>
+                              <p:par>
+                                <p:cTn id="15" presetID="1" presetClass="entr" presetSubtype="0" fill="hold" grpId="0" nodeType="withEffect">
+                                  <p:stCondLst>
+                                    <p:cond delay="0"/>
+                                  </p:stCondLst>
+                                  <p:childTnLst>
+                                    <p:set>
+                                      <p:cBhvr>
+                                        <p:cTn id="16" dur="1" fill="hold">
+                                          <p:stCondLst>
+                                            <p:cond delay="0"/>
+                                          </p:stCondLst>
+                                        </p:cTn>
+                                        <p:tgtEl>
+                                          <p:spTgt spid="428035">
+                                            <p:txEl>
+                                              <p:pRg st="3" end="3"/>
+                                            </p:txEl>
+                                          </p:spTgt>
+                                        </p:tgtEl>
+                                        <p:attrNameLst>
+                                          <p:attrName>style.visibility</p:attrName>
+                                        </p:attrNameLst>
+                                      </p:cBhvr>
+                                      <p:to>
+                                        <p:strVal val="visible"/>
+                                      </p:to>
+                                    </p:set>
+                                  </p:childTnLst>
+                                </p:cTn>
+                              </p:par>
+                              <p:par>
+                                <p:cTn id="17" presetID="1" presetClass="entr" presetSubtype="0" fill="hold" grpId="0" nodeType="withEffect">
+                                  <p:stCondLst>
+                                    <p:cond delay="0"/>
+                                  </p:stCondLst>
+                                  <p:childTnLst>
+                                    <p:set>
+                                      <p:cBhvr>
+                                        <p:cTn id="18" dur="1" fill="hold">
+                                          <p:stCondLst>
+                                            <p:cond delay="0"/>
+                                          </p:stCondLst>
+                                        </p:cTn>
+                                        <p:tgtEl>
+                                          <p:spTgt spid="428035">
+                                            <p:txEl>
                                               <p:pRg st="4" end="4"/>
                                             </p:txEl>
                                           </p:spTgt>
@@ -13137,26 +13630,26 @@
                     </p:cTn>
                   </p:par>
                   <p:par>
-                    <p:cTn id="15" fill="hold">
+                    <p:cTn id="19" fill="hold">
                       <p:stCondLst>
                         <p:cond delay="indefinite"/>
                       </p:stCondLst>
                       <p:childTnLst>
                         <p:par>
-                          <p:cTn id="16" fill="hold">
+                          <p:cTn id="20" fill="hold">
                             <p:stCondLst>
                               <p:cond delay="0"/>
                             </p:stCondLst>
                             <p:childTnLst>
                               <p:par>
-                                <p:cTn id="17" presetID="1" presetClass="entr" presetSubtype="0" fill="hold" grpId="0" nodeType="clickEffect">
+                                <p:cTn id="21" presetID="1" presetClass="entr" presetSubtype="0" fill="hold" grpId="0" nodeType="clickEffect">
                                   <p:stCondLst>
                                     <p:cond delay="0"/>
                                   </p:stCondLst>
                                   <p:childTnLst>
                                     <p:set>
                                       <p:cBhvr>
-                                        <p:cTn id="18" dur="1" fill="hold">
+                                        <p:cTn id="22" dur="1" fill="hold">
                                           <p:stCondLst>
                                             <p:cond delay="0"/>
                                           </p:stCondLst>
@@ -13180,61 +13673,7 @@
                                 </p:cTn>
                               </p:par>
                               <p:par>
-                                <p:cTn id="19" presetID="1" presetClass="entr" presetSubtype="0" fill="hold" grpId="0" nodeType="withEffect">
-                                  <p:stCondLst>
-                                    <p:cond delay="0"/>
-                                  </p:stCondLst>
-                                  <p:childTnLst>
-                                    <p:set>
-                                      <p:cBhvr>
-                                        <p:cTn id="20" dur="1" fill="hold">
-                                          <p:stCondLst>
-                                            <p:cond delay="0"/>
-                                          </p:stCondLst>
-                                        </p:cTn>
-                                        <p:tgtEl>
-                                          <p:spTgt spid="13"/>
-                                        </p:tgtEl>
-                                        <p:attrNameLst>
-                                          <p:attrName>style.visibility</p:attrName>
-                                        </p:attrNameLst>
-                                      </p:cBhvr>
-                                      <p:to>
-                                        <p:strVal val="visible"/>
-                                      </p:to>
-                                    </p:set>
-                                  </p:childTnLst>
-                                </p:cTn>
-                              </p:par>
-                              <p:par>
-                                <p:cTn id="21" presetID="1" presetClass="entr" presetSubtype="0" fill="hold" grpId="0" nodeType="withEffect">
-                                  <p:stCondLst>
-                                    <p:cond delay="0"/>
-                                  </p:stCondLst>
-                                  <p:childTnLst>
-                                    <p:set>
-                                      <p:cBhvr>
-                                        <p:cTn id="22" dur="1" fill="hold">
-                                          <p:stCondLst>
-                                            <p:cond delay="0"/>
-                                          </p:stCondLst>
-                                        </p:cTn>
-                                        <p:tgtEl>
-                                          <p:spTgt spid="14"/>
-                                        </p:tgtEl>
-                                        <p:attrNameLst>
-                                          <p:attrName>style.visibility</p:attrName>
-                                        </p:attrNameLst>
-                                      </p:cBhvr>
-                                      <p:to>
-                                        <p:strVal val="visible"/>
-                                      </p:to>
-                                    </p:set>
-                                  </p:childTnLst>
-                                </p:cTn>
-                              </p:par>
-                              <p:par>
-                                <p:cTn id="23" presetID="1" presetClass="entr" presetSubtype="0" fill="hold" nodeType="withEffect">
+                                <p:cTn id="23" presetID="1" presetClass="entr" presetSubtype="0" fill="hold" grpId="0" nodeType="withEffect">
                                   <p:stCondLst>
                                     <p:cond delay="0"/>
                                   </p:stCondLst>
@@ -13247,7 +13686,7 @@
                                           </p:stCondLst>
                                         </p:cTn>
                                         <p:tgtEl>
-                                          <p:spTgt spid="18"/>
+                                          <p:spTgt spid="13"/>
                                         </p:tgtEl>
                                         <p:attrNameLst>
                                           <p:attrName>style.visibility</p:attrName>
@@ -13274,6 +13713,60 @@
                                           </p:stCondLst>
                                         </p:cTn>
                                         <p:tgtEl>
+                                          <p:spTgt spid="14"/>
+                                        </p:tgtEl>
+                                        <p:attrNameLst>
+                                          <p:attrName>style.visibility</p:attrName>
+                                        </p:attrNameLst>
+                                      </p:cBhvr>
+                                      <p:to>
+                                        <p:strVal val="visible"/>
+                                      </p:to>
+                                    </p:set>
+                                  </p:childTnLst>
+                                </p:cTn>
+                              </p:par>
+                              <p:par>
+                                <p:cTn id="27" presetID="1" presetClass="entr" presetSubtype="0" fill="hold" nodeType="withEffect">
+                                  <p:stCondLst>
+                                    <p:cond delay="0"/>
+                                  </p:stCondLst>
+                                  <p:childTnLst>
+                                    <p:set>
+                                      <p:cBhvr>
+                                        <p:cTn id="28" dur="1" fill="hold">
+                                          <p:stCondLst>
+                                            <p:cond delay="0"/>
+                                          </p:stCondLst>
+                                        </p:cTn>
+                                        <p:tgtEl>
+                                          <p:spTgt spid="18"/>
+                                        </p:tgtEl>
+                                        <p:attrNameLst>
+                                          <p:attrName>style.visibility</p:attrName>
+                                        </p:attrNameLst>
+                                      </p:cBhvr>
+                                      <p:to>
+                                        <p:strVal val="visible"/>
+                                      </p:to>
+                                    </p:set>
+                                  </p:childTnLst>
+                                </p:cTn>
+                              </p:par>
+                              <p:par>
+                                <p:cTn id="29" presetID="1" presetClass="entr" presetSubtype="0" fill="hold" grpId="0" nodeType="withEffect">
+                                  <p:stCondLst>
+                                    <p:cond delay="0"/>
+                                  </p:stCondLst>
+                                  <p:childTnLst>
+                                    <p:set>
+                                      <p:cBhvr>
+                                        <p:cTn id="30" dur="1" fill="hold">
+                                          <p:stCondLst>
+                                            <p:cond delay="0"/>
+                                          </p:stCondLst>
+                                        </p:cTn>
+                                        <p:tgtEl>
                                           <p:spTgt spid="15"/>
                                         </p:tgtEl>
                                         <p:attrNameLst>
@@ -13294,26 +13787,26 @@
                     </p:cTn>
                   </p:par>
                   <p:par>
-                    <p:cTn id="27" fill="hold">
+                    <p:cTn id="31" fill="hold">
                       <p:stCondLst>
                         <p:cond delay="indefinite"/>
                       </p:stCondLst>
                       <p:childTnLst>
                         <p:par>
-                          <p:cTn id="28" fill="hold">
+                          <p:cTn id="32" fill="hold">
                             <p:stCondLst>
                               <p:cond delay="0"/>
                             </p:stCondLst>
                             <p:childTnLst>
                               <p:par>
-                                <p:cTn id="29" presetID="1" presetClass="entr" presetSubtype="0" fill="hold" grpId="0" nodeType="clickEffect">
+                                <p:cTn id="33" presetID="1" presetClass="entr" presetSubtype="0" fill="hold" grpId="0" nodeType="clickEffect">
                                   <p:stCondLst>
                                     <p:cond delay="0"/>
                                   </p:stCondLst>
                                   <p:childTnLst>
                                     <p:set>
                                       <p:cBhvr>
-                                        <p:cTn id="30" dur="1" fill="hold">
+                                        <p:cTn id="34" dur="1" fill="hold">
                                           <p:stCondLst>
                                             <p:cond delay="0"/>
                                           </p:stCondLst>
@@ -13337,14 +13830,14 @@
                                 </p:cTn>
                               </p:par>
                               <p:par>
-                                <p:cTn id="31" presetID="1" presetClass="entr" presetSubtype="0" fill="hold" grpId="0" nodeType="withEffect">
+                                <p:cTn id="35" presetID="1" presetClass="entr" presetSubtype="0" fill="hold" grpId="0" nodeType="withEffect">
                                   <p:stCondLst>
                                     <p:cond delay="0"/>
                                   </p:stCondLst>
                                   <p:childTnLst>
                                     <p:set>
                                       <p:cBhvr>
-                                        <p:cTn id="32" dur="1" fill="hold">
+                                        <p:cTn id="36" dur="1" fill="hold">
                                           <p:stCondLst>
                                             <p:cond delay="0"/>
                                           </p:stCondLst>
@@ -13370,26 +13863,26 @@
                     </p:cTn>
                   </p:par>
                   <p:par>
-                    <p:cTn id="33" fill="hold">
+                    <p:cTn id="37" fill="hold">
                       <p:stCondLst>
                         <p:cond delay="indefinite"/>
                       </p:stCondLst>
                       <p:childTnLst>
                         <p:par>
-                          <p:cTn id="34" fill="hold">
+                          <p:cTn id="38" fill="hold">
                             <p:stCondLst>
                               <p:cond delay="0"/>
                             </p:stCondLst>
                             <p:childTnLst>
                               <p:par>
-                                <p:cTn id="35" presetID="1" presetClass="entr" presetSubtype="0" fill="hold" grpId="0" nodeType="clickEffect">
+                                <p:cTn id="39" presetID="1" presetClass="entr" presetSubtype="0" fill="hold" grpId="0" nodeType="clickEffect">
                                   <p:stCondLst>
                                     <p:cond delay="0"/>
                                   </p:stCondLst>
                                   <p:childTnLst>
                                     <p:set>
                                       <p:cBhvr>
-                                        <p:cTn id="36" dur="1" fill="hold">
+                                        <p:cTn id="40" dur="1" fill="hold">
                                           <p:stCondLst>
                                             <p:cond delay="0"/>
                                           </p:stCondLst>
@@ -13416,20 +13909,20 @@
                           </p:cTn>
                         </p:par>
                         <p:par>
-                          <p:cTn id="37" fill="hold">
+                          <p:cTn id="41" fill="hold">
                             <p:stCondLst>
                               <p:cond delay="0"/>
                             </p:stCondLst>
                             <p:childTnLst>
                               <p:par>
-                                <p:cTn id="38" presetID="1" presetClass="entr" presetSubtype="0" fill="hold" grpId="0" nodeType="afterEffect">
+                                <p:cTn id="42" presetID="1" presetClass="entr" presetSubtype="0" fill="hold" grpId="0" nodeType="afterEffect">
                                   <p:stCondLst>
                                     <p:cond delay="0"/>
                                   </p:stCondLst>
                                   <p:childTnLst>
                                     <p:set>
                                       <p:cBhvr>
-                                        <p:cTn id="39" dur="1" fill="hold">
+                                        <p:cTn id="43" dur="1" fill="hold">
                                           <p:stCondLst>
                                             <p:cond delay="0"/>
                                           </p:stCondLst>
@@ -13456,20 +13949,20 @@
                           </p:cTn>
                         </p:par>
                         <p:par>
-                          <p:cTn id="40" fill="hold">
+                          <p:cTn id="44" fill="hold">
                             <p:stCondLst>
                               <p:cond delay="0"/>
                             </p:stCondLst>
                             <p:childTnLst>
                               <p:par>
-                                <p:cTn id="41" presetID="1" presetClass="entr" presetSubtype="0" fill="hold" grpId="0" nodeType="afterEffect">
+                                <p:cTn id="45" presetID="1" presetClass="entr" presetSubtype="0" fill="hold" grpId="0" nodeType="afterEffect">
                                   <p:stCondLst>
                                     <p:cond delay="0"/>
                                   </p:stCondLst>
                                   <p:childTnLst>
                                     <p:set>
                                       <p:cBhvr>
-                                        <p:cTn id="42" dur="1" fill="hold">
+                                        <p:cTn id="46" dur="1" fill="hold">
                                           <p:stCondLst>
                                             <p:cond delay="0"/>
                                           </p:stCondLst>
@@ -13496,20 +13989,20 @@
                           </p:cTn>
                         </p:par>
                         <p:par>
-                          <p:cTn id="43" fill="hold">
+                          <p:cTn id="47" fill="hold">
                             <p:stCondLst>
                               <p:cond delay="0"/>
                             </p:stCondLst>
                             <p:childTnLst>
                               <p:par>
-                                <p:cTn id="44" presetID="1" presetClass="entr" presetSubtype="0" fill="hold" grpId="0" nodeType="afterEffect">
+                                <p:cTn id="48" presetID="1" presetClass="entr" presetSubtype="0" fill="hold" grpId="0" nodeType="afterEffect">
                                   <p:stCondLst>
                                     <p:cond delay="0"/>
                                   </p:stCondLst>
                                   <p:childTnLst>
                                     <p:set>
                                       <p:cBhvr>
-                                        <p:cTn id="45" dur="1" fill="hold">
+                                        <p:cTn id="49" dur="1" fill="hold">
                                           <p:stCondLst>
                                             <p:cond delay="0"/>
                                           </p:stCondLst>
@@ -13532,20 +14025,20 @@
                           </p:cTn>
                         </p:par>
                         <p:par>
-                          <p:cTn id="46" fill="hold">
+                          <p:cTn id="50" fill="hold">
                             <p:stCondLst>
                               <p:cond delay="0"/>
                             </p:stCondLst>
                             <p:childTnLst>
                               <p:par>
-                                <p:cTn id="47" presetID="1" presetClass="entr" presetSubtype="0" fill="hold" grpId="0" nodeType="afterEffect">
+                                <p:cTn id="51" presetID="1" presetClass="entr" presetSubtype="0" fill="hold" grpId="0" nodeType="afterEffect">
                                   <p:stCondLst>
                                     <p:cond delay="0"/>
                                   </p:stCondLst>
                                   <p:childTnLst>
                                     <p:set>
                                       <p:cBhvr>
-                                        <p:cTn id="48" dur="1" fill="hold">
+                                        <p:cTn id="52" dur="1" fill="hold">
                                           <p:stCondLst>
                                             <p:cond delay="0"/>
                                           </p:stCondLst>
@@ -13568,20 +14061,20 @@
                           </p:cTn>
                         </p:par>
                         <p:par>
-                          <p:cTn id="49" fill="hold">
+                          <p:cTn id="53" fill="hold">
                             <p:stCondLst>
                               <p:cond delay="0"/>
                             </p:stCondLst>
                             <p:childTnLst>
                               <p:par>
-                                <p:cTn id="50" presetID="1" presetClass="entr" presetSubtype="0" fill="hold" nodeType="afterEffect">
+                                <p:cTn id="54" presetID="1" presetClass="entr" presetSubtype="0" fill="hold" nodeType="afterEffect">
                                   <p:stCondLst>
                                     <p:cond delay="0"/>
                                   </p:stCondLst>
                                   <p:childTnLst>
                                     <p:set>
                                       <p:cBhvr>
-                                        <p:cTn id="51" dur="1" fill="hold">
+                                        <p:cTn id="55" dur="1" fill="hold">
                                           <p:stCondLst>
                                             <p:cond delay="0"/>
                                           </p:stCondLst>
@@ -13604,20 +14097,20 @@
                           </p:cTn>
                         </p:par>
                         <p:par>
-                          <p:cTn id="52" fill="hold">
+                          <p:cTn id="56" fill="hold">
                             <p:stCondLst>
                               <p:cond delay="0"/>
                             </p:stCondLst>
                             <p:childTnLst>
                               <p:par>
-                                <p:cTn id="53" presetID="1" presetClass="entr" presetSubtype="0" fill="hold" grpId="0" nodeType="afterEffect">
+                                <p:cTn id="57" presetID="1" presetClass="entr" presetSubtype="0" fill="hold" grpId="0" nodeType="afterEffect">
                                   <p:stCondLst>
                                     <p:cond delay="0"/>
                                   </p:stCondLst>
                                   <p:childTnLst>
                                     <p:set>
                                       <p:cBhvr>
-                                        <p:cTn id="54" dur="1" fill="hold">
+                                        <p:cTn id="58" dur="1" fill="hold">
                                           <p:stCondLst>
                                             <p:cond delay="0"/>
                                           </p:stCondLst>
@@ -13664,14 +14157,15 @@
       </p:par>
     </p:tnLst>
     <p:bldLst>
+      <p:bldP spid="21" grpId="0" animBg="1"/>
       <p:bldP spid="428035" grpId="0" uiExpand="1" build="p"/>
-      <p:bldP spid="13" grpId="0" animBg="1"/>
       <p:bldP spid="14" grpId="0"/>
       <p:bldP spid="15" grpId="0" animBg="1"/>
       <p:bldP spid="16" grpId="0" animBg="1"/>
       <p:bldP spid="17" grpId="0" animBg="1"/>
       <p:bldP spid="11" grpId="0" animBg="1"/>
       <p:bldP spid="19" grpId="0"/>
+      <p:bldP spid="13" grpId="0" animBg="1"/>
     </p:bldLst>
   </p:timing>
 </p:sld>
@@ -15815,6 +16309,73 @@
           </a:p>
         </p:txBody>
       </p:sp>
+      <p:sp>
+        <p:nvSpPr>
+          <p:cNvPr id="21" name="Rectangle 5">
+            <a:extLst>
+              <a:ext uri="{FF2B5EF4-FFF2-40B4-BE49-F238E27FC236}">
+                <a16:creationId xmlns:a16="http://schemas.microsoft.com/office/drawing/2014/main" id="{85F43258-0B6C-451C-BD5C-BF0353E83F71}"/>
+              </a:ext>
+            </a:extLst>
+          </p:cNvPr>
+          <p:cNvSpPr>
+            <a:spLocks noChangeArrowheads="1"/>
+          </p:cNvSpPr>
+          <p:nvPr/>
+        </p:nvSpPr>
+        <p:spPr bwMode="auto">
+          <a:xfrm>
+            <a:off x="244415" y="1151118"/>
+            <a:ext cx="11321997" cy="5275648"/>
+          </a:xfrm>
+          <a:prstGeom prst="rect">
+            <a:avLst/>
+          </a:prstGeom>
+          <a:solidFill>
+            <a:schemeClr val="accent5">
+              <a:lumMod val="40000"/>
+              <a:lumOff val="60000"/>
+              <a:alpha val="20000"/>
+            </a:schemeClr>
+          </a:solidFill>
+          <a:ln w="12700">
+            <a:solidFill>
+              <a:schemeClr val="accent5">
+                <a:lumMod val="60000"/>
+                <a:lumOff val="40000"/>
+              </a:schemeClr>
+            </a:solidFill>
+          </a:ln>
+        </p:spPr>
+        <p:txBody>
+          <a:bodyPr wrap="square" lIns="144000" tIns="72000" rIns="144000" bIns="72000">
+            <a:spAutoFit/>
+          </a:bodyPr>
+          <a:lstStyle/>
+          <a:p>
+            <a:pPr>
+              <a:buClr>
+                <a:srgbClr val="F2B254"/>
+              </a:buClr>
+              <a:buSzPct val="100000"/>
+            </a:pPr>
+            <a:endParaRPr lang="en-US" sz="2800" b="1" noProof="1">
+              <a:solidFill>
+                <a:srgbClr val="FBEEDC"/>
+              </a:solidFill>
+              <a:effectLst>
+                <a:outerShdw blurRad="38100" dist="38100" dir="2700000" algn="tl">
+                  <a:srgbClr val="000000">
+                    <a:alpha val="43137"/>
+                  </a:srgbClr>
+                </a:outerShdw>
+              </a:effectLst>
+              <a:latin typeface="Consolas" pitchFamily="49" charset="0"/>
+              <a:cs typeface="Consolas" pitchFamily="49" charset="0"/>
+            </a:endParaRPr>
+          </a:p>
+        </p:txBody>
+      </p:sp>
     </p:spTree>
     <p:extLst>
       <p:ext uri="{BB962C8B-B14F-4D97-AF65-F5344CB8AC3E}">
@@ -15838,6 +16399,9 @@
                     <p:cTn id="3" fill="hold">
                       <p:stCondLst>
                         <p:cond delay="indefinite"/>
+                        <p:cond evt="onBegin" delay="0">
+                          <p:tn val="2"/>
+                        </p:cond>
                       </p:stCondLst>
                       <p:childTnLst>
                         <p:par>
@@ -15847,7 +16411,7 @@
                             </p:stCondLst>
                             <p:childTnLst>
                               <p:par>
-                                <p:cTn id="5" presetID="1" presetClass="entr" presetSubtype="0" fill="hold" grpId="0" nodeType="clickEffect">
+                                <p:cTn id="5" presetID="1" presetClass="entr" presetSubtype="0" fill="hold" grpId="0" nodeType="withEffect">
                                   <p:stCondLst>
                                     <p:cond delay="0"/>
                                   </p:stCondLst>
@@ -15855,6 +16419,69 @@
                                     <p:set>
                                       <p:cBhvr>
                                         <p:cTn id="6" dur="1" fill="hold">
+                                          <p:stCondLst>
+                                            <p:cond delay="0"/>
+                                          </p:stCondLst>
+                                        </p:cTn>
+                                        <p:tgtEl>
+                                          <p:spTgt spid="21"/>
+                                        </p:tgtEl>
+                                        <p:attrNameLst>
+                                          <p:attrName>style.visibility</p:attrName>
+                                        </p:attrNameLst>
+                                      </p:cBhvr>
+                                      <p:to>
+                                        <p:strVal val="visible"/>
+                                      </p:to>
+                                    </p:set>
+                                  </p:childTnLst>
+                                </p:cTn>
+                              </p:par>
+                              <p:par>
+                                <p:cTn id="7" presetID="1" presetClass="entr" presetSubtype="0" fill="hold" nodeType="withEffect" nodePh="1">
+                                  <p:stCondLst>
+                                    <p:cond delay="0"/>
+                                  </p:stCondLst>
+                                  <p:endCondLst>
+                                    <p:cond evt="begin" delay="0">
+                                      <p:tn val="7"/>
+                                    </p:cond>
+                                  </p:endCondLst>
+                                  <p:childTnLst>
+                                    <p:set>
+                                      <p:cBhvr>
+                                        <p:cTn id="8" dur="1" fill="hold">
+                                          <p:stCondLst>
+                                            <p:cond delay="0"/>
+                                          </p:stCondLst>
+                                        </p:cTn>
+                                        <p:tgtEl>
+                                          <p:spTgt spid="21">
+                                            <p:txEl>
+                                              <p:pRg st="0" end="0"/>
+                                            </p:txEl>
+                                          </p:spTgt>
+                                        </p:tgtEl>
+                                        <p:attrNameLst>
+                                          <p:attrName>style.visibility</p:attrName>
+                                        </p:attrNameLst>
+                                      </p:cBhvr>
+                                      <p:to>
+                                        <p:strVal val="visible"/>
+                                      </p:to>
+                                    </p:set>
+                                  </p:childTnLst>
+                                </p:cTn>
+                              </p:par>
+                              <p:par>
+                                <p:cTn id="9" presetID="1" presetClass="entr" presetSubtype="0" fill="hold" grpId="0" nodeType="withEffect">
+                                  <p:stCondLst>
+                                    <p:cond delay="0"/>
+                                  </p:stCondLst>
+                                  <p:childTnLst>
+                                    <p:set>
+                                      <p:cBhvr>
+                                        <p:cTn id="10" dur="1" fill="hold">
                                           <p:stCondLst>
                                             <p:cond delay="0"/>
                                           </p:stCondLst>
@@ -15877,33 +16504,15 @@
                                   </p:childTnLst>
                                 </p:cTn>
                               </p:par>
-                            </p:childTnLst>
-                          </p:cTn>
-                        </p:par>
-                      </p:childTnLst>
-                    </p:cTn>
-                  </p:par>
-                  <p:par>
-                    <p:cTn id="7" fill="hold">
-                      <p:stCondLst>
-                        <p:cond delay="indefinite"/>
-                      </p:stCondLst>
-                      <p:childTnLst>
-                        <p:par>
-                          <p:cTn id="8" fill="hold">
-                            <p:stCondLst>
-                              <p:cond delay="0"/>
-                            </p:stCondLst>
-                            <p:childTnLst>
                               <p:par>
-                                <p:cTn id="9" presetID="1" presetClass="entr" presetSubtype="0" fill="hold" grpId="0" nodeType="clickEffect">
+                                <p:cTn id="11" presetID="1" presetClass="entr" presetSubtype="0" fill="hold" grpId="0" nodeType="withEffect">
                                   <p:stCondLst>
                                     <p:cond delay="0"/>
                                   </p:stCondLst>
                                   <p:childTnLst>
                                     <p:set>
                                       <p:cBhvr>
-                                        <p:cTn id="10" dur="1" fill="hold">
+                                        <p:cTn id="12" dur="1" fill="hold">
                                           <p:stCondLst>
                                             <p:cond delay="0"/>
                                           </p:stCondLst>
@@ -15926,26 +16535,8 @@
                                   </p:childTnLst>
                                 </p:cTn>
                               </p:par>
-                            </p:childTnLst>
-                          </p:cTn>
-                        </p:par>
-                      </p:childTnLst>
-                    </p:cTn>
-                  </p:par>
-                  <p:par>
-                    <p:cTn id="11" fill="hold">
-                      <p:stCondLst>
-                        <p:cond delay="indefinite"/>
-                      </p:stCondLst>
-                      <p:childTnLst>
-                        <p:par>
-                          <p:cTn id="12" fill="hold">
-                            <p:stCondLst>
-                              <p:cond delay="0"/>
-                            </p:stCondLst>
-                            <p:childTnLst>
                               <p:par>
-                                <p:cTn id="13" presetID="1" presetClass="entr" presetSubtype="0" fill="hold" grpId="0" nodeType="clickEffect">
+                                <p:cTn id="13" presetID="1" presetClass="entr" presetSubtype="0" fill="hold" grpId="0" nodeType="withEffect">
                                   <p:stCondLst>
                                     <p:cond delay="0"/>
                                   </p:stCondLst>
@@ -15975,26 +16566,39 @@
                                   </p:childTnLst>
                                 </p:cTn>
                               </p:par>
-                            </p:childTnLst>
-                          </p:cTn>
-                        </p:par>
-                      </p:childTnLst>
-                    </p:cTn>
-                  </p:par>
-                  <p:par>
-                    <p:cTn id="15" fill="hold">
-                      <p:stCondLst>
-                        <p:cond delay="indefinite"/>
-                      </p:stCondLst>
-                      <p:childTnLst>
-                        <p:par>
-                          <p:cTn id="16" fill="hold">
-                            <p:stCondLst>
-                              <p:cond delay="0"/>
-                            </p:stCondLst>
-                            <p:childTnLst>
                               <p:par>
-                                <p:cTn id="17" presetID="1" presetClass="entr" presetSubtype="0" fill="hold" grpId="0" nodeType="clickEffect">
+                                <p:cTn id="15" presetID="1" presetClass="entr" presetSubtype="0" fill="hold" grpId="0" nodeType="withEffect">
+                                  <p:stCondLst>
+                                    <p:cond delay="0"/>
+                                  </p:stCondLst>
+                                  <p:childTnLst>
+                                    <p:set>
+                                      <p:cBhvr>
+                                        <p:cTn id="16" dur="1" fill="hold">
+                                          <p:stCondLst>
+                                            <p:cond delay="0"/>
+                                          </p:stCondLst>
+                                        </p:cTn>
+                                        <p:tgtEl>
+                                          <p:spTgt spid="428035">
+                                            <p:txEl>
+                                              <p:pRg st="3" end="3"/>
+                                            </p:txEl>
+                                          </p:spTgt>
+                                        </p:tgtEl>
+                                        <p:attrNameLst>
+                                          <p:attrName>style.visibility</p:attrName>
+                                        </p:attrNameLst>
+                                      </p:cBhvr>
+                                      <p:to>
+                                        <p:strVal val="visible"/>
+                                      </p:to>
+                                    </p:set>
+                                  </p:childTnLst>
+                                </p:cTn>
+                              </p:par>
+                              <p:par>
+                                <p:cTn id="17" presetID="1" presetClass="entr" presetSubtype="0" fill="hold" grpId="0" nodeType="withEffect">
                                   <p:stCondLst>
                                     <p:cond delay="0"/>
                                   </p:stCondLst>
@@ -16009,7 +16613,7 @@
                                         <p:tgtEl>
                                           <p:spTgt spid="428035">
                                             <p:txEl>
-                                              <p:pRg st="3" end="3"/>
+                                              <p:pRg st="4" end="4"/>
                                             </p:txEl>
                                           </p:spTgt>
                                         </p:tgtEl>
@@ -16058,7 +16662,7 @@
                                         <p:tgtEl>
                                           <p:spTgt spid="428035">
                                             <p:txEl>
-                                              <p:pRg st="4" end="4"/>
+                                              <p:pRg st="5" end="5"/>
                                             </p:txEl>
                                           </p:spTgt>
                                         </p:tgtEl>
@@ -16107,7 +16711,7 @@
                                         <p:tgtEl>
                                           <p:spTgt spid="428035">
                                             <p:txEl>
-                                              <p:pRg st="5" end="5"/>
+                                              <p:pRg st="6" end="6"/>
                                             </p:txEl>
                                           </p:spTgt>
                                         </p:tgtEl>
@@ -16154,11 +16758,7 @@
                                           </p:stCondLst>
                                         </p:cTn>
                                         <p:tgtEl>
-                                          <p:spTgt spid="428035">
-                                            <p:txEl>
-                                              <p:pRg st="6" end="6"/>
-                                            </p:txEl>
-                                          </p:spTgt>
+                                          <p:spTgt spid="13"/>
                                         </p:tgtEl>
                                         <p:attrNameLst>
                                           <p:attrName>style.visibility</p:attrName>
@@ -16171,26 +16771,35 @@
                                   </p:childTnLst>
                                 </p:cTn>
                               </p:par>
-                            </p:childTnLst>
-                          </p:cTn>
-                        </p:par>
-                      </p:childTnLst>
-                    </p:cTn>
-                  </p:par>
-                  <p:par>
-                    <p:cTn id="31" fill="hold">
-                      <p:stCondLst>
-                        <p:cond delay="indefinite"/>
-                      </p:stCondLst>
-                      <p:childTnLst>
-                        <p:par>
-                          <p:cTn id="32" fill="hold">
-                            <p:stCondLst>
-                              <p:cond delay="0"/>
-                            </p:stCondLst>
-                            <p:childTnLst>
                               <p:par>
-                                <p:cTn id="33" presetID="1" presetClass="entr" presetSubtype="0" fill="hold" grpId="0" nodeType="clickEffect">
+                                <p:cTn id="31" presetID="1" presetClass="entr" presetSubtype="0" fill="hold" grpId="0" nodeType="withEffect">
+                                  <p:stCondLst>
+                                    <p:cond delay="0"/>
+                                  </p:stCondLst>
+                                  <p:childTnLst>
+                                    <p:set>
+                                      <p:cBhvr>
+                                        <p:cTn id="32" dur="1" fill="hold">
+                                          <p:stCondLst>
+                                            <p:cond delay="0"/>
+                                          </p:stCondLst>
+                                        </p:cTn>
+                                        <p:tgtEl>
+                                          <p:spTgt spid="14"/>
+                                        </p:tgtEl>
+                                        <p:attrNameLst>
+                                          <p:attrName>style.visibility</p:attrName>
+                                        </p:attrNameLst>
+                                      </p:cBhvr>
+                                      <p:to>
+                                        <p:strVal val="visible"/>
+                                      </p:to>
+                                    </p:set>
+                                  </p:childTnLst>
+                                </p:cTn>
+                              </p:par>
+                              <p:par>
+                                <p:cTn id="33" presetID="1" presetClass="entr" presetSubtype="0" fill="hold" nodeType="withEffect">
                                   <p:stCondLst>
                                     <p:cond delay="0"/>
                                   </p:stCondLst>
@@ -16203,7 +16812,7 @@
                                           </p:stCondLst>
                                         </p:cTn>
                                         <p:tgtEl>
-                                          <p:spTgt spid="13"/>
+                                          <p:spTgt spid="18"/>
                                         </p:tgtEl>
                                         <p:attrNameLst>
                                           <p:attrName>style.visibility</p:attrName>
@@ -16230,7 +16839,7 @@
                                           </p:stCondLst>
                                         </p:cTn>
                                         <p:tgtEl>
-                                          <p:spTgt spid="14"/>
+                                          <p:spTgt spid="15"/>
                                         </p:tgtEl>
                                         <p:attrNameLst>
                                           <p:attrName>style.visibility</p:attrName>
@@ -16243,35 +16852,26 @@
                                   </p:childTnLst>
                                 </p:cTn>
                               </p:par>
+                            </p:childTnLst>
+                          </p:cTn>
+                        </p:par>
+                      </p:childTnLst>
+                    </p:cTn>
+                  </p:par>
+                  <p:par>
+                    <p:cTn id="37" fill="hold">
+                      <p:stCondLst>
+                        <p:cond delay="indefinite"/>
+                      </p:stCondLst>
+                      <p:childTnLst>
+                        <p:par>
+                          <p:cTn id="38" fill="hold">
+                            <p:stCondLst>
+                              <p:cond delay="0"/>
+                            </p:stCondLst>
+                            <p:childTnLst>
                               <p:par>
-                                <p:cTn id="37" presetID="1" presetClass="entr" presetSubtype="0" fill="hold" nodeType="withEffect">
-                                  <p:stCondLst>
-                                    <p:cond delay="0"/>
-                                  </p:stCondLst>
-                                  <p:childTnLst>
-                                    <p:set>
-                                      <p:cBhvr>
-                                        <p:cTn id="38" dur="1" fill="hold">
-                                          <p:stCondLst>
-                                            <p:cond delay="0"/>
-                                          </p:stCondLst>
-                                        </p:cTn>
-                                        <p:tgtEl>
-                                          <p:spTgt spid="18"/>
-                                        </p:tgtEl>
-                                        <p:attrNameLst>
-                                          <p:attrName>style.visibility</p:attrName>
-                                        </p:attrNameLst>
-                                      </p:cBhvr>
-                                      <p:to>
-                                        <p:strVal val="visible"/>
-                                      </p:to>
-                                    </p:set>
-                                  </p:childTnLst>
-                                </p:cTn>
-                              </p:par>
-                              <p:par>
-                                <p:cTn id="39" presetID="1" presetClass="entr" presetSubtype="0" fill="hold" grpId="0" nodeType="withEffect">
+                                <p:cTn id="39" presetID="1" presetClass="entr" presetSubtype="0" fill="hold" grpId="0" nodeType="clickEffect">
                                   <p:stCondLst>
                                     <p:cond delay="0"/>
                                   </p:stCondLst>
@@ -16284,7 +16884,11 @@
                                           </p:stCondLst>
                                         </p:cTn>
                                         <p:tgtEl>
-                                          <p:spTgt spid="15"/>
+                                          <p:spTgt spid="428035">
+                                            <p:txEl>
+                                              <p:pRg st="7" end="7"/>
+                                            </p:txEl>
+                                          </p:spTgt>
                                         </p:tgtEl>
                                         <p:attrNameLst>
                                           <p:attrName>style.visibility</p:attrName>
@@ -16331,9 +16935,36 @@
                                         <p:tgtEl>
                                           <p:spTgt spid="428035">
                                             <p:txEl>
-                                              <p:pRg st="7" end="7"/>
+                                              <p:pRg st="8" end="8"/>
                                             </p:txEl>
                                           </p:spTgt>
+                                        </p:tgtEl>
+                                        <p:attrNameLst>
+                                          <p:attrName>style.visibility</p:attrName>
+                                        </p:attrNameLst>
+                                      </p:cBhvr>
+                                      <p:to>
+                                        <p:strVal val="visible"/>
+                                      </p:to>
+                                    </p:set>
+                                  </p:childTnLst>
+                                </p:cTn>
+                              </p:par>
+                              <p:par>
+                                <p:cTn id="45" presetID="1" presetClass="entr" presetSubtype="0" fill="hold" grpId="0" nodeType="withEffect">
+                                  <p:stCondLst>
+                                    <p:cond delay="0"/>
+                                  </p:stCondLst>
+                                  <p:childTnLst>
+                                    <p:set>
+                                      <p:cBhvr>
+                                        <p:cTn id="46" dur="1" fill="hold">
+                                          <p:stCondLst>
+                                            <p:cond delay="0"/>
+                                          </p:stCondLst>
+                                        </p:cTn>
+                                        <p:tgtEl>
+                                          <p:spTgt spid="16"/>
                                         </p:tgtEl>
                                         <p:attrNameLst>
                                           <p:attrName>style.visibility</p:attrName>
@@ -16353,50 +16984,19 @@
                     </p:cTn>
                   </p:par>
                   <p:par>
-                    <p:cTn id="45" fill="hold">
+                    <p:cTn id="47" fill="hold">
                       <p:stCondLst>
                         <p:cond delay="indefinite"/>
                       </p:stCondLst>
                       <p:childTnLst>
                         <p:par>
-                          <p:cTn id="46" fill="hold">
+                          <p:cTn id="48" fill="hold">
                             <p:stCondLst>
                               <p:cond delay="0"/>
                             </p:stCondLst>
                             <p:childTnLst>
                               <p:par>
-                                <p:cTn id="47" presetID="1" presetClass="entr" presetSubtype="0" fill="hold" grpId="0" nodeType="clickEffect">
-                                  <p:stCondLst>
-                                    <p:cond delay="0"/>
-                                  </p:stCondLst>
-                                  <p:childTnLst>
-                                    <p:set>
-                                      <p:cBhvr>
-                                        <p:cTn id="48" dur="1" fill="hold">
-                                          <p:stCondLst>
-                                            <p:cond delay="0"/>
-                                          </p:stCondLst>
-                                        </p:cTn>
-                                        <p:tgtEl>
-                                          <p:spTgt spid="428035">
-                                            <p:txEl>
-                                              <p:pRg st="8" end="8"/>
-                                            </p:txEl>
-                                          </p:spTgt>
-                                        </p:tgtEl>
-                                        <p:attrNameLst>
-                                          <p:attrName>style.visibility</p:attrName>
-                                        </p:attrNameLst>
-                                      </p:cBhvr>
-                                      <p:to>
-                                        <p:strVal val="visible"/>
-                                      </p:to>
-                                    </p:set>
-                                  </p:childTnLst>
-                                </p:cTn>
-                              </p:par>
-                              <p:par>
-                                <p:cTn id="49" presetID="1" presetClass="entr" presetSubtype="0" fill="hold" grpId="0" nodeType="withEffect">
+                                <p:cTn id="49" presetID="1" presetClass="entr" presetSubtype="0" fill="hold" grpId="0" nodeType="clickEffect">
                                   <p:stCondLst>
                                     <p:cond delay="0"/>
                                   </p:stCondLst>
@@ -16409,7 +17009,11 @@
                                           </p:stCondLst>
                                         </p:cTn>
                                         <p:tgtEl>
-                                          <p:spTgt spid="16"/>
+                                          <p:spTgt spid="428035">
+                                            <p:txEl>
+                                              <p:pRg st="9" end="9"/>
+                                            </p:txEl>
+                                          </p:spTgt>
                                         </p:tgtEl>
                                         <p:attrNameLst>
                                           <p:attrName>style.visibility</p:attrName>
@@ -16456,7 +17060,7 @@
                                         <p:tgtEl>
                                           <p:spTgt spid="428035">
                                             <p:txEl>
-                                              <p:pRg st="9" end="9"/>
+                                              <p:pRg st="10" end="10"/>
                                             </p:txEl>
                                           </p:spTgt>
                                         </p:tgtEl>
@@ -16505,55 +17109,6 @@
                                         <p:tgtEl>
                                           <p:spTgt spid="428035">
                                             <p:txEl>
-                                              <p:pRg st="10" end="10"/>
-                                            </p:txEl>
-                                          </p:spTgt>
-                                        </p:tgtEl>
-                                        <p:attrNameLst>
-                                          <p:attrName>style.visibility</p:attrName>
-                                        </p:attrNameLst>
-                                      </p:cBhvr>
-                                      <p:to>
-                                        <p:strVal val="visible"/>
-                                      </p:to>
-                                    </p:set>
-                                  </p:childTnLst>
-                                </p:cTn>
-                              </p:par>
-                            </p:childTnLst>
-                          </p:cTn>
-                        </p:par>
-                      </p:childTnLst>
-                    </p:cTn>
-                  </p:par>
-                  <p:par>
-                    <p:cTn id="59" fill="hold">
-                      <p:stCondLst>
-                        <p:cond delay="indefinite"/>
-                      </p:stCondLst>
-                      <p:childTnLst>
-                        <p:par>
-                          <p:cTn id="60" fill="hold">
-                            <p:stCondLst>
-                              <p:cond delay="0"/>
-                            </p:stCondLst>
-                            <p:childTnLst>
-                              <p:par>
-                                <p:cTn id="61" presetID="1" presetClass="entr" presetSubtype="0" fill="hold" grpId="0" nodeType="clickEffect">
-                                  <p:stCondLst>
-                                    <p:cond delay="0"/>
-                                  </p:stCondLst>
-                                  <p:childTnLst>
-                                    <p:set>
-                                      <p:cBhvr>
-                                        <p:cTn id="62" dur="1" fill="hold">
-                                          <p:stCondLst>
-                                            <p:cond delay="0"/>
-                                          </p:stCondLst>
-                                        </p:cTn>
-                                        <p:tgtEl>
-                                          <p:spTgt spid="428035">
-                                            <p:txEl>
                                               <p:pRg st="11" end="11"/>
                                             </p:txEl>
                                           </p:spTgt>
@@ -16570,7 +17125,61 @@
                                 </p:cTn>
                               </p:par>
                               <p:par>
-                                <p:cTn id="63" presetID="1" presetClass="entr" presetSubtype="0" fill="hold" grpId="0" nodeType="withEffect">
+                                <p:cTn id="59" presetID="1" presetClass="entr" presetSubtype="0" fill="hold" grpId="0" nodeType="withEffect">
+                                  <p:stCondLst>
+                                    <p:cond delay="0"/>
+                                  </p:stCondLst>
+                                  <p:childTnLst>
+                                    <p:set>
+                                      <p:cBhvr>
+                                        <p:cTn id="60" dur="1" fill="hold">
+                                          <p:stCondLst>
+                                            <p:cond delay="0"/>
+                                          </p:stCondLst>
+                                        </p:cTn>
+                                        <p:tgtEl>
+                                          <p:spTgt spid="17"/>
+                                        </p:tgtEl>
+                                        <p:attrNameLst>
+                                          <p:attrName>style.visibility</p:attrName>
+                                        </p:attrNameLst>
+                                      </p:cBhvr>
+                                      <p:to>
+                                        <p:strVal val="visible"/>
+                                      </p:to>
+                                    </p:set>
+                                  </p:childTnLst>
+                                </p:cTn>
+                              </p:par>
+                              <p:par>
+                                <p:cTn id="61" presetID="1" presetClass="entr" presetSubtype="0" fill="hold" grpId="0" nodeType="withEffect">
+                                  <p:stCondLst>
+                                    <p:cond delay="0"/>
+                                  </p:stCondLst>
+                                  <p:childTnLst>
+                                    <p:set>
+                                      <p:cBhvr>
+                                        <p:cTn id="62" dur="1" fill="hold">
+                                          <p:stCondLst>
+                                            <p:cond delay="0"/>
+                                          </p:stCondLst>
+                                        </p:cTn>
+                                        <p:tgtEl>
+                                          <p:spTgt spid="11"/>
+                                        </p:tgtEl>
+                                        <p:attrNameLst>
+                                          <p:attrName>style.visibility</p:attrName>
+                                        </p:attrNameLst>
+                                      </p:cBhvr>
+                                      <p:to>
+                                        <p:strVal val="visible"/>
+                                      </p:to>
+                                    </p:set>
+                                  </p:childTnLst>
+                                </p:cTn>
+                              </p:par>
+                              <p:par>
+                                <p:cTn id="63" presetID="1" presetClass="entr" presetSubtype="0" fill="hold" nodeType="withEffect">
                                   <p:stCondLst>
                                     <p:cond delay="0"/>
                                   </p:stCondLst>
@@ -16583,7 +17192,7 @@
                                           </p:stCondLst>
                                         </p:cTn>
                                         <p:tgtEl>
-                                          <p:spTgt spid="17"/>
+                                          <p:spTgt spid="12"/>
                                         </p:tgtEl>
                                         <p:attrNameLst>
                                           <p:attrName>style.visibility</p:attrName>
@@ -16605,60 +17214,6 @@
                                     <p:set>
                                       <p:cBhvr>
                                         <p:cTn id="66" dur="1" fill="hold">
-                                          <p:stCondLst>
-                                            <p:cond delay="0"/>
-                                          </p:stCondLst>
-                                        </p:cTn>
-                                        <p:tgtEl>
-                                          <p:spTgt spid="11"/>
-                                        </p:tgtEl>
-                                        <p:attrNameLst>
-                                          <p:attrName>style.visibility</p:attrName>
-                                        </p:attrNameLst>
-                                      </p:cBhvr>
-                                      <p:to>
-                                        <p:strVal val="visible"/>
-                                      </p:to>
-                                    </p:set>
-                                  </p:childTnLst>
-                                </p:cTn>
-                              </p:par>
-                              <p:par>
-                                <p:cTn id="67" presetID="1" presetClass="entr" presetSubtype="0" fill="hold" nodeType="withEffect">
-                                  <p:stCondLst>
-                                    <p:cond delay="0"/>
-                                  </p:stCondLst>
-                                  <p:childTnLst>
-                                    <p:set>
-                                      <p:cBhvr>
-                                        <p:cTn id="68" dur="1" fill="hold">
-                                          <p:stCondLst>
-                                            <p:cond delay="0"/>
-                                          </p:stCondLst>
-                                        </p:cTn>
-                                        <p:tgtEl>
-                                          <p:spTgt spid="12"/>
-                                        </p:tgtEl>
-                                        <p:attrNameLst>
-                                          <p:attrName>style.visibility</p:attrName>
-                                        </p:attrNameLst>
-                                      </p:cBhvr>
-                                      <p:to>
-                                        <p:strVal val="visible"/>
-                                      </p:to>
-                                    </p:set>
-                                  </p:childTnLst>
-                                </p:cTn>
-                              </p:par>
-                              <p:par>
-                                <p:cTn id="69" presetID="1" presetClass="entr" presetSubtype="0" fill="hold" grpId="0" nodeType="withEffect">
-                                  <p:stCondLst>
-                                    <p:cond delay="0"/>
-                                  </p:stCondLst>
-                                  <p:childTnLst>
-                                    <p:set>
-                                      <p:cBhvr>
-                                        <p:cTn id="70" dur="1" fill="hold">
                                           <p:stCondLst>
                                             <p:cond delay="0"/>
                                           </p:stCondLst>
@@ -16713,6 +17268,7 @@
       <p:bldP spid="17" grpId="0" animBg="1"/>
       <p:bldP spid="11" grpId="0" animBg="1"/>
       <p:bldP spid="19" grpId="0"/>
+      <p:bldP spid="21" grpId="0" animBg="1"/>
     </p:bldLst>
   </p:timing>
 </p:sld>
@@ -16735,6 +17291,421 @@
           <a:chExt cx="0" cy="0"/>
         </a:xfrm>
       </p:grpSpPr>
+      <p:sp>
+        <p:nvSpPr>
+          <p:cNvPr id="428035" name="Rectangle 3"/>
+          <p:cNvSpPr>
+            <a:spLocks noGrp="1" noChangeArrowheads="1"/>
+          </p:cNvSpPr>
+          <p:nvPr>
+            <p:ph idx="1"/>
+          </p:nvPr>
+        </p:nvSpPr>
+        <p:spPr/>
+        <p:txBody>
+          <a:bodyPr>
+            <a:normAutofit fontScale="77500" lnSpcReduction="20000"/>
+          </a:bodyPr>
+          <a:lstStyle/>
+          <a:p>
+            <a:pPr marL="0" indent="0">
+              <a:buNone/>
+            </a:pPr>
+            <a:r>
+              <a:rPr lang="en-US" b="1" dirty="0">
+                <a:latin typeface="Consolas" panose="020B0609020204030204" pitchFamily="49" charset="0"/>
+              </a:rPr>
+              <a:t>using System;</a:t>
+            </a:r>
+          </a:p>
+          <a:p>
+            <a:pPr marL="0" indent="0">
+              <a:buNone/>
+            </a:pPr>
+            <a:r>
+              <a:rPr lang="en-US" b="1" dirty="0">
+                <a:latin typeface="Consolas" panose="020B0609020204030204" pitchFamily="49" charset="0"/>
+              </a:rPr>
+              <a:t>public class Program</a:t>
+            </a:r>
+          </a:p>
+          <a:p>
+            <a:pPr marL="0" indent="0">
+              <a:buNone/>
+            </a:pPr>
+            <a:r>
+              <a:rPr lang="en-US" b="1" dirty="0">
+                <a:latin typeface="Consolas" panose="020B0609020204030204" pitchFamily="49" charset="0"/>
+              </a:rPr>
+              <a:t>{</a:t>
+            </a:r>
+          </a:p>
+          <a:p>
+            <a:pPr marL="0" indent="0">
+              <a:buNone/>
+            </a:pPr>
+            <a:r>
+              <a:rPr lang="en-US" b="1" dirty="0">
+                <a:latin typeface="Consolas" panose="020B0609020204030204" pitchFamily="49" charset="0"/>
+              </a:rPr>
+              <a:t>  public static void Main()</a:t>
+            </a:r>
+          </a:p>
+          <a:p>
+            <a:pPr marL="0" indent="0">
+              <a:buNone/>
+            </a:pPr>
+            <a:r>
+              <a:rPr lang="en-US" b="1" dirty="0">
+                <a:latin typeface="Consolas" panose="020B0609020204030204" pitchFamily="49" charset="0"/>
+              </a:rPr>
+              <a:t>  {</a:t>
+            </a:r>
+          </a:p>
+          <a:p>
+            <a:pPr marL="0" indent="0">
+              <a:buNone/>
+            </a:pPr>
+            <a:r>
+              <a:rPr lang="en-US" b="1" dirty="0">
+                <a:latin typeface="Consolas" panose="020B0609020204030204" pitchFamily="49" charset="0"/>
+              </a:rPr>
+              <a:t>    int[] </a:t>
+            </a:r>
+            <a:r>
+              <a:rPr lang="en-US" b="1" dirty="0">
+                <a:solidFill>
+                  <a:schemeClr val="tx2">
+                    <a:lumMod val="50000"/>
+                  </a:schemeClr>
+                </a:solidFill>
+                <a:latin typeface="Consolas" panose="020B0609020204030204" pitchFamily="49" charset="0"/>
+              </a:rPr>
+              <a:t>source</a:t>
+            </a:r>
+            <a:r>
+              <a:rPr lang="en-US" b="1" dirty="0">
+                <a:latin typeface="Consolas" panose="020B0609020204030204" pitchFamily="49" charset="0"/>
+              </a:rPr>
+              <a:t> = new int[] {1,2,3};</a:t>
+            </a:r>
+          </a:p>
+          <a:p>
+            <a:pPr marL="0" indent="0">
+              <a:buNone/>
+            </a:pPr>
+            <a:r>
+              <a:rPr lang="en-US" b="1" dirty="0">
+                <a:latin typeface="Consolas" panose="020B0609020204030204" pitchFamily="49" charset="0"/>
+              </a:rPr>
+              <a:t>    int[] </a:t>
+            </a:r>
+            <a:r>
+              <a:rPr lang="en-US" b="1" dirty="0">
+                <a:solidFill>
+                  <a:schemeClr val="tx2">
+                    <a:lumMod val="50000"/>
+                  </a:schemeClr>
+                </a:solidFill>
+                <a:latin typeface="Consolas" panose="020B0609020204030204" pitchFamily="49" charset="0"/>
+              </a:rPr>
+              <a:t>destination</a:t>
+            </a:r>
+            <a:r>
+              <a:rPr lang="en-US" b="1" dirty="0">
+                <a:latin typeface="Consolas" panose="020B0609020204030204" pitchFamily="49" charset="0"/>
+              </a:rPr>
+              <a:t> = new int[] { 2,</a:t>
+            </a:r>
+            <a:r>
+              <a:rPr lang="bg-BG" b="1" dirty="0">
+                <a:latin typeface="Consolas" panose="020B0609020204030204" pitchFamily="49" charset="0"/>
+              </a:rPr>
+              <a:t> </a:t>
+            </a:r>
+            <a:r>
+              <a:rPr lang="en-US" b="1" dirty="0">
+                <a:latin typeface="Consolas" panose="020B0609020204030204" pitchFamily="49" charset="0"/>
+              </a:rPr>
+              <a:t>4,</a:t>
+            </a:r>
+            <a:r>
+              <a:rPr lang="bg-BG" b="1" dirty="0">
+                <a:latin typeface="Consolas" panose="020B0609020204030204" pitchFamily="49" charset="0"/>
+              </a:rPr>
+              <a:t> </a:t>
+            </a:r>
+            <a:r>
+              <a:rPr lang="en-US" b="1" dirty="0">
+                <a:latin typeface="Consolas" panose="020B0609020204030204" pitchFamily="49" charset="0"/>
+              </a:rPr>
+              <a:t>-5,</a:t>
+            </a:r>
+            <a:r>
+              <a:rPr lang="bg-BG" b="1" dirty="0">
+                <a:latin typeface="Consolas" panose="020B0609020204030204" pitchFamily="49" charset="0"/>
+              </a:rPr>
+              <a:t> </a:t>
+            </a:r>
+            <a:r>
+              <a:rPr lang="en-US" b="1" dirty="0">
+                <a:latin typeface="Consolas" panose="020B0609020204030204" pitchFamily="49" charset="0"/>
+              </a:rPr>
+              <a:t>1,</a:t>
+            </a:r>
+            <a:r>
+              <a:rPr lang="bg-BG" b="1" dirty="0">
+                <a:latin typeface="Consolas" panose="020B0609020204030204" pitchFamily="49" charset="0"/>
+              </a:rPr>
+              <a:t> </a:t>
+            </a:r>
+            <a:r>
+              <a:rPr lang="en-US" b="1" dirty="0">
+                <a:latin typeface="Consolas" panose="020B0609020204030204" pitchFamily="49" charset="0"/>
+              </a:rPr>
+              <a:t>10</a:t>
+            </a:r>
+            <a:r>
+              <a:rPr lang="bg-BG" b="1" dirty="0">
+                <a:latin typeface="Consolas" panose="020B0609020204030204" pitchFamily="49" charset="0"/>
+              </a:rPr>
+              <a:t> </a:t>
+            </a:r>
+            <a:r>
+              <a:rPr lang="en-US" b="1" dirty="0">
+                <a:latin typeface="Consolas" panose="020B0609020204030204" pitchFamily="49" charset="0"/>
+              </a:rPr>
+              <a:t>};	</a:t>
+            </a:r>
+          </a:p>
+          <a:p>
+            <a:pPr marL="0" indent="0">
+              <a:buNone/>
+            </a:pPr>
+            <a:r>
+              <a:rPr lang="en-US" b="1" dirty="0">
+                <a:latin typeface="Consolas" panose="020B0609020204030204" pitchFamily="49" charset="0"/>
+              </a:rPr>
+              <a:t>    </a:t>
+            </a:r>
+            <a:r>
+              <a:rPr lang="en-US" b="1" dirty="0">
+                <a:solidFill>
+                  <a:schemeClr val="tx2">
+                    <a:lumMod val="50000"/>
+                  </a:schemeClr>
+                </a:solidFill>
+                <a:latin typeface="Consolas" panose="020B0609020204030204" pitchFamily="49" charset="0"/>
+              </a:rPr>
+              <a:t>source</a:t>
+            </a:r>
+            <a:r>
+              <a:rPr lang="en-US" b="1" dirty="0">
+                <a:latin typeface="Consolas" panose="020B0609020204030204" pitchFamily="49" charset="0"/>
+              </a:rPr>
+              <a:t>.CopyTo(</a:t>
+            </a:r>
+            <a:r>
+              <a:rPr lang="bg-BG" b="1" dirty="0">
+                <a:latin typeface="Consolas" panose="020B0609020204030204" pitchFamily="49" charset="0"/>
+              </a:rPr>
+              <a:t> </a:t>
+            </a:r>
+            <a:r>
+              <a:rPr lang="en-US" b="1" dirty="0">
+                <a:solidFill>
+                  <a:schemeClr val="tx2">
+                    <a:lumMod val="50000"/>
+                  </a:schemeClr>
+                </a:solidFill>
+                <a:latin typeface="Consolas" panose="020B0609020204030204" pitchFamily="49" charset="0"/>
+              </a:rPr>
+              <a:t>destination</a:t>
+            </a:r>
+            <a:r>
+              <a:rPr lang="en-US" b="1" dirty="0">
+                <a:latin typeface="Consolas" panose="020B0609020204030204" pitchFamily="49" charset="0"/>
+              </a:rPr>
+              <a:t>,</a:t>
+            </a:r>
+            <a:r>
+              <a:rPr lang="bg-BG" b="1" dirty="0">
+                <a:latin typeface="Consolas" panose="020B0609020204030204" pitchFamily="49" charset="0"/>
+              </a:rPr>
+              <a:t> </a:t>
+            </a:r>
+            <a:r>
+              <a:rPr lang="en-US" b="1" dirty="0">
+                <a:latin typeface="Consolas" panose="020B0609020204030204" pitchFamily="49" charset="0"/>
+              </a:rPr>
+              <a:t>1</a:t>
+            </a:r>
+            <a:r>
+              <a:rPr lang="bg-BG" b="1" dirty="0">
+                <a:latin typeface="Consolas" panose="020B0609020204030204" pitchFamily="49" charset="0"/>
+              </a:rPr>
+              <a:t> </a:t>
+            </a:r>
+            <a:r>
+              <a:rPr lang="en-US" b="1" dirty="0">
+                <a:latin typeface="Consolas" panose="020B0609020204030204" pitchFamily="49" charset="0"/>
+              </a:rPr>
+              <a:t>);</a:t>
+            </a:r>
+          </a:p>
+          <a:p>
+            <a:pPr marL="0" indent="0">
+              <a:buNone/>
+            </a:pPr>
+            <a:r>
+              <a:rPr lang="en-US" b="1" dirty="0">
+                <a:latin typeface="Consolas" panose="020B0609020204030204" pitchFamily="49" charset="0"/>
+              </a:rPr>
+              <a:t>    Console.WriteLine(</a:t>
+            </a:r>
+            <a:r>
+              <a:rPr lang="bg-BG" b="1" dirty="0">
+                <a:latin typeface="Consolas" panose="020B0609020204030204" pitchFamily="49" charset="0"/>
+              </a:rPr>
+              <a:t> </a:t>
+            </a:r>
+            <a:r>
+              <a:rPr lang="en-US" b="1" dirty="0">
+                <a:latin typeface="Consolas" panose="020B0609020204030204" pitchFamily="49" charset="0"/>
+              </a:rPr>
+              <a:t>string.Join(" ",</a:t>
+            </a:r>
+            <a:r>
+              <a:rPr lang="bg-BG" b="1" dirty="0">
+                <a:latin typeface="Consolas" panose="020B0609020204030204" pitchFamily="49" charset="0"/>
+              </a:rPr>
+              <a:t> </a:t>
+            </a:r>
+            <a:r>
+              <a:rPr lang="en-US" b="1" dirty="0">
+                <a:latin typeface="Consolas" panose="020B0609020204030204" pitchFamily="49" charset="0"/>
+              </a:rPr>
+              <a:t>destination</a:t>
+            </a:r>
+            <a:r>
+              <a:rPr lang="bg-BG" b="1" dirty="0">
+                <a:latin typeface="Consolas" panose="020B0609020204030204" pitchFamily="49" charset="0"/>
+              </a:rPr>
+              <a:t> </a:t>
+            </a:r>
+            <a:r>
+              <a:rPr lang="en-US" b="1" dirty="0">
+                <a:latin typeface="Consolas" panose="020B0609020204030204" pitchFamily="49" charset="0"/>
+              </a:rPr>
+              <a:t>)</a:t>
+            </a:r>
+            <a:r>
+              <a:rPr lang="bg-BG" b="1" dirty="0">
+                <a:latin typeface="Consolas" panose="020B0609020204030204" pitchFamily="49" charset="0"/>
+              </a:rPr>
+              <a:t> </a:t>
+            </a:r>
+            <a:r>
+              <a:rPr lang="en-US" b="1" dirty="0">
+                <a:latin typeface="Consolas" panose="020B0609020204030204" pitchFamily="49" charset="0"/>
+              </a:rPr>
+              <a:t>);</a:t>
+            </a:r>
+          </a:p>
+          <a:p>
+            <a:pPr marL="0" indent="0">
+              <a:buNone/>
+            </a:pPr>
+            <a:r>
+              <a:rPr lang="en-US" b="1" dirty="0">
+                <a:latin typeface="Consolas" panose="020B0609020204030204" pitchFamily="49" charset="0"/>
+              </a:rPr>
+              <a:t>  }</a:t>
+            </a:r>
+          </a:p>
+          <a:p>
+            <a:pPr marL="0" indent="0">
+              <a:buNone/>
+            </a:pPr>
+            <a:r>
+              <a:rPr lang="en-US" b="1" dirty="0">
+                <a:latin typeface="Consolas" panose="020B0609020204030204" pitchFamily="49" charset="0"/>
+              </a:rPr>
+              <a:t>}</a:t>
+            </a:r>
+            <a:endParaRPr lang="bg-BG" b="1" dirty="0">
+              <a:latin typeface="Consolas" panose="020B0609020204030204" pitchFamily="49" charset="0"/>
+            </a:endParaRPr>
+          </a:p>
+        </p:txBody>
+      </p:sp>
+      <p:sp>
+        <p:nvSpPr>
+          <p:cNvPr id="24" name="Rectangle 5">
+            <a:extLst>
+              <a:ext uri="{FF2B5EF4-FFF2-40B4-BE49-F238E27FC236}">
+                <a16:creationId xmlns:a16="http://schemas.microsoft.com/office/drawing/2014/main" id="{B6039403-F96B-47CD-B90A-D7FB686B6CB4}"/>
+              </a:ext>
+            </a:extLst>
+          </p:cNvPr>
+          <p:cNvSpPr>
+            <a:spLocks noChangeArrowheads="1"/>
+          </p:cNvSpPr>
+          <p:nvPr/>
+        </p:nvSpPr>
+        <p:spPr bwMode="auto">
+          <a:xfrm>
+            <a:off x="188815" y="1162206"/>
+            <a:ext cx="11544397" cy="5559270"/>
+          </a:xfrm>
+          <a:prstGeom prst="rect">
+            <a:avLst/>
+          </a:prstGeom>
+          <a:solidFill>
+            <a:schemeClr val="accent5">
+              <a:lumMod val="40000"/>
+              <a:lumOff val="60000"/>
+              <a:alpha val="20000"/>
+            </a:schemeClr>
+          </a:solidFill>
+          <a:ln w="12700">
+            <a:solidFill>
+              <a:schemeClr val="accent5">
+                <a:lumMod val="60000"/>
+                <a:lumOff val="40000"/>
+              </a:schemeClr>
+            </a:solidFill>
+          </a:ln>
+        </p:spPr>
+        <p:txBody>
+          <a:bodyPr wrap="square" lIns="144000" tIns="72000" rIns="144000" bIns="72000">
+            <a:spAutoFit/>
+          </a:bodyPr>
+          <a:lstStyle/>
+          <a:p>
+            <a:pPr>
+              <a:buClr>
+                <a:srgbClr val="F2B254"/>
+              </a:buClr>
+              <a:buSzPct val="100000"/>
+            </a:pPr>
+            <a:endParaRPr lang="en-US" sz="2800" b="1" noProof="1">
+              <a:solidFill>
+                <a:srgbClr val="FBEEDC"/>
+              </a:solidFill>
+              <a:effectLst>
+                <a:outerShdw blurRad="38100" dist="38100" dir="2700000" algn="tl">
+                  <a:srgbClr val="000000">
+                    <a:alpha val="43137"/>
+                  </a:srgbClr>
+                </a:outerShdw>
+              </a:effectLst>
+              <a:latin typeface="Consolas" pitchFamily="49" charset="0"/>
+              <a:cs typeface="Consolas" pitchFamily="49" charset="0"/>
+            </a:endParaRPr>
+          </a:p>
+        </p:txBody>
+      </p:sp>
       <p:sp>
         <p:nvSpPr>
           <p:cNvPr id="20" name="Rounded Rectangle 19"/>
@@ -16796,354 +17767,6 @@
               </a:effectLst>
               <a:latin typeface="Consolas" pitchFamily="49" charset="0"/>
               <a:cs typeface="Consolas" pitchFamily="49" charset="0"/>
-            </a:endParaRPr>
-          </a:p>
-        </p:txBody>
-      </p:sp>
-      <p:sp>
-        <p:nvSpPr>
-          <p:cNvPr id="428035" name="Rectangle 3"/>
-          <p:cNvSpPr>
-            <a:spLocks noGrp="1" noChangeArrowheads="1"/>
-          </p:cNvSpPr>
-          <p:nvPr>
-            <p:ph idx="1"/>
-          </p:nvPr>
-        </p:nvSpPr>
-        <p:spPr/>
-        <p:txBody>
-          <a:bodyPr>
-            <a:normAutofit fontScale="77500" lnSpcReduction="20000"/>
-          </a:bodyPr>
-          <a:lstStyle/>
-          <a:p>
-            <a:pPr marL="0" indent="0">
-              <a:buNone/>
-            </a:pPr>
-            <a:r>
-              <a:rPr lang="en-US" b="1" dirty="0">
-                <a:latin typeface="Consolas" panose="020B0609020204030204" pitchFamily="49" charset="0"/>
-              </a:rPr>
-              <a:t>using System;</a:t>
-            </a:r>
-          </a:p>
-          <a:p>
-            <a:pPr marL="0" indent="0">
-              <a:buNone/>
-            </a:pPr>
-            <a:r>
-              <a:rPr lang="en-US" b="1" dirty="0">
-                <a:latin typeface="Consolas" panose="020B0609020204030204" pitchFamily="49" charset="0"/>
-              </a:rPr>
-              <a:t>public class Program</a:t>
-            </a:r>
-          </a:p>
-          <a:p>
-            <a:pPr marL="0" indent="0">
-              <a:buNone/>
-            </a:pPr>
-            <a:r>
-              <a:rPr lang="en-US" b="1" dirty="0">
-                <a:latin typeface="Consolas" panose="020B0609020204030204" pitchFamily="49" charset="0"/>
-              </a:rPr>
-              <a:t>{</a:t>
-            </a:r>
-          </a:p>
-          <a:p>
-            <a:pPr marL="0" indent="0">
-              <a:buNone/>
-            </a:pPr>
-            <a:r>
-              <a:rPr lang="en-US" b="1" dirty="0">
-                <a:latin typeface="Consolas" panose="020B0609020204030204" pitchFamily="49" charset="0"/>
-              </a:rPr>
-              <a:t>  public static void Main()</a:t>
-            </a:r>
-          </a:p>
-          <a:p>
-            <a:pPr marL="0" indent="0">
-              <a:buNone/>
-            </a:pPr>
-            <a:r>
-              <a:rPr lang="en-US" b="1" dirty="0">
-                <a:latin typeface="Consolas" panose="020B0609020204030204" pitchFamily="49" charset="0"/>
-              </a:rPr>
-              <a:t>  {</a:t>
-            </a:r>
-          </a:p>
-          <a:p>
-            <a:pPr marL="0" indent="0">
-              <a:buNone/>
-            </a:pPr>
-            <a:r>
-              <a:rPr lang="en-US" b="1" dirty="0">
-                <a:latin typeface="Consolas" panose="020B0609020204030204" pitchFamily="49" charset="0"/>
-              </a:rPr>
-              <a:t>    int[] </a:t>
-            </a:r>
-            <a:r>
-              <a:rPr lang="en-US" b="1" dirty="0">
-                <a:solidFill>
-                  <a:schemeClr val="tx2">
-                    <a:lumMod val="50000"/>
-                  </a:schemeClr>
-                </a:solidFill>
-                <a:latin typeface="Consolas" panose="020B0609020204030204" pitchFamily="49" charset="0"/>
-              </a:rPr>
-              <a:t>source</a:t>
-            </a:r>
-            <a:r>
-              <a:rPr lang="en-US" b="1" dirty="0">
-                <a:latin typeface="Consolas" panose="020B0609020204030204" pitchFamily="49" charset="0"/>
-              </a:rPr>
-              <a:t> = new int[] {1,2,3};</a:t>
-            </a:r>
-          </a:p>
-          <a:p>
-            <a:pPr marL="0" indent="0">
-              <a:buNone/>
-            </a:pPr>
-            <a:r>
-              <a:rPr lang="en-US" b="1" dirty="0">
-                <a:latin typeface="Consolas" panose="020B0609020204030204" pitchFamily="49" charset="0"/>
-              </a:rPr>
-              <a:t>    int[] </a:t>
-            </a:r>
-            <a:r>
-              <a:rPr lang="en-US" b="1" dirty="0">
-                <a:solidFill>
-                  <a:schemeClr val="tx2">
-                    <a:lumMod val="50000"/>
-                  </a:schemeClr>
-                </a:solidFill>
-                <a:latin typeface="Consolas" panose="020B0609020204030204" pitchFamily="49" charset="0"/>
-              </a:rPr>
-              <a:t>destination</a:t>
-            </a:r>
-            <a:r>
-              <a:rPr lang="en-US" b="1" dirty="0">
-                <a:latin typeface="Consolas" panose="020B0609020204030204" pitchFamily="49" charset="0"/>
-              </a:rPr>
-              <a:t> = new int[] { 2,</a:t>
-            </a:r>
-            <a:r>
-              <a:rPr lang="bg-BG" b="1" dirty="0">
-                <a:latin typeface="Consolas" panose="020B0609020204030204" pitchFamily="49" charset="0"/>
-              </a:rPr>
-              <a:t> </a:t>
-            </a:r>
-            <a:r>
-              <a:rPr lang="en-US" b="1" dirty="0">
-                <a:latin typeface="Consolas" panose="020B0609020204030204" pitchFamily="49" charset="0"/>
-              </a:rPr>
-              <a:t>4,</a:t>
-            </a:r>
-            <a:r>
-              <a:rPr lang="bg-BG" b="1" dirty="0">
-                <a:latin typeface="Consolas" panose="020B0609020204030204" pitchFamily="49" charset="0"/>
-              </a:rPr>
-              <a:t> </a:t>
-            </a:r>
-            <a:r>
-              <a:rPr lang="en-US" b="1" dirty="0">
-                <a:latin typeface="Consolas" panose="020B0609020204030204" pitchFamily="49" charset="0"/>
-              </a:rPr>
-              <a:t>-5,</a:t>
-            </a:r>
-            <a:r>
-              <a:rPr lang="bg-BG" b="1" dirty="0">
-                <a:latin typeface="Consolas" panose="020B0609020204030204" pitchFamily="49" charset="0"/>
-              </a:rPr>
-              <a:t> </a:t>
-            </a:r>
-            <a:r>
-              <a:rPr lang="en-US" b="1" dirty="0">
-                <a:latin typeface="Consolas" panose="020B0609020204030204" pitchFamily="49" charset="0"/>
-              </a:rPr>
-              <a:t>1,</a:t>
-            </a:r>
-            <a:r>
-              <a:rPr lang="bg-BG" b="1" dirty="0">
-                <a:latin typeface="Consolas" panose="020B0609020204030204" pitchFamily="49" charset="0"/>
-              </a:rPr>
-              <a:t> </a:t>
-            </a:r>
-            <a:r>
-              <a:rPr lang="en-US" b="1" dirty="0">
-                <a:latin typeface="Consolas" panose="020B0609020204030204" pitchFamily="49" charset="0"/>
-              </a:rPr>
-              <a:t>10</a:t>
-            </a:r>
-            <a:r>
-              <a:rPr lang="bg-BG" b="1" dirty="0">
-                <a:latin typeface="Consolas" panose="020B0609020204030204" pitchFamily="49" charset="0"/>
-              </a:rPr>
-              <a:t> </a:t>
-            </a:r>
-            <a:r>
-              <a:rPr lang="en-US" b="1" dirty="0">
-                <a:latin typeface="Consolas" panose="020B0609020204030204" pitchFamily="49" charset="0"/>
-              </a:rPr>
-              <a:t>};	</a:t>
-            </a:r>
-          </a:p>
-          <a:p>
-            <a:pPr marL="0" indent="0">
-              <a:buNone/>
-            </a:pPr>
-            <a:r>
-              <a:rPr lang="en-US" b="1" dirty="0">
-                <a:latin typeface="Consolas" panose="020B0609020204030204" pitchFamily="49" charset="0"/>
-              </a:rPr>
-              <a:t>    </a:t>
-            </a:r>
-            <a:r>
-              <a:rPr lang="en-US" b="1" dirty="0">
-                <a:solidFill>
-                  <a:schemeClr val="tx2">
-                    <a:lumMod val="50000"/>
-                  </a:schemeClr>
-                </a:solidFill>
-                <a:latin typeface="Consolas" panose="020B0609020204030204" pitchFamily="49" charset="0"/>
-              </a:rPr>
-              <a:t>source</a:t>
-            </a:r>
-            <a:r>
-              <a:rPr lang="en-US" b="1" dirty="0">
-                <a:latin typeface="Consolas" panose="020B0609020204030204" pitchFamily="49" charset="0"/>
-              </a:rPr>
-              <a:t>.CopyTo(</a:t>
-            </a:r>
-            <a:r>
-              <a:rPr lang="bg-BG" b="1" dirty="0">
-                <a:latin typeface="Consolas" panose="020B0609020204030204" pitchFamily="49" charset="0"/>
-              </a:rPr>
-              <a:t> </a:t>
-            </a:r>
-            <a:r>
-              <a:rPr lang="en-US" b="1" dirty="0">
-                <a:solidFill>
-                  <a:schemeClr val="tx2">
-                    <a:lumMod val="50000"/>
-                  </a:schemeClr>
-                </a:solidFill>
-                <a:latin typeface="Consolas" panose="020B0609020204030204" pitchFamily="49" charset="0"/>
-              </a:rPr>
-              <a:t>destination</a:t>
-            </a:r>
-            <a:r>
-              <a:rPr lang="en-US" b="1" dirty="0">
-                <a:latin typeface="Consolas" panose="020B0609020204030204" pitchFamily="49" charset="0"/>
-              </a:rPr>
-              <a:t>,</a:t>
-            </a:r>
-            <a:r>
-              <a:rPr lang="bg-BG" b="1" dirty="0">
-                <a:latin typeface="Consolas" panose="020B0609020204030204" pitchFamily="49" charset="0"/>
-              </a:rPr>
-              <a:t> </a:t>
-            </a:r>
-            <a:r>
-              <a:rPr lang="en-US" b="1" dirty="0">
-                <a:latin typeface="Consolas" panose="020B0609020204030204" pitchFamily="49" charset="0"/>
-              </a:rPr>
-              <a:t>1</a:t>
-            </a:r>
-            <a:r>
-              <a:rPr lang="bg-BG" b="1" dirty="0">
-                <a:latin typeface="Consolas" panose="020B0609020204030204" pitchFamily="49" charset="0"/>
-              </a:rPr>
-              <a:t> </a:t>
-            </a:r>
-            <a:r>
-              <a:rPr lang="en-US" b="1" dirty="0">
-                <a:latin typeface="Consolas" panose="020B0609020204030204" pitchFamily="49" charset="0"/>
-              </a:rPr>
-              <a:t>);</a:t>
-            </a:r>
-          </a:p>
-          <a:p>
-            <a:pPr marL="0" indent="0">
-              <a:buNone/>
-            </a:pPr>
-            <a:r>
-              <a:rPr lang="en-US" b="1" dirty="0">
-                <a:latin typeface="Consolas" panose="020B0609020204030204" pitchFamily="49" charset="0"/>
-              </a:rPr>
-              <a:t>    Console.WriteLine(</a:t>
-            </a:r>
-            <a:r>
-              <a:rPr lang="bg-BG" b="1" dirty="0">
-                <a:latin typeface="Consolas" panose="020B0609020204030204" pitchFamily="49" charset="0"/>
-              </a:rPr>
-              <a:t> </a:t>
-            </a:r>
-            <a:r>
-              <a:rPr lang="en-US" b="1" dirty="0">
-                <a:latin typeface="Consolas" panose="020B0609020204030204" pitchFamily="49" charset="0"/>
-              </a:rPr>
-              <a:t>string.Join(" ",</a:t>
-            </a:r>
-            <a:r>
-              <a:rPr lang="bg-BG" b="1" dirty="0">
-                <a:latin typeface="Consolas" panose="020B0609020204030204" pitchFamily="49" charset="0"/>
-              </a:rPr>
-              <a:t> </a:t>
-            </a:r>
-            <a:r>
-              <a:rPr lang="en-US" b="1" dirty="0">
-                <a:latin typeface="Consolas" panose="020B0609020204030204" pitchFamily="49" charset="0"/>
-              </a:rPr>
-              <a:t>destination</a:t>
-            </a:r>
-            <a:r>
-              <a:rPr lang="bg-BG" b="1" dirty="0">
-                <a:latin typeface="Consolas" panose="020B0609020204030204" pitchFamily="49" charset="0"/>
-              </a:rPr>
-              <a:t> </a:t>
-            </a:r>
-            <a:r>
-              <a:rPr lang="en-US" b="1" dirty="0">
-                <a:latin typeface="Consolas" panose="020B0609020204030204" pitchFamily="49" charset="0"/>
-              </a:rPr>
-              <a:t>)</a:t>
-            </a:r>
-            <a:r>
-              <a:rPr lang="bg-BG" b="1" dirty="0">
-                <a:latin typeface="Consolas" panose="020B0609020204030204" pitchFamily="49" charset="0"/>
-              </a:rPr>
-              <a:t> </a:t>
-            </a:r>
-            <a:r>
-              <a:rPr lang="en-US" b="1" dirty="0">
-                <a:latin typeface="Consolas" panose="020B0609020204030204" pitchFamily="49" charset="0"/>
-              </a:rPr>
-              <a:t>);</a:t>
-            </a:r>
-          </a:p>
-          <a:p>
-            <a:pPr marL="0" indent="0">
-              <a:buNone/>
-            </a:pPr>
-            <a:r>
-              <a:rPr lang="en-US" b="1" dirty="0">
-                <a:latin typeface="Consolas" panose="020B0609020204030204" pitchFamily="49" charset="0"/>
-              </a:rPr>
-              <a:t>  }</a:t>
-            </a:r>
-          </a:p>
-          <a:p>
-            <a:pPr marL="0" indent="0">
-              <a:buNone/>
-            </a:pPr>
-            <a:r>
-              <a:rPr lang="en-US" b="1" dirty="0">
-                <a:latin typeface="Consolas" panose="020B0609020204030204" pitchFamily="49" charset="0"/>
-              </a:rPr>
-              <a:t>}</a:t>
-            </a:r>
-            <a:endParaRPr lang="bg-BG" b="1" dirty="0">
-              <a:latin typeface="Consolas" panose="020B0609020204030204" pitchFamily="49" charset="0"/>
             </a:endParaRPr>
           </a:p>
         </p:txBody>
@@ -19353,6 +19976,9 @@
                     <p:cTn id="3" fill="hold">
                       <p:stCondLst>
                         <p:cond delay="indefinite"/>
+                        <p:cond evt="onBegin" delay="0">
+                          <p:tn val="2"/>
+                        </p:cond>
                       </p:stCondLst>
                       <p:childTnLst>
                         <p:par>
@@ -19362,7 +19988,7 @@
                             </p:stCondLst>
                             <p:childTnLst>
                               <p:par>
-                                <p:cTn id="5" presetID="1" presetClass="entr" presetSubtype="0" fill="hold" grpId="0" nodeType="clickEffect">
+                                <p:cTn id="5" presetID="1" presetClass="entr" presetSubtype="0" fill="hold" grpId="0" nodeType="withEffect">
                                   <p:stCondLst>
                                     <p:cond delay="0"/>
                                   </p:stCondLst>
@@ -19375,11 +20001,7 @@
                                           </p:stCondLst>
                                         </p:cTn>
                                         <p:tgtEl>
-                                          <p:spTgt spid="428035">
-                                            <p:txEl>
-                                              <p:pRg st="0" end="0"/>
-                                            </p:txEl>
-                                          </p:spTgt>
+                                          <p:spTgt spid="24"/>
                                         </p:tgtEl>
                                         <p:attrNameLst>
                                           <p:attrName>style.visibility</p:attrName>
@@ -19393,10 +20015,15 @@
                                 </p:cTn>
                               </p:par>
                               <p:par>
-                                <p:cTn id="7" presetID="1" presetClass="entr" presetSubtype="0" fill="hold" grpId="0" nodeType="withEffect">
+                                <p:cTn id="7" presetID="1" presetClass="entr" presetSubtype="0" fill="hold" nodeType="withEffect" nodePh="1">
                                   <p:stCondLst>
                                     <p:cond delay="0"/>
                                   </p:stCondLst>
+                                  <p:endCondLst>
+                                    <p:cond evt="begin" delay="0">
+                                      <p:tn val="7"/>
+                                    </p:cond>
+                                  </p:endCondLst>
                                   <p:childTnLst>
                                     <p:set>
                                       <p:cBhvr>
@@ -19406,9 +20033,9 @@
                                           </p:stCondLst>
                                         </p:cTn>
                                         <p:tgtEl>
-                                          <p:spTgt spid="428035">
+                                          <p:spTgt spid="24">
                                             <p:txEl>
-                                              <p:pRg st="1" end="1"/>
+                                              <p:pRg st="0" end="0"/>
                                             </p:txEl>
                                           </p:spTgt>
                                         </p:tgtEl>
@@ -19439,7 +20066,7 @@
                                         <p:tgtEl>
                                           <p:spTgt spid="428035">
                                             <p:txEl>
-                                              <p:pRg st="2" end="2"/>
+                                              <p:pRg st="0" end="0"/>
                                             </p:txEl>
                                           </p:spTgt>
                                         </p:tgtEl>
@@ -19470,7 +20097,7 @@
                                         <p:tgtEl>
                                           <p:spTgt spid="428035">
                                             <p:txEl>
-                                              <p:pRg st="3" end="3"/>
+                                              <p:pRg st="1" end="1"/>
                                             </p:txEl>
                                           </p:spTgt>
                                         </p:tgtEl>
@@ -19501,6 +20128,68 @@
                                         <p:tgtEl>
                                           <p:spTgt spid="428035">
                                             <p:txEl>
+                                              <p:pRg st="2" end="2"/>
+                                            </p:txEl>
+                                          </p:spTgt>
+                                        </p:tgtEl>
+                                        <p:attrNameLst>
+                                          <p:attrName>style.visibility</p:attrName>
+                                        </p:attrNameLst>
+                                      </p:cBhvr>
+                                      <p:to>
+                                        <p:strVal val="visible"/>
+                                      </p:to>
+                                    </p:set>
+                                  </p:childTnLst>
+                                </p:cTn>
+                              </p:par>
+                              <p:par>
+                                <p:cTn id="15" presetID="1" presetClass="entr" presetSubtype="0" fill="hold" grpId="0" nodeType="withEffect">
+                                  <p:stCondLst>
+                                    <p:cond delay="0"/>
+                                  </p:stCondLst>
+                                  <p:childTnLst>
+                                    <p:set>
+                                      <p:cBhvr>
+                                        <p:cTn id="16" dur="1" fill="hold">
+                                          <p:stCondLst>
+                                            <p:cond delay="0"/>
+                                          </p:stCondLst>
+                                        </p:cTn>
+                                        <p:tgtEl>
+                                          <p:spTgt spid="428035">
+                                            <p:txEl>
+                                              <p:pRg st="3" end="3"/>
+                                            </p:txEl>
+                                          </p:spTgt>
+                                        </p:tgtEl>
+                                        <p:attrNameLst>
+                                          <p:attrName>style.visibility</p:attrName>
+                                        </p:attrNameLst>
+                                      </p:cBhvr>
+                                      <p:to>
+                                        <p:strVal val="visible"/>
+                                      </p:to>
+                                    </p:set>
+                                  </p:childTnLst>
+                                </p:cTn>
+                              </p:par>
+                              <p:par>
+                                <p:cTn id="17" presetID="1" presetClass="entr" presetSubtype="0" fill="hold" grpId="0" nodeType="withEffect">
+                                  <p:stCondLst>
+                                    <p:cond delay="0"/>
+                                  </p:stCondLst>
+                                  <p:childTnLst>
+                                    <p:set>
+                                      <p:cBhvr>
+                                        <p:cTn id="18" dur="1" fill="hold">
+                                          <p:stCondLst>
+                                            <p:cond delay="0"/>
+                                          </p:stCondLst>
+                                        </p:cTn>
+                                        <p:tgtEl>
+                                          <p:spTgt spid="428035">
+                                            <p:txEl>
                                               <p:pRg st="4" end="4"/>
                                             </p:txEl>
                                           </p:spTgt>
@@ -19523,26 +20212,26 @@
                     </p:cTn>
                   </p:par>
                   <p:par>
-                    <p:cTn id="15" fill="hold">
+                    <p:cTn id="19" fill="hold">
                       <p:stCondLst>
                         <p:cond delay="indefinite"/>
                       </p:stCondLst>
                       <p:childTnLst>
                         <p:par>
-                          <p:cTn id="16" fill="hold">
+                          <p:cTn id="20" fill="hold">
                             <p:stCondLst>
                               <p:cond delay="0"/>
                             </p:stCondLst>
                             <p:childTnLst>
                               <p:par>
-                                <p:cTn id="17" presetID="1" presetClass="entr" presetSubtype="0" fill="hold" grpId="0" nodeType="clickEffect">
+                                <p:cTn id="21" presetID="1" presetClass="entr" presetSubtype="0" fill="hold" grpId="0" nodeType="clickEffect">
                                   <p:stCondLst>
                                     <p:cond delay="0"/>
                                   </p:stCondLst>
                                   <p:childTnLst>
                                     <p:set>
                                       <p:cBhvr>
-                                        <p:cTn id="18" dur="1" fill="hold">
+                                        <p:cTn id="22" dur="1" fill="hold">
                                           <p:stCondLst>
                                             <p:cond delay="0"/>
                                           </p:stCondLst>
@@ -19566,61 +20255,7 @@
                                 </p:cTn>
                               </p:par>
                               <p:par>
-                                <p:cTn id="19" presetID="1" presetClass="entr" presetSubtype="0" fill="hold" nodeType="withEffect">
-                                  <p:stCondLst>
-                                    <p:cond delay="0"/>
-                                  </p:stCondLst>
-                                  <p:childTnLst>
-                                    <p:set>
-                                      <p:cBhvr>
-                                        <p:cTn id="20" dur="1" fill="hold">
-                                          <p:stCondLst>
-                                            <p:cond delay="0"/>
-                                          </p:stCondLst>
-                                        </p:cTn>
-                                        <p:tgtEl>
-                                          <p:spTgt spid="3"/>
-                                        </p:tgtEl>
-                                        <p:attrNameLst>
-                                          <p:attrName>style.visibility</p:attrName>
-                                        </p:attrNameLst>
-                                      </p:cBhvr>
-                                      <p:to>
-                                        <p:strVal val="visible"/>
-                                      </p:to>
-                                    </p:set>
-                                  </p:childTnLst>
-                                </p:cTn>
-                              </p:par>
-                              <p:par>
-                                <p:cTn id="21" presetID="1" presetClass="entr" presetSubtype="0" fill="hold" grpId="0" nodeType="withEffect">
-                                  <p:stCondLst>
-                                    <p:cond delay="0"/>
-                                  </p:stCondLst>
-                                  <p:childTnLst>
-                                    <p:set>
-                                      <p:cBhvr>
-                                        <p:cTn id="22" dur="1" fill="hold">
-                                          <p:stCondLst>
-                                            <p:cond delay="0"/>
-                                          </p:stCondLst>
-                                        </p:cTn>
-                                        <p:tgtEl>
-                                          <p:spTgt spid="23"/>
-                                        </p:tgtEl>
-                                        <p:attrNameLst>
-                                          <p:attrName>style.visibility</p:attrName>
-                                        </p:attrNameLst>
-                                      </p:cBhvr>
-                                      <p:to>
-                                        <p:strVal val="visible"/>
-                                      </p:to>
-                                    </p:set>
-                                  </p:childTnLst>
-                                </p:cTn>
-                              </p:par>
-                              <p:par>
-                                <p:cTn id="23" presetID="1" presetClass="entr" presetSubtype="0" fill="hold" grpId="0" nodeType="withEffect">
+                                <p:cTn id="23" presetID="1" presetClass="entr" presetSubtype="0" fill="hold" nodeType="withEffect">
                                   <p:stCondLst>
                                     <p:cond delay="0"/>
                                   </p:stCondLst>
@@ -19633,7 +20268,7 @@
                                           </p:stCondLst>
                                         </p:cTn>
                                         <p:tgtEl>
-                                          <p:spTgt spid="13"/>
+                                          <p:spTgt spid="3"/>
                                         </p:tgtEl>
                                         <p:attrNameLst>
                                           <p:attrName>style.visibility</p:attrName>
@@ -19660,6 +20295,60 @@
                                           </p:stCondLst>
                                         </p:cTn>
                                         <p:tgtEl>
+                                          <p:spTgt spid="23"/>
+                                        </p:tgtEl>
+                                        <p:attrNameLst>
+                                          <p:attrName>style.visibility</p:attrName>
+                                        </p:attrNameLst>
+                                      </p:cBhvr>
+                                      <p:to>
+                                        <p:strVal val="visible"/>
+                                      </p:to>
+                                    </p:set>
+                                  </p:childTnLst>
+                                </p:cTn>
+                              </p:par>
+                              <p:par>
+                                <p:cTn id="27" presetID="1" presetClass="entr" presetSubtype="0" fill="hold" grpId="0" nodeType="withEffect">
+                                  <p:stCondLst>
+                                    <p:cond delay="0"/>
+                                  </p:stCondLst>
+                                  <p:childTnLst>
+                                    <p:set>
+                                      <p:cBhvr>
+                                        <p:cTn id="28" dur="1" fill="hold">
+                                          <p:stCondLst>
+                                            <p:cond delay="0"/>
+                                          </p:stCondLst>
+                                        </p:cTn>
+                                        <p:tgtEl>
+                                          <p:spTgt spid="13"/>
+                                        </p:tgtEl>
+                                        <p:attrNameLst>
+                                          <p:attrName>style.visibility</p:attrName>
+                                        </p:attrNameLst>
+                                      </p:cBhvr>
+                                      <p:to>
+                                        <p:strVal val="visible"/>
+                                      </p:to>
+                                    </p:set>
+                                  </p:childTnLst>
+                                </p:cTn>
+                              </p:par>
+                              <p:par>
+                                <p:cTn id="29" presetID="1" presetClass="entr" presetSubtype="0" fill="hold" grpId="0" nodeType="withEffect">
+                                  <p:stCondLst>
+                                    <p:cond delay="0"/>
+                                  </p:stCondLst>
+                                  <p:childTnLst>
+                                    <p:set>
+                                      <p:cBhvr>
+                                        <p:cTn id="30" dur="1" fill="hold">
+                                          <p:stCondLst>
+                                            <p:cond delay="0"/>
+                                          </p:stCondLst>
+                                        </p:cTn>
+                                        <p:tgtEl>
                                           <p:spTgt spid="21"/>
                                         </p:tgtEl>
                                         <p:attrNameLst>
@@ -19680,26 +20369,26 @@
                     </p:cTn>
                   </p:par>
                   <p:par>
-                    <p:cTn id="27" fill="hold">
+                    <p:cTn id="31" fill="hold">
                       <p:stCondLst>
                         <p:cond delay="indefinite"/>
                       </p:stCondLst>
                       <p:childTnLst>
                         <p:par>
-                          <p:cTn id="28" fill="hold">
+                          <p:cTn id="32" fill="hold">
                             <p:stCondLst>
                               <p:cond delay="0"/>
                             </p:stCondLst>
                             <p:childTnLst>
                               <p:par>
-                                <p:cTn id="29" presetID="1" presetClass="entr" presetSubtype="0" fill="hold" grpId="0" nodeType="clickEffect">
+                                <p:cTn id="33" presetID="1" presetClass="entr" presetSubtype="0" fill="hold" grpId="0" nodeType="clickEffect">
                                   <p:stCondLst>
                                     <p:cond delay="0"/>
                                   </p:stCondLst>
                                   <p:childTnLst>
                                     <p:set>
                                       <p:cBhvr>
-                                        <p:cTn id="30" dur="1" fill="hold">
+                                        <p:cTn id="34" dur="1" fill="hold">
                                           <p:stCondLst>
                                             <p:cond delay="0"/>
                                           </p:stCondLst>
@@ -19723,61 +20412,7 @@
                                 </p:cTn>
                               </p:par>
                               <p:par>
-                                <p:cTn id="31" presetID="1" presetClass="entr" presetSubtype="0" fill="hold" grpId="0" nodeType="withEffect">
-                                  <p:stCondLst>
-                                    <p:cond delay="0"/>
-                                  </p:stCondLst>
-                                  <p:childTnLst>
-                                    <p:set>
-                                      <p:cBhvr>
-                                        <p:cTn id="32" dur="1" fill="hold">
-                                          <p:stCondLst>
-                                            <p:cond delay="0"/>
-                                          </p:stCondLst>
-                                        </p:cTn>
-                                        <p:tgtEl>
-                                          <p:spTgt spid="15"/>
-                                        </p:tgtEl>
-                                        <p:attrNameLst>
-                                          <p:attrName>style.visibility</p:attrName>
-                                        </p:attrNameLst>
-                                      </p:cBhvr>
-                                      <p:to>
-                                        <p:strVal val="visible"/>
-                                      </p:to>
-                                    </p:set>
-                                  </p:childTnLst>
-                                </p:cTn>
-                              </p:par>
-                              <p:par>
-                                <p:cTn id="33" presetID="1" presetClass="entr" presetSubtype="0" fill="hold" grpId="0" nodeType="withEffect">
-                                  <p:stCondLst>
-                                    <p:cond delay="0"/>
-                                  </p:stCondLst>
-                                  <p:childTnLst>
-                                    <p:set>
-                                      <p:cBhvr>
-                                        <p:cTn id="34" dur="1" fill="hold">
-                                          <p:stCondLst>
-                                            <p:cond delay="0"/>
-                                          </p:stCondLst>
-                                        </p:cTn>
-                                        <p:tgtEl>
-                                          <p:spTgt spid="14"/>
-                                        </p:tgtEl>
-                                        <p:attrNameLst>
-                                          <p:attrName>style.visibility</p:attrName>
-                                        </p:attrNameLst>
-                                      </p:cBhvr>
-                                      <p:to>
-                                        <p:strVal val="visible"/>
-                                      </p:to>
-                                    </p:set>
-                                  </p:childTnLst>
-                                </p:cTn>
-                              </p:par>
-                              <p:par>
-                                <p:cTn id="35" presetID="1" presetClass="entr" presetSubtype="0" fill="hold" nodeType="withEffect">
+                                <p:cTn id="35" presetID="1" presetClass="entr" presetSubtype="0" fill="hold" grpId="0" nodeType="withEffect">
                                   <p:stCondLst>
                                     <p:cond delay="0"/>
                                   </p:stCondLst>
@@ -19790,7 +20425,7 @@
                                           </p:stCondLst>
                                         </p:cTn>
                                         <p:tgtEl>
-                                          <p:spTgt spid="18"/>
+                                          <p:spTgt spid="15"/>
                                         </p:tgtEl>
                                         <p:attrNameLst>
                                           <p:attrName>style.visibility</p:attrName>
@@ -19817,6 +20452,60 @@
                                           </p:stCondLst>
                                         </p:cTn>
                                         <p:tgtEl>
+                                          <p:spTgt spid="14"/>
+                                        </p:tgtEl>
+                                        <p:attrNameLst>
+                                          <p:attrName>style.visibility</p:attrName>
+                                        </p:attrNameLst>
+                                      </p:cBhvr>
+                                      <p:to>
+                                        <p:strVal val="visible"/>
+                                      </p:to>
+                                    </p:set>
+                                  </p:childTnLst>
+                                </p:cTn>
+                              </p:par>
+                              <p:par>
+                                <p:cTn id="39" presetID="1" presetClass="entr" presetSubtype="0" fill="hold" nodeType="withEffect">
+                                  <p:stCondLst>
+                                    <p:cond delay="0"/>
+                                  </p:stCondLst>
+                                  <p:childTnLst>
+                                    <p:set>
+                                      <p:cBhvr>
+                                        <p:cTn id="40" dur="1" fill="hold">
+                                          <p:stCondLst>
+                                            <p:cond delay="0"/>
+                                          </p:stCondLst>
+                                        </p:cTn>
+                                        <p:tgtEl>
+                                          <p:spTgt spid="18"/>
+                                        </p:tgtEl>
+                                        <p:attrNameLst>
+                                          <p:attrName>style.visibility</p:attrName>
+                                        </p:attrNameLst>
+                                      </p:cBhvr>
+                                      <p:to>
+                                        <p:strVal val="visible"/>
+                                      </p:to>
+                                    </p:set>
+                                  </p:childTnLst>
+                                </p:cTn>
+                              </p:par>
+                              <p:par>
+                                <p:cTn id="41" presetID="1" presetClass="entr" presetSubtype="0" fill="hold" grpId="0" nodeType="withEffect">
+                                  <p:stCondLst>
+                                    <p:cond delay="0"/>
+                                  </p:stCondLst>
+                                  <p:childTnLst>
+                                    <p:set>
+                                      <p:cBhvr>
+                                        <p:cTn id="42" dur="1" fill="hold">
+                                          <p:stCondLst>
+                                            <p:cond delay="0"/>
+                                          </p:stCondLst>
+                                        </p:cTn>
+                                        <p:tgtEl>
                                           <p:spTgt spid="20"/>
                                         </p:tgtEl>
                                         <p:attrNameLst>
@@ -19837,26 +20526,26 @@
                     </p:cTn>
                   </p:par>
                   <p:par>
-                    <p:cTn id="39" fill="hold">
+                    <p:cTn id="43" fill="hold">
                       <p:stCondLst>
                         <p:cond delay="indefinite"/>
                       </p:stCondLst>
                       <p:childTnLst>
                         <p:par>
-                          <p:cTn id="40" fill="hold">
+                          <p:cTn id="44" fill="hold">
                             <p:stCondLst>
                               <p:cond delay="0"/>
                             </p:stCondLst>
                             <p:childTnLst>
                               <p:par>
-                                <p:cTn id="41" presetID="1" presetClass="entr" presetSubtype="0" fill="hold" grpId="0" nodeType="clickEffect">
+                                <p:cTn id="45" presetID="1" presetClass="entr" presetSubtype="0" fill="hold" grpId="0" nodeType="clickEffect">
                                   <p:stCondLst>
                                     <p:cond delay="0"/>
                                   </p:stCondLst>
                                   <p:childTnLst>
                                     <p:set>
                                       <p:cBhvr>
-                                        <p:cTn id="42" dur="1" fill="hold">
+                                        <p:cTn id="46" dur="1" fill="hold">
                                           <p:stCondLst>
                                             <p:cond delay="0"/>
                                           </p:stCondLst>
@@ -19880,14 +20569,14 @@
                                 </p:cTn>
                               </p:par>
                               <p:par>
-                                <p:cTn id="43" presetID="1" presetClass="entr" presetSubtype="0" fill="hold" grpId="0" nodeType="withEffect">
+                                <p:cTn id="47" presetID="1" presetClass="entr" presetSubtype="0" fill="hold" grpId="0" nodeType="withEffect">
                                   <p:stCondLst>
                                     <p:cond delay="0"/>
                                   </p:stCondLst>
                                   <p:childTnLst>
                                     <p:set>
                                       <p:cBhvr>
-                                        <p:cTn id="44" dur="1" fill="hold">
+                                        <p:cTn id="48" dur="1" fill="hold">
                                           <p:stCondLst>
                                             <p:cond delay="0"/>
                                           </p:stCondLst>
@@ -19913,26 +20602,26 @@
                     </p:cTn>
                   </p:par>
                   <p:par>
-                    <p:cTn id="45" fill="hold">
+                    <p:cTn id="49" fill="hold">
                       <p:stCondLst>
                         <p:cond delay="indefinite"/>
                       </p:stCondLst>
                       <p:childTnLst>
                         <p:par>
-                          <p:cTn id="46" fill="hold">
+                          <p:cTn id="50" fill="hold">
                             <p:stCondLst>
                               <p:cond delay="0"/>
                             </p:stCondLst>
                             <p:childTnLst>
                               <p:par>
-                                <p:cTn id="47" presetID="1" presetClass="entr" presetSubtype="0" fill="hold" grpId="0" nodeType="clickEffect">
+                                <p:cTn id="51" presetID="1" presetClass="entr" presetSubtype="0" fill="hold" grpId="0" nodeType="clickEffect">
                                   <p:stCondLst>
                                     <p:cond delay="0"/>
                                   </p:stCondLst>
                                   <p:childTnLst>
                                     <p:set>
                                       <p:cBhvr>
-                                        <p:cTn id="48" dur="1" fill="hold">
+                                        <p:cTn id="52" dur="1" fill="hold">
                                           <p:stCondLst>
                                             <p:cond delay="0"/>
                                           </p:stCondLst>
@@ -19959,20 +20648,20 @@
                           </p:cTn>
                         </p:par>
                         <p:par>
-                          <p:cTn id="49" fill="hold">
+                          <p:cTn id="53" fill="hold">
                             <p:stCondLst>
                               <p:cond delay="0"/>
                             </p:stCondLst>
                             <p:childTnLst>
                               <p:par>
-                                <p:cTn id="50" presetID="1" presetClass="entr" presetSubtype="0" fill="hold" grpId="0" nodeType="afterEffect">
+                                <p:cTn id="54" presetID="1" presetClass="entr" presetSubtype="0" fill="hold" grpId="0" nodeType="afterEffect">
                                   <p:stCondLst>
                                     <p:cond delay="0"/>
                                   </p:stCondLst>
                                   <p:childTnLst>
                                     <p:set>
                                       <p:cBhvr>
-                                        <p:cTn id="51" dur="1" fill="hold">
+                                        <p:cTn id="55" dur="1" fill="hold">
                                           <p:stCondLst>
                                             <p:cond delay="0"/>
                                           </p:stCondLst>
@@ -19999,20 +20688,20 @@
                           </p:cTn>
                         </p:par>
                         <p:par>
-                          <p:cTn id="52" fill="hold">
+                          <p:cTn id="56" fill="hold">
                             <p:stCondLst>
                               <p:cond delay="0"/>
                             </p:stCondLst>
                             <p:childTnLst>
                               <p:par>
-                                <p:cTn id="53" presetID="1" presetClass="entr" presetSubtype="0" fill="hold" grpId="0" nodeType="afterEffect">
+                                <p:cTn id="57" presetID="1" presetClass="entr" presetSubtype="0" fill="hold" grpId="0" nodeType="afterEffect">
                                   <p:stCondLst>
                                     <p:cond delay="0"/>
                                   </p:stCondLst>
                                   <p:childTnLst>
                                     <p:set>
                                       <p:cBhvr>
-                                        <p:cTn id="54" dur="1" fill="hold">
+                                        <p:cTn id="58" dur="1" fill="hold">
                                           <p:stCondLst>
                                             <p:cond delay="0"/>
                                           </p:stCondLst>
@@ -20039,20 +20728,20 @@
                           </p:cTn>
                         </p:par>
                         <p:par>
-                          <p:cTn id="55" fill="hold">
+                          <p:cTn id="59" fill="hold">
                             <p:stCondLst>
                               <p:cond delay="0"/>
                             </p:stCondLst>
                             <p:childTnLst>
                               <p:par>
-                                <p:cTn id="56" presetID="1" presetClass="entr" presetSubtype="0" fill="hold" grpId="0" nodeType="afterEffect">
+                                <p:cTn id="60" presetID="1" presetClass="entr" presetSubtype="0" fill="hold" grpId="0" nodeType="afterEffect">
                                   <p:stCondLst>
                                     <p:cond delay="0"/>
                                   </p:stCondLst>
                                   <p:childTnLst>
                                     <p:set>
                                       <p:cBhvr>
-                                        <p:cTn id="57" dur="1" fill="hold">
+                                        <p:cTn id="61" dur="1" fill="hold">
                                           <p:stCondLst>
                                             <p:cond delay="0"/>
                                           </p:stCondLst>
@@ -20075,20 +20764,20 @@
                           </p:cTn>
                         </p:par>
                         <p:par>
-                          <p:cTn id="58" fill="hold">
+                          <p:cTn id="62" fill="hold">
                             <p:stCondLst>
                               <p:cond delay="0"/>
                             </p:stCondLst>
                             <p:childTnLst>
                               <p:par>
-                                <p:cTn id="59" presetID="1" presetClass="entr" presetSubtype="0" fill="hold" grpId="0" nodeType="afterEffect">
+                                <p:cTn id="63" presetID="1" presetClass="entr" presetSubtype="0" fill="hold" grpId="0" nodeType="afterEffect">
                                   <p:stCondLst>
                                     <p:cond delay="0"/>
                                   </p:stCondLst>
                                   <p:childTnLst>
                                     <p:set>
                                       <p:cBhvr>
-                                        <p:cTn id="60" dur="1" fill="hold">
+                                        <p:cTn id="64" dur="1" fill="hold">
                                           <p:stCondLst>
                                             <p:cond delay="0"/>
                                           </p:stCondLst>
@@ -20111,20 +20800,20 @@
                           </p:cTn>
                         </p:par>
                         <p:par>
-                          <p:cTn id="61" fill="hold">
+                          <p:cTn id="65" fill="hold">
                             <p:stCondLst>
                               <p:cond delay="0"/>
                             </p:stCondLst>
                             <p:childTnLst>
                               <p:par>
-                                <p:cTn id="62" presetID="1" presetClass="entr" presetSubtype="0" fill="hold" nodeType="afterEffect">
+                                <p:cTn id="66" presetID="1" presetClass="entr" presetSubtype="0" fill="hold" nodeType="afterEffect">
                                   <p:stCondLst>
                                     <p:cond delay="0"/>
                                   </p:stCondLst>
                                   <p:childTnLst>
                                     <p:set>
                                       <p:cBhvr>
-                                        <p:cTn id="63" dur="1" fill="hold">
+                                        <p:cTn id="67" dur="1" fill="hold">
                                           <p:stCondLst>
                                             <p:cond delay="0"/>
                                           </p:stCondLst>
@@ -20147,20 +20836,20 @@
                           </p:cTn>
                         </p:par>
                         <p:par>
-                          <p:cTn id="64" fill="hold">
+                          <p:cTn id="68" fill="hold">
                             <p:stCondLst>
                               <p:cond delay="0"/>
                             </p:stCondLst>
                             <p:childTnLst>
                               <p:par>
-                                <p:cTn id="65" presetID="1" presetClass="entr" presetSubtype="0" fill="hold" grpId="0" nodeType="afterEffect">
+                                <p:cTn id="69" presetID="1" presetClass="entr" presetSubtype="0" fill="hold" grpId="0" nodeType="afterEffect">
                                   <p:stCondLst>
                                     <p:cond delay="0"/>
                                   </p:stCondLst>
                                   <p:childTnLst>
                                     <p:set>
                                       <p:cBhvr>
-                                        <p:cTn id="66" dur="1" fill="hold">
+                                        <p:cTn id="70" dur="1" fill="hold">
                                           <p:stCondLst>
                                             <p:cond delay="0"/>
                                           </p:stCondLst>
@@ -20207,8 +20896,9 @@
       </p:par>
     </p:tnLst>
     <p:bldLst>
+      <p:bldP spid="428035" grpId="0" uiExpand="1" build="p"/>
+      <p:bldP spid="24" grpId="0" animBg="1"/>
       <p:bldP spid="20" grpId="0" animBg="1"/>
-      <p:bldP spid="428035" grpId="0" uiExpand="1" build="p"/>
       <p:bldP spid="13" grpId="0" animBg="1"/>
       <p:bldP spid="14" grpId="0"/>
       <p:bldP spid="15" grpId="0" animBg="1"/>
@@ -20240,6 +20930,73 @@
           <a:chExt cx="0" cy="0"/>
         </a:xfrm>
       </p:grpSpPr>
+      <p:sp>
+        <p:nvSpPr>
+          <p:cNvPr id="14" name="Rectangle 5">
+            <a:extLst>
+              <a:ext uri="{FF2B5EF4-FFF2-40B4-BE49-F238E27FC236}">
+                <a16:creationId xmlns:a16="http://schemas.microsoft.com/office/drawing/2014/main" id="{6A53B84C-5808-4A53-BD2C-AC1DDE215049}"/>
+              </a:ext>
+            </a:extLst>
+          </p:cNvPr>
+          <p:cNvSpPr>
+            <a:spLocks noChangeArrowheads="1"/>
+          </p:cNvSpPr>
+          <p:nvPr/>
+        </p:nvSpPr>
+        <p:spPr bwMode="auto">
+          <a:xfrm>
+            <a:off x="193590" y="1151118"/>
+            <a:ext cx="11082422" cy="5151631"/>
+          </a:xfrm>
+          <a:prstGeom prst="rect">
+            <a:avLst/>
+          </a:prstGeom>
+          <a:solidFill>
+            <a:schemeClr val="accent5">
+              <a:lumMod val="40000"/>
+              <a:lumOff val="60000"/>
+              <a:alpha val="20000"/>
+            </a:schemeClr>
+          </a:solidFill>
+          <a:ln w="12700">
+            <a:solidFill>
+              <a:schemeClr val="accent5">
+                <a:lumMod val="60000"/>
+                <a:lumOff val="40000"/>
+              </a:schemeClr>
+            </a:solidFill>
+          </a:ln>
+        </p:spPr>
+        <p:txBody>
+          <a:bodyPr wrap="square" lIns="144000" tIns="72000" rIns="144000" bIns="72000">
+            <a:spAutoFit/>
+          </a:bodyPr>
+          <a:lstStyle/>
+          <a:p>
+            <a:pPr>
+              <a:buClr>
+                <a:srgbClr val="F2B254"/>
+              </a:buClr>
+              <a:buSzPct val="100000"/>
+            </a:pPr>
+            <a:endParaRPr lang="en-US" sz="2800" b="1" noProof="1">
+              <a:solidFill>
+                <a:srgbClr val="FBEEDC"/>
+              </a:solidFill>
+              <a:effectLst>
+                <a:outerShdw blurRad="38100" dist="38100" dir="2700000" algn="tl">
+                  <a:srgbClr val="000000">
+                    <a:alpha val="43137"/>
+                  </a:srgbClr>
+                </a:outerShdw>
+              </a:effectLst>
+              <a:latin typeface="Consolas" pitchFamily="49" charset="0"/>
+              <a:cs typeface="Consolas" pitchFamily="49" charset="0"/>
+            </a:endParaRPr>
+          </a:p>
+        </p:txBody>
+      </p:sp>
       <p:sp>
         <p:nvSpPr>
           <p:cNvPr id="428035" name="Rectangle 3"/>
@@ -21119,6 +21876,9 @@
                     <p:cTn id="3" fill="hold">
                       <p:stCondLst>
                         <p:cond delay="indefinite"/>
+                        <p:cond evt="onBegin" delay="0">
+                          <p:tn val="2"/>
+                        </p:cond>
                       </p:stCondLst>
                       <p:childTnLst>
                         <p:par>
@@ -21128,7 +21888,7 @@
                             </p:stCondLst>
                             <p:childTnLst>
                               <p:par>
-                                <p:cTn id="5" presetID="1" presetClass="entr" presetSubtype="0" fill="hold" grpId="0" nodeType="clickEffect">
+                                <p:cTn id="5" presetID="1" presetClass="entr" presetSubtype="0" fill="hold" grpId="0" nodeType="withEffect">
                                   <p:stCondLst>
                                     <p:cond delay="0"/>
                                   </p:stCondLst>
@@ -21141,11 +21901,7 @@
                                           </p:stCondLst>
                                         </p:cTn>
                                         <p:tgtEl>
-                                          <p:spTgt spid="428035">
-                                            <p:txEl>
-                                              <p:pRg st="0" end="0"/>
-                                            </p:txEl>
-                                          </p:spTgt>
+                                          <p:spTgt spid="14"/>
                                         </p:tgtEl>
                                         <p:attrNameLst>
                                           <p:attrName>style.visibility</p:attrName>
@@ -21159,10 +21915,15 @@
                                 </p:cTn>
                               </p:par>
                               <p:par>
-                                <p:cTn id="7" presetID="1" presetClass="entr" presetSubtype="0" fill="hold" grpId="0" nodeType="withEffect">
+                                <p:cTn id="7" presetID="1" presetClass="entr" presetSubtype="0" fill="hold" nodeType="withEffect" nodePh="1">
                                   <p:stCondLst>
                                     <p:cond delay="0"/>
                                   </p:stCondLst>
+                                  <p:endCondLst>
+                                    <p:cond evt="begin" delay="0">
+                                      <p:tn val="7"/>
+                                    </p:cond>
+                                  </p:endCondLst>
                                   <p:childTnLst>
                                     <p:set>
                                       <p:cBhvr>
@@ -21172,9 +21933,9 @@
                                           </p:stCondLst>
                                         </p:cTn>
                                         <p:tgtEl>
-                                          <p:spTgt spid="428035">
+                                          <p:spTgt spid="14">
                                             <p:txEl>
-                                              <p:pRg st="1" end="1"/>
+                                              <p:pRg st="0" end="0"/>
                                             </p:txEl>
                                           </p:spTgt>
                                         </p:tgtEl>
@@ -21205,7 +21966,7 @@
                                         <p:tgtEl>
                                           <p:spTgt spid="428035">
                                             <p:txEl>
-                                              <p:pRg st="2" end="2"/>
+                                              <p:pRg st="0" end="0"/>
                                             </p:txEl>
                                           </p:spTgt>
                                         </p:tgtEl>
@@ -21236,7 +21997,7 @@
                                         <p:tgtEl>
                                           <p:spTgt spid="428035">
                                             <p:txEl>
-                                              <p:pRg st="3" end="3"/>
+                                              <p:pRg st="1" end="1"/>
                                             </p:txEl>
                                           </p:spTgt>
                                         </p:tgtEl>
@@ -21267,6 +22028,68 @@
                                         <p:tgtEl>
                                           <p:spTgt spid="428035">
                                             <p:txEl>
+                                              <p:pRg st="2" end="2"/>
+                                            </p:txEl>
+                                          </p:spTgt>
+                                        </p:tgtEl>
+                                        <p:attrNameLst>
+                                          <p:attrName>style.visibility</p:attrName>
+                                        </p:attrNameLst>
+                                      </p:cBhvr>
+                                      <p:to>
+                                        <p:strVal val="visible"/>
+                                      </p:to>
+                                    </p:set>
+                                  </p:childTnLst>
+                                </p:cTn>
+                              </p:par>
+                              <p:par>
+                                <p:cTn id="15" presetID="1" presetClass="entr" presetSubtype="0" fill="hold" grpId="0" nodeType="withEffect">
+                                  <p:stCondLst>
+                                    <p:cond delay="0"/>
+                                  </p:stCondLst>
+                                  <p:childTnLst>
+                                    <p:set>
+                                      <p:cBhvr>
+                                        <p:cTn id="16" dur="1" fill="hold">
+                                          <p:stCondLst>
+                                            <p:cond delay="0"/>
+                                          </p:stCondLst>
+                                        </p:cTn>
+                                        <p:tgtEl>
+                                          <p:spTgt spid="428035">
+                                            <p:txEl>
+                                              <p:pRg st="3" end="3"/>
+                                            </p:txEl>
+                                          </p:spTgt>
+                                        </p:tgtEl>
+                                        <p:attrNameLst>
+                                          <p:attrName>style.visibility</p:attrName>
+                                        </p:attrNameLst>
+                                      </p:cBhvr>
+                                      <p:to>
+                                        <p:strVal val="visible"/>
+                                      </p:to>
+                                    </p:set>
+                                  </p:childTnLst>
+                                </p:cTn>
+                              </p:par>
+                              <p:par>
+                                <p:cTn id="17" presetID="1" presetClass="entr" presetSubtype="0" fill="hold" grpId="0" nodeType="withEffect">
+                                  <p:stCondLst>
+                                    <p:cond delay="0"/>
+                                  </p:stCondLst>
+                                  <p:childTnLst>
+                                    <p:set>
+                                      <p:cBhvr>
+                                        <p:cTn id="18" dur="1" fill="hold">
+                                          <p:stCondLst>
+                                            <p:cond delay="0"/>
+                                          </p:stCondLst>
+                                        </p:cTn>
+                                        <p:tgtEl>
+                                          <p:spTgt spid="428035">
+                                            <p:txEl>
                                               <p:pRg st="4" end="4"/>
                                             </p:txEl>
                                           </p:spTgt>
@@ -21289,26 +22112,26 @@
                     </p:cTn>
                   </p:par>
                   <p:par>
-                    <p:cTn id="15" fill="hold">
+                    <p:cTn id="19" fill="hold">
                       <p:stCondLst>
                         <p:cond delay="indefinite"/>
                       </p:stCondLst>
                       <p:childTnLst>
                         <p:par>
-                          <p:cTn id="16" fill="hold">
+                          <p:cTn id="20" fill="hold">
                             <p:stCondLst>
                               <p:cond delay="0"/>
                             </p:stCondLst>
                             <p:childTnLst>
                               <p:par>
-                                <p:cTn id="17" presetID="1" presetClass="entr" presetSubtype="0" fill="hold" grpId="0" nodeType="clickEffect">
+                                <p:cTn id="21" presetID="1" presetClass="entr" presetSubtype="0" fill="hold" grpId="0" nodeType="clickEffect">
                                   <p:stCondLst>
                                     <p:cond delay="0"/>
                                   </p:stCondLst>
                                   <p:childTnLst>
                                     <p:set>
                                       <p:cBhvr>
-                                        <p:cTn id="18" dur="1" fill="hold">
+                                        <p:cTn id="22" dur="1" fill="hold">
                                           <p:stCondLst>
                                             <p:cond delay="0"/>
                                           </p:stCondLst>
@@ -21335,20 +22158,20 @@
                           </p:cTn>
                         </p:par>
                         <p:par>
-                          <p:cTn id="19" fill="hold">
+                          <p:cTn id="23" fill="hold">
                             <p:stCondLst>
                               <p:cond delay="0"/>
                             </p:stCondLst>
                             <p:childTnLst>
                               <p:par>
-                                <p:cTn id="20" presetID="1" presetClass="entr" presetSubtype="0" fill="hold" grpId="0" nodeType="afterEffect">
+                                <p:cTn id="24" presetID="1" presetClass="entr" presetSubtype="0" fill="hold" grpId="0" nodeType="afterEffect">
                                   <p:stCondLst>
                                     <p:cond delay="0"/>
                                   </p:stCondLst>
                                   <p:childTnLst>
                                     <p:set>
                                       <p:cBhvr>
-                                        <p:cTn id="21" dur="1" fill="hold">
+                                        <p:cTn id="25" dur="1" fill="hold">
                                           <p:stCondLst>
                                             <p:cond delay="0"/>
                                           </p:stCondLst>
@@ -21368,52 +22191,7 @@
                                 </p:cTn>
                               </p:par>
                               <p:par>
-                                <p:cTn id="22" presetID="1" presetClass="entr" presetSubtype="0" fill="hold" grpId="0" nodeType="withEffect">
-                                  <p:stCondLst>
-                                    <p:cond delay="0"/>
-                                  </p:stCondLst>
-                                  <p:childTnLst>
-                                    <p:set>
-                                      <p:cBhvr>
-                                        <p:cTn id="23" dur="1" fill="hold">
-                                          <p:stCondLst>
-                                            <p:cond delay="0"/>
-                                          </p:stCondLst>
-                                        </p:cTn>
-                                        <p:tgtEl>
-                                          <p:spTgt spid="22"/>
-                                        </p:tgtEl>
-                                        <p:attrNameLst>
-                                          <p:attrName>style.visibility</p:attrName>
-                                        </p:attrNameLst>
-                                      </p:cBhvr>
-                                      <p:to>
-                                        <p:strVal val="visible"/>
-                                      </p:to>
-                                    </p:set>
-                                  </p:childTnLst>
-                                </p:cTn>
-                              </p:par>
-                            </p:childTnLst>
-                          </p:cTn>
-                        </p:par>
-                      </p:childTnLst>
-                    </p:cTn>
-                  </p:par>
-                  <p:par>
-                    <p:cTn id="24" fill="hold">
-                      <p:stCondLst>
-                        <p:cond delay="indefinite"/>
-                      </p:stCondLst>
-                      <p:childTnLst>
-                        <p:par>
-                          <p:cTn id="25" fill="hold">
-                            <p:stCondLst>
-                              <p:cond delay="0"/>
-                            </p:stCondLst>
-                            <p:childTnLst>
-                              <p:par>
-                                <p:cTn id="26" presetID="1" presetClass="entr" presetSubtype="0" fill="hold" grpId="0" nodeType="clickEffect">
+                                <p:cTn id="26" presetID="1" presetClass="entr" presetSubtype="0" fill="hold" grpId="0" nodeType="withEffect">
                                   <p:stCondLst>
                                     <p:cond delay="0"/>
                                   </p:stCondLst>
@@ -21426,11 +22204,7 @@
                                           </p:stCondLst>
                                         </p:cTn>
                                         <p:tgtEl>
-                                          <p:spTgt spid="428035">
-                                            <p:txEl>
-                                              <p:pRg st="6" end="6"/>
-                                            </p:txEl>
-                                          </p:spTgt>
+                                          <p:spTgt spid="22"/>
                                         </p:tgtEl>
                                         <p:attrNameLst>
                                           <p:attrName>style.visibility</p:attrName>
@@ -21475,34 +22249,11 @@
                                           </p:stCondLst>
                                         </p:cTn>
                                         <p:tgtEl>
-                                          <p:spTgt spid="27"/>
-                                        </p:tgtEl>
-                                        <p:attrNameLst>
-                                          <p:attrName>style.visibility</p:attrName>
-                                        </p:attrNameLst>
-                                      </p:cBhvr>
-                                      <p:to>
-                                        <p:strVal val="visible"/>
-                                      </p:to>
-                                    </p:set>
-                                  </p:childTnLst>
-                                </p:cTn>
-                              </p:par>
-                              <p:par>
-                                <p:cTn id="32" presetID="1" presetClass="entr" presetSubtype="0" fill="hold" grpId="0" nodeType="withEffect">
-                                  <p:stCondLst>
-                                    <p:cond delay="0"/>
-                                  </p:stCondLst>
-                                  <p:childTnLst>
-                                    <p:set>
-                                      <p:cBhvr>
-                                        <p:cTn id="33" dur="1" fill="hold">
-                                          <p:stCondLst>
-                                            <p:cond delay="0"/>
-                                          </p:stCondLst>
-                                        </p:cTn>
-                                        <p:tgtEl>
-                                          <p:spTgt spid="24"/>
+                                          <p:spTgt spid="428035">
+                                            <p:txEl>
+                                              <p:pRg st="6" end="6"/>
+                                            </p:txEl>
+                                          </p:spTgt>
                                         </p:tgtEl>
                                         <p:attrNameLst>
                                           <p:attrName>style.visibility</p:attrName>
@@ -21522,19 +22273,46 @@
                     </p:cTn>
                   </p:par>
                   <p:par>
-                    <p:cTn id="34" fill="hold">
+                    <p:cTn id="32" fill="hold">
                       <p:stCondLst>
                         <p:cond delay="indefinite"/>
                       </p:stCondLst>
                       <p:childTnLst>
                         <p:par>
-                          <p:cTn id="35" fill="hold">
+                          <p:cTn id="33" fill="hold">
                             <p:stCondLst>
                               <p:cond delay="0"/>
                             </p:stCondLst>
                             <p:childTnLst>
                               <p:par>
-                                <p:cTn id="36" presetID="1" presetClass="entr" presetSubtype="0" fill="hold" grpId="0" nodeType="clickEffect">
+                                <p:cTn id="34" presetID="1" presetClass="entr" presetSubtype="0" fill="hold" grpId="0" nodeType="clickEffect">
+                                  <p:stCondLst>
+                                    <p:cond delay="0"/>
+                                  </p:stCondLst>
+                                  <p:childTnLst>
+                                    <p:set>
+                                      <p:cBhvr>
+                                        <p:cTn id="35" dur="1" fill="hold">
+                                          <p:stCondLst>
+                                            <p:cond delay="0"/>
+                                          </p:stCondLst>
+                                        </p:cTn>
+                                        <p:tgtEl>
+                                          <p:spTgt spid="27"/>
+                                        </p:tgtEl>
+                                        <p:attrNameLst>
+                                          <p:attrName>style.visibility</p:attrName>
+                                        </p:attrNameLst>
+                                      </p:cBhvr>
+                                      <p:to>
+                                        <p:strVal val="visible"/>
+                                      </p:to>
+                                    </p:set>
+                                  </p:childTnLst>
+                                </p:cTn>
+                              </p:par>
+                              <p:par>
+                                <p:cTn id="36" presetID="1" presetClass="entr" presetSubtype="0" fill="hold" grpId="0" nodeType="withEffect">
                                   <p:stCondLst>
                                     <p:cond delay="0"/>
                                   </p:stCondLst>
@@ -21547,11 +22325,7 @@
                                           </p:stCondLst>
                                         </p:cTn>
                                         <p:tgtEl>
-                                          <p:spTgt spid="428035">
-                                            <p:txEl>
-                                              <p:pRg st="7" end="7"/>
-                                            </p:txEl>
-                                          </p:spTgt>
+                                          <p:spTgt spid="24"/>
                                         </p:tgtEl>
                                         <p:attrNameLst>
                                           <p:attrName>style.visibility</p:attrName>
@@ -21596,6 +22370,55 @@
                                           </p:stCondLst>
                                         </p:cTn>
                                         <p:tgtEl>
+                                          <p:spTgt spid="428035">
+                                            <p:txEl>
+                                              <p:pRg st="7" end="7"/>
+                                            </p:txEl>
+                                          </p:spTgt>
+                                        </p:tgtEl>
+                                        <p:attrNameLst>
+                                          <p:attrName>style.visibility</p:attrName>
+                                        </p:attrNameLst>
+                                      </p:cBhvr>
+                                      <p:to>
+                                        <p:strVal val="visible"/>
+                                      </p:to>
+                                    </p:set>
+                                  </p:childTnLst>
+                                </p:cTn>
+                              </p:par>
+                            </p:childTnLst>
+                          </p:cTn>
+                        </p:par>
+                      </p:childTnLst>
+                    </p:cTn>
+                  </p:par>
+                  <p:par>
+                    <p:cTn id="42" fill="hold">
+                      <p:stCondLst>
+                        <p:cond delay="indefinite"/>
+                      </p:stCondLst>
+                      <p:childTnLst>
+                        <p:par>
+                          <p:cTn id="43" fill="hold">
+                            <p:stCondLst>
+                              <p:cond delay="0"/>
+                            </p:stCondLst>
+                            <p:childTnLst>
+                              <p:par>
+                                <p:cTn id="44" presetID="1" presetClass="entr" presetSubtype="0" fill="hold" grpId="0" nodeType="clickEffect">
+                                  <p:stCondLst>
+                                    <p:cond delay="0"/>
+                                  </p:stCondLst>
+                                  <p:childTnLst>
+                                    <p:set>
+                                      <p:cBhvr>
+                                        <p:cTn id="45" dur="1" fill="hold">
+                                          <p:stCondLst>
+                                            <p:cond delay="0"/>
+                                          </p:stCondLst>
+                                        </p:cTn>
+                                        <p:tgtEl>
                                           <p:spTgt spid="26"/>
                                         </p:tgtEl>
                                         <p:attrNameLst>
@@ -21610,14 +22433,14 @@
                                 </p:cTn>
                               </p:par>
                               <p:par>
-                                <p:cTn id="42" presetID="1" presetClass="entr" presetSubtype="0" fill="hold" grpId="3" nodeType="withEffect">
+                                <p:cTn id="46" presetID="1" presetClass="entr" presetSubtype="0" fill="hold" grpId="3" nodeType="withEffect">
                                   <p:stCondLst>
                                     <p:cond delay="0"/>
                                   </p:stCondLst>
                                   <p:childTnLst>
                                     <p:set>
                                       <p:cBhvr>
-                                        <p:cTn id="43" dur="1" fill="hold">
+                                        <p:cTn id="47" dur="1" fill="hold">
                                           <p:stCondLst>
                                             <p:cond delay="0"/>
                                           </p:stCondLst>
@@ -21640,20 +22463,20 @@
                           </p:cTn>
                         </p:par>
                         <p:par>
-                          <p:cTn id="44" fill="hold">
+                          <p:cTn id="48" fill="hold">
                             <p:stCondLst>
                               <p:cond delay="0"/>
                             </p:stCondLst>
                             <p:childTnLst>
                               <p:par>
-                                <p:cTn id="45" presetID="1" presetClass="exit" presetSubtype="0" fill="hold" grpId="1" nodeType="afterEffect">
+                                <p:cTn id="49" presetID="1" presetClass="exit" presetSubtype="0" fill="hold" grpId="1" nodeType="afterEffect">
                                   <p:stCondLst>
                                     <p:cond delay="0"/>
                                   </p:stCondLst>
                                   <p:childTnLst>
                                     <p:set>
                                       <p:cBhvr>
-                                        <p:cTn id="46" dur="1" fill="hold">
+                                        <p:cTn id="50" dur="1" fill="hold">
                                           <p:stCondLst>
                                             <p:cond delay="0"/>
                                           </p:stCondLst>
@@ -21673,14 +22496,14 @@
                                 </p:cTn>
                               </p:par>
                               <p:par>
-                                <p:cTn id="47" presetID="1" presetClass="exit" presetSubtype="0" fill="hold" grpId="1" nodeType="withEffect">
+                                <p:cTn id="51" presetID="1" presetClass="exit" presetSubtype="0" fill="hold" grpId="1" nodeType="withEffect">
                                   <p:stCondLst>
                                     <p:cond delay="0"/>
                                   </p:stCondLst>
                                   <p:childTnLst>
                                     <p:set>
                                       <p:cBhvr>
-                                        <p:cTn id="48" dur="1" fill="hold">
+                                        <p:cTn id="52" dur="1" fill="hold">
                                           <p:stCondLst>
                                             <p:cond delay="0"/>
                                           </p:stCondLst>
@@ -21694,51 +22517,6 @@
                                       </p:cBhvr>
                                       <p:to>
                                         <p:strVal val="hidden"/>
-                                      </p:to>
-                                    </p:set>
-                                  </p:childTnLst>
-                                </p:cTn>
-                              </p:par>
-                            </p:childTnLst>
-                          </p:cTn>
-                        </p:par>
-                      </p:childTnLst>
-                    </p:cTn>
-                  </p:par>
-                  <p:par>
-                    <p:cTn id="49" fill="hold">
-                      <p:stCondLst>
-                        <p:cond delay="indefinite"/>
-                      </p:stCondLst>
-                      <p:childTnLst>
-                        <p:par>
-                          <p:cTn id="50" fill="hold">
-                            <p:stCondLst>
-                              <p:cond delay="0"/>
-                            </p:stCondLst>
-                            <p:childTnLst>
-                              <p:par>
-                                <p:cTn id="51" presetID="1" presetClass="entr" presetSubtype="0" fill="hold" grpId="0" nodeType="clickEffect">
-                                  <p:stCondLst>
-                                    <p:cond delay="0"/>
-                                  </p:stCondLst>
-                                  <p:childTnLst>
-                                    <p:set>
-                                      <p:cBhvr>
-                                        <p:cTn id="52" dur="1" fill="hold">
-                                          <p:stCondLst>
-                                            <p:cond delay="0"/>
-                                          </p:stCondLst>
-                                        </p:cTn>
-                                        <p:tgtEl>
-                                          <p:spTgt spid="25"/>
-                                        </p:tgtEl>
-                                        <p:attrNameLst>
-                                          <p:attrName>style.visibility</p:attrName>
-                                        </p:attrNameLst>
-                                      </p:cBhvr>
-                                      <p:to>
-                                        <p:strVal val="visible"/>
                                       </p:to>
                                     </p:set>
                                   </p:childTnLst>
@@ -21776,6 +22554,51 @@
                                           </p:stCondLst>
                                         </p:cTn>
                                         <p:tgtEl>
+                                          <p:spTgt spid="25"/>
+                                        </p:tgtEl>
+                                        <p:attrNameLst>
+                                          <p:attrName>style.visibility</p:attrName>
+                                        </p:attrNameLst>
+                                      </p:cBhvr>
+                                      <p:to>
+                                        <p:strVal val="visible"/>
+                                      </p:to>
+                                    </p:set>
+                                  </p:childTnLst>
+                                </p:cTn>
+                              </p:par>
+                            </p:childTnLst>
+                          </p:cTn>
+                        </p:par>
+                      </p:childTnLst>
+                    </p:cTn>
+                  </p:par>
+                  <p:par>
+                    <p:cTn id="57" fill="hold">
+                      <p:stCondLst>
+                        <p:cond delay="indefinite"/>
+                      </p:stCondLst>
+                      <p:childTnLst>
+                        <p:par>
+                          <p:cTn id="58" fill="hold">
+                            <p:stCondLst>
+                              <p:cond delay="0"/>
+                            </p:stCondLst>
+                            <p:childTnLst>
+                              <p:par>
+                                <p:cTn id="59" presetID="1" presetClass="entr" presetSubtype="0" fill="hold" grpId="0" nodeType="clickEffect">
+                                  <p:stCondLst>
+                                    <p:cond delay="0"/>
+                                  </p:stCondLst>
+                                  <p:childTnLst>
+                                    <p:set>
+                                      <p:cBhvr>
+                                        <p:cTn id="60" dur="1" fill="hold">
+                                          <p:stCondLst>
+                                            <p:cond delay="0"/>
+                                          </p:stCondLst>
+                                        </p:cTn>
+                                        <p:tgtEl>
                                           <p:spTgt spid="428035">
                                             <p:txEl>
                                               <p:pRg st="8" end="8"/>
@@ -21794,14 +22617,14 @@
                                 </p:cTn>
                               </p:par>
                               <p:par>
-                                <p:cTn id="57" presetID="1" presetClass="entr" presetSubtype="0" fill="hold" grpId="0" nodeType="withEffect">
+                                <p:cTn id="61" presetID="1" presetClass="entr" presetSubtype="0" fill="hold" grpId="0" nodeType="withEffect">
                                   <p:stCondLst>
                                     <p:cond delay="0"/>
                                   </p:stCondLst>
                                   <p:childTnLst>
                                     <p:set>
                                       <p:cBhvr>
-                                        <p:cTn id="58" dur="1" fill="hold">
+                                        <p:cTn id="62" dur="1" fill="hold">
                                           <p:stCondLst>
                                             <p:cond delay="0"/>
                                           </p:stCondLst>
@@ -21825,14 +22648,14 @@
                                 </p:cTn>
                               </p:par>
                               <p:par>
-                                <p:cTn id="59" presetID="1" presetClass="entr" presetSubtype="0" fill="hold" grpId="0" nodeType="withEffect">
+                                <p:cTn id="63" presetID="1" presetClass="entr" presetSubtype="0" fill="hold" grpId="0" nodeType="withEffect">
                                   <p:stCondLst>
                                     <p:cond delay="0"/>
                                   </p:stCondLst>
                                   <p:childTnLst>
                                     <p:set>
                                       <p:cBhvr>
-                                        <p:cTn id="60" dur="1" fill="hold">
+                                        <p:cTn id="64" dur="1" fill="hold">
                                           <p:stCondLst>
                                             <p:cond delay="0"/>
                                           </p:stCondLst>
@@ -21862,26 +22685,26 @@
                     </p:cTn>
                   </p:par>
                   <p:par>
-                    <p:cTn id="61" fill="hold">
+                    <p:cTn id="65" fill="hold">
                       <p:stCondLst>
                         <p:cond delay="indefinite"/>
                       </p:stCondLst>
                       <p:childTnLst>
                         <p:par>
-                          <p:cTn id="62" fill="hold">
+                          <p:cTn id="66" fill="hold">
                             <p:stCondLst>
                               <p:cond delay="0"/>
                             </p:stCondLst>
                             <p:childTnLst>
                               <p:par>
-                                <p:cTn id="63" presetID="58" presetClass="path" presetSubtype="0" accel="50000" decel="50000" fill="hold" grpId="1" nodeType="clickEffect">
+                                <p:cTn id="67" presetID="58" presetClass="path" presetSubtype="0" accel="50000" decel="50000" fill="hold" grpId="1" nodeType="clickEffect">
                                   <p:stCondLst>
                                     <p:cond delay="0"/>
                                   </p:stCondLst>
                                   <p:childTnLst>
                                     <p:animMotion origin="layout" path="M -0.13389 0.00671 L 0.00638 0.19398 C 0.0379 0.23356 0.05587 0.29282 0.05587 0.3544 C 0.05587 0.42431 0.0379 0.48032 0.00638 0.51991 L -0.13389 0.70764 " pathEditMode="relative" rAng="0" ptsTypes="AAAAA">
                                       <p:cBhvr>
-                                        <p:cTn id="64" dur="2000" fill="hold"/>
+                                        <p:cTn id="68" dur="2000" fill="hold"/>
                                         <p:tgtEl>
                                           <p:spTgt spid="26"/>
                                         </p:tgtEl>
@@ -21902,26 +22725,26 @@
                     </p:cTn>
                   </p:par>
                   <p:par>
-                    <p:cTn id="65" fill="hold">
+                    <p:cTn id="69" fill="hold">
                       <p:stCondLst>
                         <p:cond delay="indefinite"/>
                       </p:stCondLst>
                       <p:childTnLst>
                         <p:par>
-                          <p:cTn id="66" fill="hold">
+                          <p:cTn id="70" fill="hold">
                             <p:stCondLst>
                               <p:cond delay="0"/>
                             </p:stCondLst>
                             <p:childTnLst>
                               <p:par>
-                                <p:cTn id="67" presetID="51" presetClass="path" presetSubtype="0" accel="50000" decel="50000" fill="hold" grpId="1" nodeType="clickEffect">
+                                <p:cTn id="71" presetID="51" presetClass="path" presetSubtype="0" accel="50000" decel="50000" fill="hold" grpId="1" nodeType="clickEffect">
                                   <p:stCondLst>
                                     <p:cond delay="0"/>
                                   </p:stCondLst>
                                   <p:childTnLst>
                                     <p:animMotion origin="layout" path="M -0.0676 -3.7037E-7 L -0.05848 0.11181 C -0.0564 0.13542 -0.05509 0.17083 -0.05509 0.20741 C -0.05509 0.24931 -0.0564 0.28264 -0.05848 0.30625 L -0.0676 0.41852 " pathEditMode="relative" rAng="0" ptsTypes="AAAAA">
                                       <p:cBhvr>
-                                        <p:cTn id="68" dur="2000" fill="hold"/>
+                                        <p:cTn id="72" dur="2000" fill="hold"/>
                                         <p:tgtEl>
                                           <p:spTgt spid="25"/>
                                         </p:tgtEl>
@@ -21939,20 +22762,20 @@
                           </p:cTn>
                         </p:par>
                         <p:par>
-                          <p:cTn id="69" fill="hold">
+                          <p:cTn id="73" fill="hold">
                             <p:stCondLst>
                               <p:cond delay="2000"/>
                             </p:stCondLst>
                             <p:childTnLst>
                               <p:par>
-                                <p:cTn id="70" presetID="1" presetClass="exit" presetSubtype="0" fill="hold" grpId="2" nodeType="afterEffect">
+                                <p:cTn id="74" presetID="1" presetClass="exit" presetSubtype="0" fill="hold" grpId="2" nodeType="afterEffect">
                                   <p:stCondLst>
                                     <p:cond delay="0"/>
                                   </p:stCondLst>
                                   <p:childTnLst>
                                     <p:set>
                                       <p:cBhvr>
-                                        <p:cTn id="71" dur="1" fill="hold">
+                                        <p:cTn id="75" dur="1" fill="hold">
                                           <p:stCondLst>
                                             <p:cond delay="0"/>
                                           </p:stCondLst>
@@ -21972,14 +22795,14 @@
                                 </p:cTn>
                               </p:par>
                               <p:par>
-                                <p:cTn id="72" presetID="1" presetClass="exit" presetSubtype="0" fill="hold" grpId="2" nodeType="withEffect">
+                                <p:cTn id="76" presetID="1" presetClass="exit" presetSubtype="0" fill="hold" grpId="2" nodeType="withEffect">
                                   <p:stCondLst>
                                     <p:cond delay="0"/>
                                   </p:stCondLst>
                                   <p:childTnLst>
                                     <p:set>
                                       <p:cBhvr>
-                                        <p:cTn id="73" dur="1" fill="hold">
+                                        <p:cTn id="77" dur="1" fill="hold">
                                           <p:stCondLst>
                                             <p:cond delay="0"/>
                                           </p:stCondLst>
@@ -22002,20 +22825,20 @@
                           </p:cTn>
                         </p:par>
                         <p:par>
-                          <p:cTn id="74" fill="hold">
+                          <p:cTn id="78" fill="hold">
                             <p:stCondLst>
                               <p:cond delay="2000"/>
                             </p:stCondLst>
                             <p:childTnLst>
                               <p:par>
-                                <p:cTn id="75" presetID="1" presetClass="entr" presetSubtype="0" fill="hold" grpId="0" nodeType="afterEffect">
+                                <p:cTn id="79" presetID="1" presetClass="entr" presetSubtype="0" fill="hold" grpId="0" nodeType="afterEffect">
                                   <p:stCondLst>
                                     <p:cond delay="0"/>
                                   </p:stCondLst>
                                   <p:childTnLst>
                                     <p:set>
                                       <p:cBhvr>
-                                        <p:cTn id="76" dur="1" fill="hold">
+                                        <p:cTn id="80" dur="1" fill="hold">
                                           <p:stCondLst>
                                             <p:cond delay="0"/>
                                           </p:stCondLst>
@@ -22035,14 +22858,14 @@
                                 </p:cTn>
                               </p:par>
                               <p:par>
-                                <p:cTn id="77" presetID="1" presetClass="entr" presetSubtype="0" fill="hold" grpId="0" nodeType="withEffect">
+                                <p:cTn id="81" presetID="1" presetClass="entr" presetSubtype="0" fill="hold" grpId="0" nodeType="withEffect">
                                   <p:stCondLst>
                                     <p:cond delay="0"/>
                                   </p:stCondLst>
                                   <p:childTnLst>
                                     <p:set>
                                       <p:cBhvr>
-                                        <p:cTn id="78" dur="1" fill="hold">
+                                        <p:cTn id="82" dur="1" fill="hold">
                                           <p:stCondLst>
                                             <p:cond delay="0"/>
                                           </p:stCondLst>
@@ -22089,6 +22912,7 @@
       </p:par>
     </p:tnLst>
     <p:bldLst>
+      <p:bldP spid="14" grpId="0" animBg="1"/>
       <p:bldP spid="428035" grpId="0" uiExpand="1" build="p"/>
       <p:bldP spid="15" grpId="0" animBg="1"/>
       <p:bldP spid="17" grpId="0" animBg="1"/>
@@ -23994,6 +24818,183 @@
   <p:clrMapOvr>
     <a:masterClrMapping/>
   </p:clrMapOvr>
+  <p:timing>
+    <p:tnLst>
+      <p:par>
+        <p:cTn id="1" dur="indefinite" restart="never" nodeType="tmRoot">
+          <p:childTnLst>
+            <p:seq concurrent="1" nextAc="seek">
+              <p:cTn id="2" dur="indefinite" nodeType="mainSeq">
+                <p:childTnLst>
+                  <p:par>
+                    <p:cTn id="3" fill="hold">
+                      <p:stCondLst>
+                        <p:cond delay="indefinite"/>
+                      </p:stCondLst>
+                      <p:childTnLst>
+                        <p:par>
+                          <p:cTn id="4" fill="hold">
+                            <p:stCondLst>
+                              <p:cond delay="0"/>
+                            </p:stCondLst>
+                            <p:childTnLst>
+                              <p:par>
+                                <p:cTn id="5" presetID="1" presetClass="entr" presetSubtype="0" fill="hold" nodeType="clickEffect">
+                                  <p:stCondLst>
+                                    <p:cond delay="0"/>
+                                  </p:stCondLst>
+                                  <p:childTnLst>
+                                    <p:set>
+                                      <p:cBhvr>
+                                        <p:cTn id="6" dur="1" fill="hold">
+                                          <p:stCondLst>
+                                            <p:cond delay="0"/>
+                                          </p:stCondLst>
+                                        </p:cTn>
+                                        <p:tgtEl>
+                                          <p:spTgt spid="5">
+                                            <p:txEl>
+                                              <p:pRg st="1" end="1"/>
+                                            </p:txEl>
+                                          </p:spTgt>
+                                        </p:tgtEl>
+                                        <p:attrNameLst>
+                                          <p:attrName>style.visibility</p:attrName>
+                                        </p:attrNameLst>
+                                      </p:cBhvr>
+                                      <p:to>
+                                        <p:strVal val="visible"/>
+                                      </p:to>
+                                    </p:set>
+                                  </p:childTnLst>
+                                </p:cTn>
+                              </p:par>
+                            </p:childTnLst>
+                          </p:cTn>
+                        </p:par>
+                      </p:childTnLst>
+                    </p:cTn>
+                  </p:par>
+                  <p:par>
+                    <p:cTn id="7" fill="hold">
+                      <p:stCondLst>
+                        <p:cond delay="indefinite"/>
+                      </p:stCondLst>
+                      <p:childTnLst>
+                        <p:par>
+                          <p:cTn id="8" fill="hold">
+                            <p:stCondLst>
+                              <p:cond delay="0"/>
+                            </p:stCondLst>
+                            <p:childTnLst>
+                              <p:par>
+                                <p:cTn id="9" presetID="1" presetClass="entr" presetSubtype="0" fill="hold" nodeType="clickEffect">
+                                  <p:stCondLst>
+                                    <p:cond delay="0"/>
+                                  </p:stCondLst>
+                                  <p:childTnLst>
+                                    <p:set>
+                                      <p:cBhvr>
+                                        <p:cTn id="10" dur="1" fill="hold">
+                                          <p:stCondLst>
+                                            <p:cond delay="0"/>
+                                          </p:stCondLst>
+                                        </p:cTn>
+                                        <p:tgtEl>
+                                          <p:spTgt spid="5">
+                                            <p:txEl>
+                                              <p:pRg st="2" end="2"/>
+                                            </p:txEl>
+                                          </p:spTgt>
+                                        </p:tgtEl>
+                                        <p:attrNameLst>
+                                          <p:attrName>style.visibility</p:attrName>
+                                        </p:attrNameLst>
+                                      </p:cBhvr>
+                                      <p:to>
+                                        <p:strVal val="visible"/>
+                                      </p:to>
+                                    </p:set>
+                                  </p:childTnLst>
+                                </p:cTn>
+                              </p:par>
+                            </p:childTnLst>
+                          </p:cTn>
+                        </p:par>
+                      </p:childTnLst>
+                    </p:cTn>
+                  </p:par>
+                  <p:par>
+                    <p:cTn id="11" fill="hold">
+                      <p:stCondLst>
+                        <p:cond delay="indefinite"/>
+                      </p:stCondLst>
+                      <p:childTnLst>
+                        <p:par>
+                          <p:cTn id="12" fill="hold">
+                            <p:stCondLst>
+                              <p:cond delay="0"/>
+                            </p:stCondLst>
+                            <p:childTnLst>
+                              <p:par>
+                                <p:cTn id="13" presetID="1" presetClass="entr" presetSubtype="0" fill="hold" nodeType="clickEffect">
+                                  <p:stCondLst>
+                                    <p:cond delay="0"/>
+                                  </p:stCondLst>
+                                  <p:childTnLst>
+                                    <p:set>
+                                      <p:cBhvr>
+                                        <p:cTn id="14" dur="1" fill="hold">
+                                          <p:stCondLst>
+                                            <p:cond delay="0"/>
+                                          </p:stCondLst>
+                                        </p:cTn>
+                                        <p:tgtEl>
+                                          <p:spTgt spid="5">
+                                            <p:txEl>
+                                              <p:pRg st="3" end="3"/>
+                                            </p:txEl>
+                                          </p:spTgt>
+                                        </p:tgtEl>
+                                        <p:attrNameLst>
+                                          <p:attrName>style.visibility</p:attrName>
+                                        </p:attrNameLst>
+                                      </p:cBhvr>
+                                      <p:to>
+                                        <p:strVal val="visible"/>
+                                      </p:to>
+                                    </p:set>
+                                  </p:childTnLst>
+                                </p:cTn>
+                              </p:par>
+                            </p:childTnLst>
+                          </p:cTn>
+                        </p:par>
+                      </p:childTnLst>
+                    </p:cTn>
+                  </p:par>
+                </p:childTnLst>
+              </p:cTn>
+              <p:prevCondLst>
+                <p:cond evt="onPrev" delay="0">
+                  <p:tgtEl>
+                    <p:sldTgt/>
+                  </p:tgtEl>
+                </p:cond>
+              </p:prevCondLst>
+              <p:nextCondLst>
+                <p:cond evt="onNext" delay="0">
+                  <p:tgtEl>
+                    <p:sldTgt/>
+                  </p:tgtEl>
+                </p:cond>
+              </p:nextCondLst>
+            </p:seq>
+          </p:childTnLst>
+        </p:cTn>
+      </p:par>
+    </p:tnLst>
+  </p:timing>
 </p:sld>
 </file>
 
